--- a/NLP243/Projects/EA_MT.pptx
+++ b/NLP243/Projects/EA_MT.pptx
@@ -30,14 +30,14 @@
     <p:sldId id="8388" r:id="rId21"/>
     <p:sldId id="8392" r:id="rId22"/>
     <p:sldId id="8389" r:id="rId23"/>
-    <p:sldId id="496" r:id="rId24"/>
-    <p:sldId id="8387" r:id="rId25"/>
-    <p:sldId id="3480" r:id="rId26"/>
-    <p:sldId id="8391" r:id="rId27"/>
-    <p:sldId id="390" r:id="rId28"/>
-    <p:sldId id="506" r:id="rId29"/>
-    <p:sldId id="8378" r:id="rId30"/>
-    <p:sldId id="377" r:id="rId31"/>
+    <p:sldId id="8393" r:id="rId24"/>
+    <p:sldId id="496" r:id="rId25"/>
+    <p:sldId id="8387" r:id="rId26"/>
+    <p:sldId id="3480" r:id="rId27"/>
+    <p:sldId id="8391" r:id="rId28"/>
+    <p:sldId id="390" r:id="rId29"/>
+    <p:sldId id="377" r:id="rId30"/>
+    <p:sldId id="8378" r:id="rId31"/>
   </p:sldIdLst>
   <p:sldSz cx="12192000" cy="6858000"/>
   <p:notesSz cx="6858000" cy="9144000"/>
@@ -226,7 +226,7 @@
           <a:p>
             <a:fld id="{D69E29FD-5CB0-43B2-8DE4-7A81EECF5A0B}" type="datetimeFigureOut">
               <a:rPr lang="zh-CN" altLang="en-US" smtClean="0"/>
-              <a:t>2024/12/1</a:t>
+              <a:t>2024/12/2</a:t>
             </a:fld>
             <a:endParaRPr lang="zh-CN" altLang="en-US"/>
           </a:p>
@@ -888,7 +888,7 @@
     </p:spTree>
     <p:extLst>
       <p:ext uri="{BB962C8B-B14F-4D97-AF65-F5344CB8AC3E}">
-        <p14:creationId xmlns:p14="http://schemas.microsoft.com/office/powerpoint/2010/main" val="1886401731"/>
+        <p14:creationId xmlns:p14="http://schemas.microsoft.com/office/powerpoint/2010/main" val="3133815338"/>
       </p:ext>
     </p:extLst>
   </p:cSld>
@@ -963,13 +963,18 @@
           <a:p>
             <a:fld id="{3849D3E0-124D-4DFF-AE99-4EA4CC201DB4}" type="slidenum">
               <a:rPr lang="zh-CN" altLang="en-US" smtClean="0"/>
-              <a:t>25</a:t>
+              <a:t>24</a:t>
             </a:fld>
             <a:endParaRPr lang="zh-CN" altLang="en-US"/>
           </a:p>
         </p:txBody>
       </p:sp>
     </p:spTree>
+    <p:extLst>
+      <p:ext uri="{BB962C8B-B14F-4D97-AF65-F5344CB8AC3E}">
+        <p14:creationId xmlns:p14="http://schemas.microsoft.com/office/powerpoint/2010/main" val="1886401731"/>
+      </p:ext>
+    </p:extLst>
   </p:cSld>
   <p:clrMapOvr>
     <a:masterClrMapping/>
@@ -1040,9 +1045,9 @@
           <a:bodyPr/>
           <a:lstStyle/>
           <a:p>
-            <a:fld id="{D34C0232-94FA-4EBE-BB9B-79FBE486032D}" type="slidenum">
+            <a:fld id="{3849D3E0-124D-4DFF-AE99-4EA4CC201DB4}" type="slidenum">
               <a:rPr lang="zh-CN" altLang="en-US" smtClean="0"/>
-              <a:t>27</a:t>
+              <a:t>26</a:t>
             </a:fld>
             <a:endParaRPr lang="zh-CN" altLang="en-US"/>
           </a:p>
@@ -1119,7 +1124,7 @@
           <a:bodyPr/>
           <a:lstStyle/>
           <a:p>
-            <a:fld id="{EB9A36AD-8845-4FA5-A76A-96F06C001FC7}" type="slidenum">
+            <a:fld id="{D34C0232-94FA-4EBE-BB9B-79FBE486032D}" type="slidenum">
               <a:rPr lang="zh-CN" altLang="en-US" smtClean="0"/>
               <a:t>28</a:t>
             </a:fld>
@@ -1200,7 +1205,7 @@
           <a:p>
             <a:fld id="{B3905E80-E354-4F7D-B668-3BFC62D73516}" type="slidenum">
               <a:rPr lang="zh-CN" altLang="en-US" smtClean="0"/>
-              <a:t>30</a:t>
+              <a:t>29</a:t>
             </a:fld>
             <a:endParaRPr lang="zh-CN" altLang="en-US"/>
           </a:p>
@@ -1975,7 +1980,7 @@
           <a:p>
             <a:fld id="{851456EF-EDA7-466D-90A9-97D47B7037CB}" type="datetimeFigureOut">
               <a:rPr lang="zh-CN" altLang="en-US" smtClean="0"/>
-              <a:t>2024/12/1</a:t>
+              <a:t>2024/12/2</a:t>
             </a:fld>
             <a:endParaRPr lang="zh-CN" altLang="en-US"/>
           </a:p>
@@ -2138,7 +2143,7 @@
           <a:p>
             <a:fld id="{851456EF-EDA7-466D-90A9-97D47B7037CB}" type="datetimeFigureOut">
               <a:rPr lang="zh-CN" altLang="en-US" smtClean="0"/>
-              <a:t>2024/12/1</a:t>
+              <a:t>2024/12/2</a:t>
             </a:fld>
             <a:endParaRPr lang="zh-CN" altLang="en-US"/>
           </a:p>
@@ -2311,7 +2316,7 @@
           <a:p>
             <a:fld id="{851456EF-EDA7-466D-90A9-97D47B7037CB}" type="datetimeFigureOut">
               <a:rPr lang="zh-CN" altLang="en-US" smtClean="0"/>
-              <a:t>2024/12/1</a:t>
+              <a:t>2024/12/2</a:t>
             </a:fld>
             <a:endParaRPr lang="zh-CN" altLang="en-US"/>
           </a:p>
@@ -2584,7 +2589,7 @@
           <a:p>
             <a:fld id="{851456EF-EDA7-466D-90A9-97D47B7037CB}" type="datetimeFigureOut">
               <a:rPr lang="zh-CN" altLang="en-US" smtClean="0"/>
-              <a:t>2024/12/1</a:t>
+              <a:t>2024/12/2</a:t>
             </a:fld>
             <a:endParaRPr lang="zh-CN" altLang="en-US"/>
           </a:p>
@@ -2824,7 +2829,7 @@
           <a:p>
             <a:fld id="{851456EF-EDA7-466D-90A9-97D47B7037CB}" type="datetimeFigureOut">
               <a:rPr lang="zh-CN" altLang="en-US" smtClean="0"/>
-              <a:t>2024/12/1</a:t>
+              <a:t>2024/12/2</a:t>
             </a:fld>
             <a:endParaRPr lang="zh-CN" altLang="en-US"/>
           </a:p>
@@ -3048,7 +3053,7 @@
           <a:p>
             <a:fld id="{851456EF-EDA7-466D-90A9-97D47B7037CB}" type="datetimeFigureOut">
               <a:rPr lang="zh-CN" altLang="en-US" smtClean="0"/>
-              <a:t>2024/12/1</a:t>
+              <a:t>2024/12/2</a:t>
             </a:fld>
             <a:endParaRPr lang="zh-CN" altLang="en-US"/>
           </a:p>
@@ -3407,7 +3412,7 @@
           <a:p>
             <a:fld id="{851456EF-EDA7-466D-90A9-97D47B7037CB}" type="datetimeFigureOut">
               <a:rPr lang="zh-CN" altLang="en-US" smtClean="0"/>
-              <a:t>2024/12/1</a:t>
+              <a:t>2024/12/2</a:t>
             </a:fld>
             <a:endParaRPr lang="zh-CN" altLang="en-US"/>
           </a:p>
@@ -3519,7 +3524,7 @@
           <a:p>
             <a:fld id="{851456EF-EDA7-466D-90A9-97D47B7037CB}" type="datetimeFigureOut">
               <a:rPr lang="zh-CN" altLang="en-US" smtClean="0"/>
-              <a:t>2024/12/1</a:t>
+              <a:t>2024/12/2</a:t>
             </a:fld>
             <a:endParaRPr lang="zh-CN" altLang="en-US"/>
           </a:p>
@@ -3609,7 +3614,7 @@
           <a:p>
             <a:fld id="{851456EF-EDA7-466D-90A9-97D47B7037CB}" type="datetimeFigureOut">
               <a:rPr lang="zh-CN" altLang="en-US" smtClean="0"/>
-              <a:t>2024/12/1</a:t>
+              <a:t>2024/12/2</a:t>
             </a:fld>
             <a:endParaRPr lang="zh-CN" altLang="en-US"/>
           </a:p>
@@ -3879,7 +3884,7 @@
           <a:p>
             <a:fld id="{851456EF-EDA7-466D-90A9-97D47B7037CB}" type="datetimeFigureOut">
               <a:rPr lang="zh-CN" altLang="en-US" smtClean="0"/>
-              <a:t>2024/12/1</a:t>
+              <a:t>2024/12/2</a:t>
             </a:fld>
             <a:endParaRPr lang="zh-CN" altLang="en-US"/>
           </a:p>
@@ -4126,7 +4131,7 @@
           <a:p>
             <a:fld id="{851456EF-EDA7-466D-90A9-97D47B7037CB}" type="datetimeFigureOut">
               <a:rPr lang="zh-CN" altLang="en-US" smtClean="0"/>
-              <a:t>2024/12/1</a:t>
+              <a:t>2024/12/2</a:t>
             </a:fld>
             <a:endParaRPr lang="zh-CN" altLang="en-US"/>
           </a:p>
@@ -4332,7 +4337,7 @@
           <a:p>
             <a:fld id="{851456EF-EDA7-466D-90A9-97D47B7037CB}" type="datetimeFigureOut">
               <a:rPr lang="zh-CN" altLang="en-US" smtClean="0"/>
-              <a:t>2024/12/1</a:t>
+              <a:t>2024/12/2</a:t>
             </a:fld>
             <a:endParaRPr lang="zh-CN" altLang="en-US"/>
           </a:p>
@@ -19512,8 +19517,8 @@
         </p:nvSpPr>
         <p:spPr>
           <a:xfrm>
-            <a:off x="4080396" y="339016"/>
-            <a:ext cx="3743030" cy="369199"/>
+            <a:off x="4080396" y="154285"/>
+            <a:ext cx="3743030" cy="738664"/>
           </a:xfrm>
           <a:prstGeom prst="rect">
             <a:avLst/>
@@ -19528,26 +19533,42 @@
           <a:p>
             <a:pPr algn="ctr"/>
             <a:r>
-              <a:rPr lang="zh-CN" altLang="en-US" sz="2400" dirty="0">
+              <a:rPr lang="en-US" altLang="zh-CN" sz="4800" b="1" dirty="0">
                 <a:solidFill>
                   <a:schemeClr val="tx1">
                     <a:lumMod val="75000"/>
                     <a:lumOff val="25000"/>
                   </a:schemeClr>
                 </a:solidFill>
-                <a:cs typeface="+mn-ea"/>
+                <a:effectLst>
+                  <a:outerShdw blurRad="38100" dist="38100" dir="2700000" algn="tl">
+                    <a:srgbClr val="000000">
+                      <a:alpha val="43137"/>
+                    </a:srgbClr>
+                  </a:outerShdw>
+                </a:effectLst>
+                <a:latin typeface="Times New Roman" panose="02020603050405020304" pitchFamily="18" charset="0"/>
+                <a:cs typeface="Times New Roman" panose="02020603050405020304" pitchFamily="18" charset="0"/>
                 <a:sym typeface="+mn-lt"/>
               </a:rPr>
-              <a:t>点击输入您的标题</a:t>
-            </a:r>
-            <a:endParaRPr lang="zh-CN" altLang="en-US" sz="3200" dirty="0">
+              <a:t>METEOR </a:t>
+            </a:r>
+            <a:endParaRPr lang="zh-CN" altLang="en-US" sz="6000" b="1" dirty="0">
               <a:solidFill>
                 <a:schemeClr val="tx1">
                   <a:lumMod val="75000"/>
                   <a:lumOff val="25000"/>
                 </a:schemeClr>
               </a:solidFill>
-              <a:cs typeface="+mn-ea"/>
+              <a:effectLst>
+                <a:outerShdw blurRad="38100" dist="38100" dir="2700000" algn="tl">
+                  <a:srgbClr val="000000">
+                    <a:alpha val="43137"/>
+                  </a:srgbClr>
+                </a:outerShdw>
+              </a:effectLst>
+              <a:latin typeface="Times New Roman" panose="02020603050405020304" pitchFamily="18" charset="0"/>
+              <a:cs typeface="Times New Roman" panose="02020603050405020304" pitchFamily="18" charset="0"/>
               <a:sym typeface="+mn-lt"/>
             </a:endParaRPr>
           </a:p>
@@ -19642,6 +19663,1088 @@
           </p:style>
         </p:cxnSp>
       </p:grpSp>
+      <p:sp>
+        <p:nvSpPr>
+          <p:cNvPr id="9" name="文字方塊 8">
+            <a:extLst>
+              <a:ext uri="{FF2B5EF4-FFF2-40B4-BE49-F238E27FC236}">
+                <a16:creationId xmlns:a16="http://schemas.microsoft.com/office/drawing/2014/main" id="{134B5892-C5D3-436F-8FEB-4707003A0730}"/>
+              </a:ext>
+            </a:extLst>
+          </p:cNvPr>
+          <p:cNvSpPr txBox="1"/>
+          <p:nvPr/>
+        </p:nvSpPr>
+        <p:spPr>
+          <a:xfrm>
+            <a:off x="1019503" y="917516"/>
+            <a:ext cx="10152993" cy="5786199"/>
+          </a:xfrm>
+          <a:prstGeom prst="rect">
+            <a:avLst/>
+          </a:prstGeom>
+          <a:noFill/>
+        </p:spPr>
+        <p:txBody>
+          <a:bodyPr wrap="square">
+            <a:spAutoFit/>
+          </a:bodyPr>
+          <a:lstStyle/>
+          <a:p>
+            <a:r>
+              <a:rPr lang="en-US" altLang="zh-TW" sz="2400" b="1" dirty="0">
+                <a:latin typeface="Times New Roman" panose="02020603050405020304" pitchFamily="18" charset="0"/>
+                <a:cs typeface="Times New Roman" panose="02020603050405020304" pitchFamily="18" charset="0"/>
+              </a:rPr>
+              <a:t>METEOR Score : 0 ~ 1</a:t>
+            </a:r>
+            <a:r>
+              <a:rPr lang="zh-TW" altLang="en-US" sz="2400" b="1" dirty="0">
+                <a:latin typeface="Times New Roman" panose="02020603050405020304" pitchFamily="18" charset="0"/>
+                <a:cs typeface="Times New Roman" panose="02020603050405020304" pitchFamily="18" charset="0"/>
+              </a:rPr>
+              <a:t> </a:t>
+            </a:r>
+            <a:br>
+              <a:rPr lang="en-US" altLang="zh-TW" dirty="0">
+                <a:latin typeface="Times New Roman" panose="02020603050405020304" pitchFamily="18" charset="0"/>
+                <a:cs typeface="Times New Roman" panose="02020603050405020304" pitchFamily="18" charset="0"/>
+              </a:rPr>
+            </a:br>
+            <a:r>
+              <a:rPr lang="en-US" altLang="zh-TW" sz="2000" dirty="0">
+                <a:latin typeface="Times New Roman" panose="02020603050405020304" pitchFamily="18" charset="0"/>
+                <a:cs typeface="Times New Roman" panose="02020603050405020304" pitchFamily="18" charset="0"/>
+              </a:rPr>
+              <a:t>0</a:t>
+            </a:r>
+            <a:r>
+              <a:rPr lang="en-US" altLang="zh-TW" dirty="0">
+                <a:latin typeface="Times New Roman" panose="02020603050405020304" pitchFamily="18" charset="0"/>
+                <a:cs typeface="Times New Roman" panose="02020603050405020304" pitchFamily="18" charset="0"/>
+              </a:rPr>
+              <a:t> = Completely wrong translation</a:t>
+            </a:r>
+          </a:p>
+          <a:p>
+            <a:r>
+              <a:rPr lang="en-US" altLang="zh-TW" sz="2000" dirty="0">
+                <a:latin typeface="Times New Roman" panose="02020603050405020304" pitchFamily="18" charset="0"/>
+                <a:cs typeface="Times New Roman" panose="02020603050405020304" pitchFamily="18" charset="0"/>
+              </a:rPr>
+              <a:t>1 </a:t>
+            </a:r>
+            <a:r>
+              <a:rPr lang="en-US" altLang="zh-TW" dirty="0">
+                <a:latin typeface="Times New Roman" panose="02020603050405020304" pitchFamily="18" charset="0"/>
+                <a:cs typeface="Times New Roman" panose="02020603050405020304" pitchFamily="18" charset="0"/>
+              </a:rPr>
+              <a:t>= Translated completely correctly </a:t>
+            </a:r>
+            <a:r>
+              <a:rPr lang="zh-TW" altLang="en-US" dirty="0">
+                <a:latin typeface="Times New Roman" panose="02020603050405020304" pitchFamily="18" charset="0"/>
+                <a:cs typeface="Times New Roman" panose="02020603050405020304" pitchFamily="18" charset="0"/>
+              </a:rPr>
+              <a:t> </a:t>
+            </a:r>
+          </a:p>
+          <a:p>
+            <a:r>
+              <a:rPr lang="en-US" altLang="zh-TW" b="1" dirty="0">
+                <a:highlight>
+                  <a:srgbClr val="FFFF00"/>
+                </a:highlight>
+                <a:latin typeface="Times New Roman" panose="02020603050405020304" pitchFamily="18" charset="0"/>
+                <a:cs typeface="Times New Roman" panose="02020603050405020304" pitchFamily="18" charset="0"/>
+              </a:rPr>
+              <a:t>Overall METEOR Score: 0.04137237761331027</a:t>
+            </a:r>
+          </a:p>
+          <a:p>
+            <a:r>
+              <a:rPr lang="en-US" altLang="zh-TW" dirty="0">
+                <a:latin typeface="Times New Roman" panose="02020603050405020304" pitchFamily="18" charset="0"/>
+                <a:cs typeface="Times New Roman" panose="02020603050405020304" pitchFamily="18" charset="0"/>
+              </a:rPr>
+              <a:t>============================================================</a:t>
+            </a:r>
+          </a:p>
+          <a:p>
+            <a:r>
+              <a:rPr lang="en-US" altLang="zh-TW" dirty="0">
+                <a:latin typeface="Times New Roman" panose="02020603050405020304" pitchFamily="18" charset="0"/>
+                <a:cs typeface="Times New Roman" panose="02020603050405020304" pitchFamily="18" charset="0"/>
+              </a:rPr>
+              <a:t>"Original Text": "Day four.",</a:t>
+            </a:r>
+          </a:p>
+          <a:p>
+            <a:r>
+              <a:rPr lang="en-US" altLang="zh-TW" dirty="0">
+                <a:latin typeface="Times New Roman" panose="02020603050405020304" pitchFamily="18" charset="0"/>
+                <a:cs typeface="Times New Roman" panose="02020603050405020304" pitchFamily="18" charset="0"/>
+              </a:rPr>
+              <a:t>"Reference Text": "</a:t>
+            </a:r>
+            <a:r>
+              <a:rPr lang="zh-TW" altLang="en-US" dirty="0">
+                <a:latin typeface="Times New Roman" panose="02020603050405020304" pitchFamily="18" charset="0"/>
+                <a:cs typeface="Times New Roman" panose="02020603050405020304" pitchFamily="18" charset="0"/>
+              </a:rPr>
+              <a:t>第四天。</a:t>
+            </a:r>
+            <a:r>
+              <a:rPr lang="en-US" altLang="zh-TW" dirty="0">
+                <a:latin typeface="Times New Roman" panose="02020603050405020304" pitchFamily="18" charset="0"/>
+                <a:cs typeface="Times New Roman" panose="02020603050405020304" pitchFamily="18" charset="0"/>
+              </a:rPr>
+              <a:t>"</a:t>
+            </a:r>
+          </a:p>
+          <a:p>
+            <a:r>
+              <a:rPr lang="en-US" altLang="zh-TW" dirty="0">
+                <a:latin typeface="Times New Roman" panose="02020603050405020304" pitchFamily="18" charset="0"/>
+                <a:cs typeface="Times New Roman" panose="02020603050405020304" pitchFamily="18" charset="0"/>
+              </a:rPr>
+              <a:t>"Translated Text": "</a:t>
+            </a:r>
+            <a:r>
+              <a:rPr lang="zh-TW" altLang="en-US" dirty="0">
+                <a:latin typeface="Times New Roman" panose="02020603050405020304" pitchFamily="18" charset="0"/>
+                <a:cs typeface="Times New Roman" panose="02020603050405020304" pitchFamily="18" charset="0"/>
+              </a:rPr>
+              <a:t>第四天。</a:t>
+            </a:r>
+            <a:r>
+              <a:rPr lang="en-US" altLang="zh-TW" dirty="0">
+                <a:latin typeface="Times New Roman" panose="02020603050405020304" pitchFamily="18" charset="0"/>
+                <a:cs typeface="Times New Roman" panose="02020603050405020304" pitchFamily="18" charset="0"/>
+              </a:rPr>
+              <a:t>"</a:t>
+            </a:r>
+          </a:p>
+          <a:p>
+            <a:r>
+              <a:rPr lang="en-US" altLang="zh-TW" b="1" dirty="0">
+                <a:highlight>
+                  <a:srgbClr val="FFFF00"/>
+                </a:highlight>
+                <a:latin typeface="Times New Roman" panose="02020603050405020304" pitchFamily="18" charset="0"/>
+                <a:cs typeface="Times New Roman" panose="02020603050405020304" pitchFamily="18" charset="0"/>
+              </a:rPr>
+              <a:t>METEOR : 1</a:t>
+            </a:r>
+            <a:endParaRPr lang="en-US" altLang="zh-TW" b="1" dirty="0">
+              <a:latin typeface="Times New Roman" panose="02020603050405020304" pitchFamily="18" charset="0"/>
+              <a:cs typeface="Times New Roman" panose="02020603050405020304" pitchFamily="18" charset="0"/>
+            </a:endParaRPr>
+          </a:p>
+          <a:p>
+            <a:r>
+              <a:rPr lang="en-US" altLang="zh-TW" dirty="0">
+                <a:latin typeface="Times New Roman" panose="02020603050405020304" pitchFamily="18" charset="0"/>
+                <a:cs typeface="Times New Roman" panose="02020603050405020304" pitchFamily="18" charset="0"/>
+              </a:rPr>
+              <a:t>============================================================</a:t>
+            </a:r>
+          </a:p>
+          <a:p>
+            <a:r>
+              <a:rPr lang="en-US" altLang="zh-TW" dirty="0">
+                <a:latin typeface="Times New Roman" panose="02020603050405020304" pitchFamily="18" charset="0"/>
+                <a:cs typeface="Times New Roman" panose="02020603050405020304" pitchFamily="18" charset="0"/>
+              </a:rPr>
+              <a:t>Original Text: You know, we wake up in the morning and we feel we make decisions.</a:t>
+            </a:r>
+          </a:p>
+          <a:p>
+            <a:r>
+              <a:rPr lang="en-US" altLang="zh-TW" dirty="0">
+                <a:latin typeface="Times New Roman" panose="02020603050405020304" pitchFamily="18" charset="0"/>
+                <a:cs typeface="Times New Roman" panose="02020603050405020304" pitchFamily="18" charset="0"/>
+              </a:rPr>
+              <a:t>Reference Text: </a:t>
+            </a:r>
+            <a:r>
+              <a:rPr lang="zh-TW" altLang="en-US" dirty="0">
+                <a:latin typeface="Times New Roman" panose="02020603050405020304" pitchFamily="18" charset="0"/>
+                <a:cs typeface="Times New Roman" panose="02020603050405020304" pitchFamily="18" charset="0"/>
+              </a:rPr>
+              <a:t>我们早上起来，觉得可以主宰自己的决定，</a:t>
+            </a:r>
+          </a:p>
+          <a:p>
+            <a:r>
+              <a:rPr lang="en-US" altLang="zh-TW" dirty="0">
+                <a:latin typeface="Times New Roman" panose="02020603050405020304" pitchFamily="18" charset="0"/>
+                <a:cs typeface="Times New Roman" panose="02020603050405020304" pitchFamily="18" charset="0"/>
+              </a:rPr>
+              <a:t>Translated Text: </a:t>
+            </a:r>
+            <a:r>
+              <a:rPr lang="zh-TW" altLang="en-US" dirty="0">
+                <a:latin typeface="Times New Roman" panose="02020603050405020304" pitchFamily="18" charset="0"/>
+                <a:cs typeface="Times New Roman" panose="02020603050405020304" pitchFamily="18" charset="0"/>
+              </a:rPr>
+              <a:t>大家知道</a:t>
+            </a:r>
+            <a:r>
+              <a:rPr lang="en-US" altLang="zh-TW" dirty="0">
+                <a:latin typeface="Times New Roman" panose="02020603050405020304" pitchFamily="18" charset="0"/>
+                <a:cs typeface="Times New Roman" panose="02020603050405020304" pitchFamily="18" charset="0"/>
+              </a:rPr>
+              <a:t>,</a:t>
+            </a:r>
+            <a:r>
+              <a:rPr lang="zh-TW" altLang="en-US" dirty="0">
+                <a:latin typeface="Times New Roman" panose="02020603050405020304" pitchFamily="18" charset="0"/>
+                <a:cs typeface="Times New Roman" panose="02020603050405020304" pitchFamily="18" charset="0"/>
+              </a:rPr>
+              <a:t>我们早上起来后</a:t>
+            </a:r>
+            <a:r>
+              <a:rPr lang="en-US" altLang="zh-TW" dirty="0">
+                <a:latin typeface="Times New Roman" panose="02020603050405020304" pitchFamily="18" charset="0"/>
+                <a:cs typeface="Times New Roman" panose="02020603050405020304" pitchFamily="18" charset="0"/>
+              </a:rPr>
+              <a:t>,</a:t>
+            </a:r>
+            <a:r>
+              <a:rPr lang="zh-TW" altLang="en-US" dirty="0">
+                <a:latin typeface="Times New Roman" panose="02020603050405020304" pitchFamily="18" charset="0"/>
+                <a:cs typeface="Times New Roman" panose="02020603050405020304" pitchFamily="18" charset="0"/>
+              </a:rPr>
+              <a:t>我们感觉自己要做决定。</a:t>
+            </a:r>
+            <a:endParaRPr lang="en-US" altLang="zh-TW" dirty="0">
+              <a:latin typeface="Times New Roman" panose="02020603050405020304" pitchFamily="18" charset="0"/>
+              <a:cs typeface="Times New Roman" panose="02020603050405020304" pitchFamily="18" charset="0"/>
+            </a:endParaRPr>
+          </a:p>
+          <a:p>
+            <a:r>
+              <a:rPr lang="en-US" altLang="zh-TW" b="1" dirty="0">
+                <a:highlight>
+                  <a:srgbClr val="FFFF00"/>
+                </a:highlight>
+                <a:latin typeface="Times New Roman" panose="02020603050405020304" pitchFamily="18" charset="0"/>
+                <a:cs typeface="Times New Roman" panose="02020603050405020304" pitchFamily="18" charset="0"/>
+              </a:rPr>
+              <a:t>METEOR : 0</a:t>
+            </a:r>
+            <a:endParaRPr lang="zh-TW" altLang="en-US" b="1" dirty="0">
+              <a:latin typeface="Times New Roman" panose="02020603050405020304" pitchFamily="18" charset="0"/>
+              <a:cs typeface="Times New Roman" panose="02020603050405020304" pitchFamily="18" charset="0"/>
+            </a:endParaRPr>
+          </a:p>
+          <a:p>
+            <a:r>
+              <a:rPr lang="en-US" altLang="zh-TW" dirty="0">
+                <a:latin typeface="Times New Roman" panose="02020603050405020304" pitchFamily="18" charset="0"/>
+                <a:cs typeface="Times New Roman" panose="02020603050405020304" pitchFamily="18" charset="0"/>
+              </a:rPr>
+              <a:t>============================================================</a:t>
+            </a:r>
+          </a:p>
+          <a:p>
+            <a:r>
+              <a:rPr lang="en-US" altLang="zh-TW" dirty="0">
+                <a:latin typeface="Times New Roman" panose="02020603050405020304" pitchFamily="18" charset="0"/>
+                <a:cs typeface="Times New Roman" panose="02020603050405020304" pitchFamily="18" charset="0"/>
+              </a:rPr>
+              <a:t>Original Text: If they want sad music, they just play those two notes.</a:t>
+            </a:r>
+          </a:p>
+          <a:p>
+            <a:r>
+              <a:rPr lang="en-US" altLang="zh-TW" dirty="0">
+                <a:latin typeface="Times New Roman" panose="02020603050405020304" pitchFamily="18" charset="0"/>
+                <a:cs typeface="Times New Roman" panose="02020603050405020304" pitchFamily="18" charset="0"/>
+              </a:rPr>
+              <a:t>Reference Text: </a:t>
+            </a:r>
+            <a:r>
+              <a:rPr lang="zh-TW" altLang="en-US" dirty="0">
+                <a:latin typeface="Times New Roman" panose="02020603050405020304" pitchFamily="18" charset="0"/>
+                <a:cs typeface="Times New Roman" panose="02020603050405020304" pitchFamily="18" charset="0"/>
+              </a:rPr>
+              <a:t>他们就不停的用这两个音符。</a:t>
+            </a:r>
+          </a:p>
+          <a:p>
+            <a:r>
+              <a:rPr lang="en-US" altLang="zh-TW" dirty="0">
+                <a:latin typeface="Times New Roman" panose="02020603050405020304" pitchFamily="18" charset="0"/>
+                <a:cs typeface="Times New Roman" panose="02020603050405020304" pitchFamily="18" charset="0"/>
+              </a:rPr>
+              <a:t>Translated Text: </a:t>
+            </a:r>
+            <a:r>
+              <a:rPr lang="zh-TW" altLang="en-US" dirty="0">
+                <a:latin typeface="Times New Roman" panose="02020603050405020304" pitchFamily="18" charset="0"/>
+                <a:cs typeface="Times New Roman" panose="02020603050405020304" pitchFamily="18" charset="0"/>
+              </a:rPr>
+              <a:t>如果他们想要悲伤的音乐</a:t>
+            </a:r>
+            <a:r>
+              <a:rPr lang="en-US" altLang="zh-TW" dirty="0">
+                <a:latin typeface="Times New Roman" panose="02020603050405020304" pitchFamily="18" charset="0"/>
+                <a:cs typeface="Times New Roman" panose="02020603050405020304" pitchFamily="18" charset="0"/>
+              </a:rPr>
+              <a:t>,</a:t>
+            </a:r>
+            <a:r>
+              <a:rPr lang="zh-TW" altLang="en-US" dirty="0">
+                <a:latin typeface="Times New Roman" panose="02020603050405020304" pitchFamily="18" charset="0"/>
+                <a:cs typeface="Times New Roman" panose="02020603050405020304" pitchFamily="18" charset="0"/>
+              </a:rPr>
+              <a:t>他们就只演奏这两段音符。</a:t>
+            </a:r>
+            <a:endParaRPr lang="en-US" altLang="zh-TW" dirty="0">
+              <a:latin typeface="Times New Roman" panose="02020603050405020304" pitchFamily="18" charset="0"/>
+              <a:cs typeface="Times New Roman" panose="02020603050405020304" pitchFamily="18" charset="0"/>
+            </a:endParaRPr>
+          </a:p>
+          <a:p>
+            <a:r>
+              <a:rPr lang="en-US" altLang="zh-TW" b="1" dirty="0">
+                <a:highlight>
+                  <a:srgbClr val="FFFF00"/>
+                </a:highlight>
+                <a:latin typeface="Times New Roman" panose="02020603050405020304" pitchFamily="18" charset="0"/>
+                <a:cs typeface="Times New Roman" panose="02020603050405020304" pitchFamily="18" charset="0"/>
+              </a:rPr>
+              <a:t>METEOR : 0</a:t>
+            </a:r>
+            <a:endParaRPr lang="en-US" altLang="zh-TW" b="1" dirty="0">
+              <a:latin typeface="Times New Roman" panose="02020603050405020304" pitchFamily="18" charset="0"/>
+              <a:cs typeface="Times New Roman" panose="02020603050405020304" pitchFamily="18" charset="0"/>
+            </a:endParaRPr>
+          </a:p>
+          <a:p>
+            <a:r>
+              <a:rPr lang="en-US" altLang="zh-TW" dirty="0">
+                <a:latin typeface="Times New Roman" panose="02020603050405020304" pitchFamily="18" charset="0"/>
+                <a:cs typeface="Times New Roman" panose="02020603050405020304" pitchFamily="18" charset="0"/>
+              </a:rPr>
+              <a:t>============================================================</a:t>
+            </a:r>
+          </a:p>
+        </p:txBody>
+      </p:sp>
+      <p:pic>
+        <p:nvPicPr>
+          <p:cNvPr id="12" name="图片 3">
+            <a:extLst>
+              <a:ext uri="{FF2B5EF4-FFF2-40B4-BE49-F238E27FC236}">
+                <a16:creationId xmlns:a16="http://schemas.microsoft.com/office/drawing/2014/main" id="{DE444DF1-F1D2-485B-B760-636CCF43E2EF}"/>
+              </a:ext>
+            </a:extLst>
+          </p:cNvPr>
+          <p:cNvPicPr>
+            <a:picLocks noChangeAspect="1"/>
+          </p:cNvPicPr>
+          <p:nvPr/>
+        </p:nvPicPr>
+        <p:blipFill rotWithShape="1">
+          <a:blip r:embed="rId3">
+            <a:extLst>
+              <a:ext uri="{28A0092B-C50C-407E-A947-70E740481C1C}">
+                <a14:useLocalDpi xmlns:a14="http://schemas.microsoft.com/office/drawing/2010/main" val="0"/>
+              </a:ext>
+            </a:extLst>
+          </a:blip>
+          <a:srcRect l="71835" b="32416"/>
+          <a:stretch>
+            <a:fillRect/>
+          </a:stretch>
+        </p:blipFill>
+        <p:spPr>
+          <a:xfrm>
+            <a:off x="7772400" y="-1"/>
+            <a:ext cx="4417925" cy="6858001"/>
+          </a:xfrm>
+          <a:prstGeom prst="rect">
+            <a:avLst/>
+          </a:prstGeom>
+        </p:spPr>
+      </p:pic>
+    </p:spTree>
+    <p:extLst>
+      <p:ext uri="{BB962C8B-B14F-4D97-AF65-F5344CB8AC3E}">
+        <p14:creationId xmlns:p14="http://schemas.microsoft.com/office/powerpoint/2010/main" val="2230672997"/>
+      </p:ext>
+    </p:extLst>
+  </p:cSld>
+  <p:clrMapOvr>
+    <a:masterClrMapping/>
+  </p:clrMapOvr>
+  <mc:AlternateContent xmlns:mc="http://schemas.openxmlformats.org/markup-compatibility/2006" xmlns:p14="http://schemas.microsoft.com/office/powerpoint/2010/main">
+    <mc:Choice Requires="p14">
+      <p:transition spd="slow" p14:dur="1500" advClick="0" advTm="1000">
+        <p:split orient="vert"/>
+      </p:transition>
+    </mc:Choice>
+    <mc:Fallback xmlns="">
+      <p:transition spd="slow" advClick="0" advTm="1000">
+        <p:split orient="vert"/>
+      </p:transition>
+    </mc:Fallback>
+  </mc:AlternateContent>
+</p:sld>
+</file>
+
+<file path=ppt/slides/slide24.xml><?xml version="1.0" encoding="utf-8"?>
+<p:sld xmlns:a="http://schemas.openxmlformats.org/drawingml/2006/main" xmlns:r="http://schemas.openxmlformats.org/officeDocument/2006/relationships" xmlns:p="http://schemas.openxmlformats.org/presentationml/2006/main">
+  <p:cSld>
+    <p:spTree>
+      <p:nvGrpSpPr>
+        <p:cNvPr id="1" name=""/>
+        <p:cNvGrpSpPr/>
+        <p:nvPr/>
+      </p:nvGrpSpPr>
+      <p:grpSpPr>
+        <a:xfrm>
+          <a:off x="0" y="0"/>
+          <a:ext cx="0" cy="0"/>
+          <a:chOff x="0" y="0"/>
+          <a:chExt cx="0" cy="0"/>
+        </a:xfrm>
+      </p:grpSpPr>
+      <p:sp>
+        <p:nvSpPr>
+          <p:cNvPr id="36" name="TextBox 8"/>
+          <p:cNvSpPr txBox="1"/>
+          <p:nvPr/>
+        </p:nvSpPr>
+        <p:spPr>
+          <a:xfrm>
+            <a:off x="4080396" y="154285"/>
+            <a:ext cx="3743030" cy="738664"/>
+          </a:xfrm>
+          <a:prstGeom prst="rect">
+            <a:avLst/>
+          </a:prstGeom>
+          <a:noFill/>
+        </p:spPr>
+        <p:txBody>
+          <a:bodyPr wrap="square" lIns="0" tIns="0" rIns="0" bIns="0" rtlCol="0" anchor="ctr">
+            <a:spAutoFit/>
+          </a:bodyPr>
+          <a:lstStyle/>
+          <a:p>
+            <a:pPr algn="ctr"/>
+            <a:r>
+              <a:rPr lang="en-US" altLang="zh-CN" sz="4800" b="1" dirty="0">
+                <a:solidFill>
+                  <a:schemeClr val="tx1">
+                    <a:lumMod val="75000"/>
+                    <a:lumOff val="25000"/>
+                  </a:schemeClr>
+                </a:solidFill>
+                <a:effectLst>
+                  <a:outerShdw blurRad="38100" dist="38100" dir="2700000" algn="tl">
+                    <a:srgbClr val="000000">
+                      <a:alpha val="43137"/>
+                    </a:srgbClr>
+                  </a:outerShdw>
+                </a:effectLst>
+                <a:latin typeface="Times New Roman" panose="02020603050405020304" pitchFamily="18" charset="0"/>
+                <a:cs typeface="Times New Roman" panose="02020603050405020304" pitchFamily="18" charset="0"/>
+                <a:sym typeface="+mn-lt"/>
+              </a:rPr>
+              <a:t>METEOR </a:t>
+            </a:r>
+            <a:endParaRPr lang="zh-CN" altLang="en-US" sz="6000" b="1" dirty="0">
+              <a:solidFill>
+                <a:schemeClr val="tx1">
+                  <a:lumMod val="75000"/>
+                  <a:lumOff val="25000"/>
+                </a:schemeClr>
+              </a:solidFill>
+              <a:effectLst>
+                <a:outerShdw blurRad="38100" dist="38100" dir="2700000" algn="tl">
+                  <a:srgbClr val="000000">
+                    <a:alpha val="43137"/>
+                  </a:srgbClr>
+                </a:outerShdw>
+              </a:effectLst>
+              <a:latin typeface="Times New Roman" panose="02020603050405020304" pitchFamily="18" charset="0"/>
+              <a:cs typeface="Times New Roman" panose="02020603050405020304" pitchFamily="18" charset="0"/>
+              <a:sym typeface="+mn-lt"/>
+            </a:endParaRPr>
+          </a:p>
+        </p:txBody>
+      </p:sp>
+      <p:grpSp>
+        <p:nvGrpSpPr>
+          <p:cNvPr id="37" name="组合 36"/>
+          <p:cNvGrpSpPr/>
+          <p:nvPr/>
+        </p:nvGrpSpPr>
+        <p:grpSpPr>
+          <a:xfrm>
+            <a:off x="842272" y="562518"/>
+            <a:ext cx="10507462" cy="0"/>
+            <a:chOff x="1028775" y="591989"/>
+            <a:chExt cx="11086097" cy="0"/>
+          </a:xfrm>
+        </p:grpSpPr>
+        <p:cxnSp>
+          <p:nvCxnSpPr>
+            <p:cNvPr id="38" name="直接连接符 37"/>
+            <p:cNvCxnSpPr/>
+            <p:nvPr/>
+          </p:nvCxnSpPr>
+          <p:spPr>
+            <a:xfrm>
+              <a:off x="1028775" y="591989"/>
+              <a:ext cx="3504197" cy="0"/>
+            </a:xfrm>
+            <a:prstGeom prst="line">
+              <a:avLst/>
+            </a:prstGeom>
+            <a:ln>
+              <a:solidFill>
+                <a:schemeClr val="bg1">
+                  <a:lumMod val="65000"/>
+                </a:schemeClr>
+              </a:solidFill>
+            </a:ln>
+          </p:spPr>
+          <p:style>
+            <a:lnRef idx="1">
+              <a:schemeClr val="accent1"/>
+            </a:lnRef>
+            <a:fillRef idx="0">
+              <a:schemeClr val="accent1"/>
+            </a:fillRef>
+            <a:effectRef idx="0">
+              <a:schemeClr val="accent1"/>
+            </a:effectRef>
+            <a:fontRef idx="minor">
+              <a:schemeClr val="tx1"/>
+            </a:fontRef>
+          </p:style>
+        </p:cxnSp>
+        <p:cxnSp>
+          <p:nvCxnSpPr>
+            <p:cNvPr id="39" name="直接连接符 38"/>
+            <p:cNvCxnSpPr/>
+            <p:nvPr/>
+          </p:nvCxnSpPr>
+          <p:spPr>
+            <a:xfrm>
+              <a:off x="8610675" y="591989"/>
+              <a:ext cx="3504197" cy="0"/>
+            </a:xfrm>
+            <a:prstGeom prst="line">
+              <a:avLst/>
+            </a:prstGeom>
+            <a:ln>
+              <a:solidFill>
+                <a:schemeClr val="bg1">
+                  <a:lumMod val="65000"/>
+                </a:schemeClr>
+              </a:solidFill>
+            </a:ln>
+          </p:spPr>
+          <p:style>
+            <a:lnRef idx="1">
+              <a:schemeClr val="accent1"/>
+            </a:lnRef>
+            <a:fillRef idx="0">
+              <a:schemeClr val="accent1"/>
+            </a:fillRef>
+            <a:effectRef idx="0">
+              <a:schemeClr val="accent1"/>
+            </a:effectRef>
+            <a:fontRef idx="minor">
+              <a:schemeClr val="tx1"/>
+            </a:fontRef>
+          </p:style>
+        </p:cxnSp>
+      </p:grpSp>
+      <p:sp>
+        <p:nvSpPr>
+          <p:cNvPr id="9" name="文字方塊 8">
+            <a:extLst>
+              <a:ext uri="{FF2B5EF4-FFF2-40B4-BE49-F238E27FC236}">
+                <a16:creationId xmlns:a16="http://schemas.microsoft.com/office/drawing/2014/main" id="{134B5892-C5D3-436F-8FEB-4707003A0730}"/>
+              </a:ext>
+            </a:extLst>
+          </p:cNvPr>
+          <p:cNvSpPr txBox="1"/>
+          <p:nvPr/>
+        </p:nvSpPr>
+        <p:spPr>
+          <a:xfrm>
+            <a:off x="588579" y="1047235"/>
+            <a:ext cx="10761155" cy="5632311"/>
+          </a:xfrm>
+          <a:prstGeom prst="rect">
+            <a:avLst/>
+          </a:prstGeom>
+          <a:noFill/>
+        </p:spPr>
+        <p:txBody>
+          <a:bodyPr wrap="square">
+            <a:spAutoFit/>
+          </a:bodyPr>
+          <a:lstStyle/>
+          <a:p>
+            <a:pPr marL="342900" indent="-342900">
+              <a:buAutoNum type="arabicPeriod"/>
+            </a:pPr>
+            <a:r>
+              <a:rPr lang="en-US" altLang="zh-TW" sz="2400" b="1" dirty="0">
+                <a:effectLst>
+                  <a:outerShdw blurRad="38100" dist="38100" dir="2700000" algn="tl">
+                    <a:srgbClr val="000000">
+                      <a:alpha val="43137"/>
+                    </a:srgbClr>
+                  </a:outerShdw>
+                </a:effectLst>
+                <a:latin typeface="Times New Roman" panose="02020603050405020304" pitchFamily="18" charset="0"/>
+                <a:cs typeface="Times New Roman" panose="02020603050405020304" pitchFamily="18" charset="0"/>
+              </a:rPr>
+              <a:t>Tokenization Issues:</a:t>
+            </a:r>
+          </a:p>
+          <a:p>
+            <a:pPr lvl="1"/>
+            <a:r>
+              <a:rPr lang="en-US" altLang="zh-TW" sz="2400" b="1" dirty="0">
+                <a:effectLst>
+                  <a:outerShdw blurRad="38100" dist="38100" dir="2700000" algn="tl">
+                    <a:srgbClr val="000000">
+                      <a:alpha val="43137"/>
+                    </a:srgbClr>
+                  </a:outerShdw>
+                </a:effectLst>
+                <a:latin typeface="Times New Roman" panose="02020603050405020304" pitchFamily="18" charset="0"/>
+                <a:cs typeface="Times New Roman" panose="02020603050405020304" pitchFamily="18" charset="0"/>
+              </a:rPr>
+              <a:t>METEOR's design for clear word boundaries.</a:t>
+            </a:r>
+          </a:p>
+          <a:p>
+            <a:pPr lvl="1"/>
+            <a:r>
+              <a:rPr lang="en-US" altLang="zh-TW" sz="2400" dirty="0">
+                <a:latin typeface="Times New Roman" panose="02020603050405020304" pitchFamily="18" charset="0"/>
+                <a:cs typeface="Times New Roman" panose="02020603050405020304" pitchFamily="18" charset="0"/>
+              </a:rPr>
+              <a:t>English : "This is a book"</a:t>
+            </a:r>
+            <a:r>
+              <a:rPr lang="en-US" altLang="zh-TW" sz="2400" b="1" dirty="0">
+                <a:effectLst>
+                  <a:outerShdw blurRad="38100" dist="38100" dir="2700000" algn="tl">
+                    <a:srgbClr val="000000">
+                      <a:alpha val="43137"/>
+                    </a:srgbClr>
+                  </a:outerShdw>
+                </a:effectLst>
+                <a:latin typeface="Times New Roman" panose="02020603050405020304" pitchFamily="18" charset="0"/>
+                <a:cs typeface="Times New Roman" panose="02020603050405020304" pitchFamily="18" charset="0"/>
+              </a:rPr>
+              <a:t>  =&gt; </a:t>
+            </a:r>
+            <a:r>
+              <a:rPr lang="en-US" altLang="zh-TW" sz="2400" dirty="0">
+                <a:latin typeface="Times New Roman" panose="02020603050405020304" pitchFamily="18" charset="0"/>
+                <a:cs typeface="Times New Roman" panose="02020603050405020304" pitchFamily="18" charset="0"/>
+              </a:rPr>
+              <a:t>["This", "is", "a", "book"]</a:t>
+            </a:r>
+          </a:p>
+          <a:p>
+            <a:pPr lvl="1"/>
+            <a:r>
+              <a:rPr lang="en-US" altLang="zh-TW" sz="2400" dirty="0">
+                <a:latin typeface="Times New Roman" panose="02020603050405020304" pitchFamily="18" charset="0"/>
+                <a:cs typeface="Times New Roman" panose="02020603050405020304" pitchFamily="18" charset="0"/>
+              </a:rPr>
+              <a:t>Chinese : "</a:t>
+            </a:r>
+            <a:r>
+              <a:rPr lang="zh-TW" altLang="en-US" sz="2400" dirty="0">
+                <a:latin typeface="Times New Roman" panose="02020603050405020304" pitchFamily="18" charset="0"/>
+                <a:cs typeface="Times New Roman" panose="02020603050405020304" pitchFamily="18" charset="0"/>
+              </a:rPr>
+              <a:t>这是一本书</a:t>
+            </a:r>
+            <a:r>
+              <a:rPr lang="en-US" altLang="zh-TW" sz="2400" dirty="0">
+                <a:latin typeface="Times New Roman" panose="02020603050405020304" pitchFamily="18" charset="0"/>
+                <a:cs typeface="Times New Roman" panose="02020603050405020304" pitchFamily="18" charset="0"/>
+              </a:rPr>
+              <a:t>"  =&gt;</a:t>
+            </a:r>
+            <a:r>
+              <a:rPr lang="zh-TW" altLang="en-US" sz="2400" dirty="0">
+                <a:latin typeface="Times New Roman" panose="02020603050405020304" pitchFamily="18" charset="0"/>
+                <a:cs typeface="Times New Roman" panose="02020603050405020304" pitchFamily="18" charset="0"/>
+              </a:rPr>
+              <a:t> </a:t>
+            </a:r>
+            <a:r>
+              <a:rPr lang="en-US" altLang="zh-TW" sz="2400" dirty="0">
+                <a:latin typeface="Times New Roman" panose="02020603050405020304" pitchFamily="18" charset="0"/>
+                <a:cs typeface="Times New Roman" panose="02020603050405020304" pitchFamily="18" charset="0"/>
+              </a:rPr>
+              <a:t>["</a:t>
+            </a:r>
+            <a:r>
+              <a:rPr lang="zh-TW" altLang="en-US" sz="2400" dirty="0">
+                <a:latin typeface="Times New Roman" panose="02020603050405020304" pitchFamily="18" charset="0"/>
+                <a:cs typeface="Times New Roman" panose="02020603050405020304" pitchFamily="18" charset="0"/>
+              </a:rPr>
+              <a:t>这是一本书</a:t>
+            </a:r>
+            <a:r>
+              <a:rPr lang="en-US" altLang="zh-TW" sz="2400" dirty="0">
+                <a:latin typeface="Times New Roman" panose="02020603050405020304" pitchFamily="18" charset="0"/>
+                <a:cs typeface="Times New Roman" panose="02020603050405020304" pitchFamily="18" charset="0"/>
+              </a:rPr>
+              <a:t>"]</a:t>
+            </a:r>
+          </a:p>
+          <a:p>
+            <a:pPr lvl="1"/>
+            <a:r>
+              <a:rPr lang="en-US" altLang="zh-TW" sz="2400" dirty="0"/>
+              <a:t>Solution : </a:t>
+            </a:r>
+            <a:r>
+              <a:rPr lang="en-US" altLang="zh-TW" sz="2400" b="1" i="1" dirty="0" err="1">
+                <a:latin typeface="Times New Roman" panose="02020603050405020304" pitchFamily="18" charset="0"/>
+                <a:cs typeface="Times New Roman" panose="02020603050405020304" pitchFamily="18" charset="0"/>
+              </a:rPr>
+              <a:t>Jieba</a:t>
+            </a:r>
+            <a:r>
+              <a:rPr lang="en-US" altLang="zh-TW" sz="2400" dirty="0">
+                <a:latin typeface="Times New Roman" panose="02020603050405020304" pitchFamily="18" charset="0"/>
+                <a:cs typeface="Times New Roman" panose="02020603050405020304" pitchFamily="18" charset="0"/>
+              </a:rPr>
+              <a:t> is Chinese segmentation tool</a:t>
+            </a:r>
+          </a:p>
+          <a:p>
+            <a:pPr lvl="1"/>
+            <a:r>
+              <a:rPr lang="en-US" altLang="zh-TW" sz="2400" b="1" i="1" dirty="0" err="1">
+                <a:latin typeface="Times New Roman" panose="02020603050405020304" pitchFamily="18" charset="0"/>
+                <a:cs typeface="Times New Roman" panose="02020603050405020304" pitchFamily="18" charset="0"/>
+              </a:rPr>
+              <a:t>Jieba</a:t>
+            </a:r>
+            <a:r>
+              <a:rPr lang="en-US" altLang="zh-TW" sz="2400" dirty="0">
+                <a:latin typeface="Times New Roman" panose="02020603050405020304" pitchFamily="18" charset="0"/>
+                <a:cs typeface="Times New Roman" panose="02020603050405020304" pitchFamily="18" charset="0"/>
+              </a:rPr>
+              <a:t> : "</a:t>
+            </a:r>
+            <a:r>
+              <a:rPr lang="zh-TW" altLang="en-US" sz="2400" dirty="0">
+                <a:latin typeface="Times New Roman" panose="02020603050405020304" pitchFamily="18" charset="0"/>
+                <a:cs typeface="Times New Roman" panose="02020603050405020304" pitchFamily="18" charset="0"/>
+              </a:rPr>
+              <a:t>这是一本书</a:t>
+            </a:r>
+            <a:r>
+              <a:rPr lang="en-US" altLang="zh-TW" sz="2400" dirty="0">
+                <a:latin typeface="Times New Roman" panose="02020603050405020304" pitchFamily="18" charset="0"/>
+                <a:cs typeface="Times New Roman" panose="02020603050405020304" pitchFamily="18" charset="0"/>
+              </a:rPr>
+              <a:t>“ =&gt; [“</a:t>
+            </a:r>
+            <a:r>
+              <a:rPr lang="zh-TW" altLang="en-US" sz="2400" dirty="0">
+                <a:latin typeface="Times New Roman" panose="02020603050405020304" pitchFamily="18" charset="0"/>
+                <a:cs typeface="Times New Roman" panose="02020603050405020304" pitchFamily="18" charset="0"/>
+              </a:rPr>
+              <a:t>這”， “是”， “一本”， “書”</a:t>
+            </a:r>
+            <a:r>
+              <a:rPr lang="en-US" altLang="zh-TW" sz="2400" dirty="0">
+                <a:latin typeface="Times New Roman" panose="02020603050405020304" pitchFamily="18" charset="0"/>
+                <a:cs typeface="Times New Roman" panose="02020603050405020304" pitchFamily="18" charset="0"/>
+              </a:rPr>
+              <a:t>]</a:t>
+            </a:r>
+            <a:endParaRPr lang="en-US" altLang="zh-TW" sz="2400" b="1" dirty="0">
+              <a:effectLst>
+                <a:outerShdw blurRad="38100" dist="38100" dir="2700000" algn="tl">
+                  <a:srgbClr val="000000">
+                    <a:alpha val="43137"/>
+                  </a:srgbClr>
+                </a:outerShdw>
+              </a:effectLst>
+              <a:latin typeface="Times New Roman" panose="02020603050405020304" pitchFamily="18" charset="0"/>
+              <a:cs typeface="Times New Roman" panose="02020603050405020304" pitchFamily="18" charset="0"/>
+            </a:endParaRPr>
+          </a:p>
+          <a:p>
+            <a:pPr marL="342900" indent="-342900">
+              <a:buAutoNum type="arabicPeriod"/>
+            </a:pPr>
+            <a:r>
+              <a:rPr lang="en-US" altLang="zh-TW" sz="2400" b="1" dirty="0">
+                <a:effectLst>
+                  <a:outerShdw blurRad="38100" dist="38100" dir="2700000" algn="tl">
+                    <a:srgbClr val="000000">
+                      <a:alpha val="43137"/>
+                    </a:srgbClr>
+                  </a:outerShdw>
+                </a:effectLst>
+                <a:latin typeface="Times New Roman" panose="02020603050405020304" pitchFamily="18" charset="0"/>
+                <a:cs typeface="Times New Roman" panose="02020603050405020304" pitchFamily="18" charset="0"/>
+              </a:rPr>
+              <a:t>Differences in the punctuation (comma) format.</a:t>
+            </a:r>
+          </a:p>
+          <a:p>
+            <a:pPr lvl="1"/>
+            <a:r>
+              <a:rPr lang="en-US" altLang="zh-TW" sz="2400" dirty="0">
+                <a:latin typeface="Times New Roman" panose="02020603050405020304" pitchFamily="18" charset="0"/>
+                <a:cs typeface="Times New Roman" panose="02020603050405020304" pitchFamily="18" charset="0"/>
+              </a:rPr>
+              <a:t>Used regular expressions to delete comma.</a:t>
+            </a:r>
+            <a:endParaRPr lang="en-US" altLang="zh-TW" sz="2400" b="1" dirty="0">
+              <a:effectLst>
+                <a:outerShdw blurRad="38100" dist="38100" dir="2700000" algn="tl">
+                  <a:srgbClr val="000000">
+                    <a:alpha val="43137"/>
+                  </a:srgbClr>
+                </a:outerShdw>
+              </a:effectLst>
+              <a:latin typeface="Times New Roman" panose="02020603050405020304" pitchFamily="18" charset="0"/>
+              <a:cs typeface="Times New Roman" panose="02020603050405020304" pitchFamily="18" charset="0"/>
+            </a:endParaRPr>
+          </a:p>
+          <a:p>
+            <a:pPr marL="342900" indent="-342900">
+              <a:buAutoNum type="arabicPeriod"/>
+            </a:pPr>
+            <a:r>
+              <a:rPr lang="en-US" altLang="zh-TW" sz="2400" b="1" dirty="0">
+                <a:effectLst>
+                  <a:outerShdw blurRad="38100" dist="38100" dir="2700000" algn="tl">
+                    <a:srgbClr val="000000">
+                      <a:alpha val="43137"/>
+                    </a:srgbClr>
+                  </a:outerShdw>
+                </a:effectLst>
+                <a:latin typeface="Times New Roman" panose="02020603050405020304" pitchFamily="18" charset="0"/>
+                <a:cs typeface="Times New Roman" panose="02020603050405020304" pitchFamily="18" charset="0"/>
+              </a:rPr>
+              <a:t>Lack of Built-in Synonym Support for Chinese</a:t>
+            </a:r>
+          </a:p>
+          <a:p>
+            <a:pPr lvl="1"/>
+            <a:r>
+              <a:rPr lang="en-US" altLang="zh-TW" sz="2400" dirty="0">
+                <a:latin typeface="Times New Roman" panose="02020603050405020304" pitchFamily="18" charset="0"/>
+                <a:cs typeface="Times New Roman" panose="02020603050405020304" pitchFamily="18" charset="0"/>
+              </a:rPr>
+              <a:t>METEOR used WordNet for Word-Similarity matching, not support Chinese.</a:t>
+            </a:r>
+          </a:p>
+          <a:p>
+            <a:pPr lvl="1"/>
+            <a:r>
+              <a:rPr lang="en-US" altLang="zh-TW" sz="2400" dirty="0">
+                <a:latin typeface="Times New Roman" panose="02020603050405020304" pitchFamily="18" charset="0"/>
+                <a:cs typeface="Times New Roman" panose="02020603050405020304" pitchFamily="18" charset="0"/>
+              </a:rPr>
+              <a:t>Harbin Institute of Technology Word-Similarity Wordnet </a:t>
+            </a:r>
+          </a:p>
+          <a:p>
+            <a:pPr marL="342900" indent="-342900">
+              <a:buAutoNum type="arabicPeriod"/>
+            </a:pPr>
+            <a:r>
+              <a:rPr lang="en-US" altLang="zh-TW" sz="2400" b="1" dirty="0">
+                <a:effectLst>
+                  <a:outerShdw blurRad="38100" dist="38100" dir="2700000" algn="tl">
+                    <a:srgbClr val="000000">
+                      <a:alpha val="43137"/>
+                    </a:srgbClr>
+                  </a:outerShdw>
+                </a:effectLst>
+                <a:latin typeface="Times New Roman" panose="02020603050405020304" pitchFamily="18" charset="0"/>
+                <a:cs typeface="Times New Roman" panose="02020603050405020304" pitchFamily="18" charset="0"/>
+              </a:rPr>
+              <a:t>Not Enough Attention in </a:t>
+            </a:r>
+            <a:r>
+              <a:rPr lang="en-US" altLang="zh-CN" sz="2400" b="1" spc="300" dirty="0">
+                <a:solidFill>
+                  <a:schemeClr val="tx1">
+                    <a:lumMod val="85000"/>
+                    <a:lumOff val="15000"/>
+                  </a:schemeClr>
+                </a:solidFill>
+                <a:effectLst>
+                  <a:outerShdw blurRad="38100" dist="38100" dir="2700000" algn="tl">
+                    <a:srgbClr val="000000">
+                      <a:alpha val="43137"/>
+                    </a:srgbClr>
+                  </a:outerShdw>
+                </a:effectLst>
+                <a:latin typeface="Times New Roman" panose="02020603050405020304" pitchFamily="18" charset="0"/>
+                <a:cs typeface="Times New Roman" panose="02020603050405020304" pitchFamily="18" charset="0"/>
+                <a:sym typeface="+mn-lt"/>
+              </a:rPr>
+              <a:t>Word-Similarity Dataset</a:t>
+            </a:r>
+          </a:p>
+          <a:p>
+            <a:pPr lvl="1"/>
+            <a:r>
+              <a:rPr lang="en-US" altLang="zh-TW" sz="2400" dirty="0">
+                <a:latin typeface="Times New Roman" panose="02020603050405020304" pitchFamily="18" charset="0"/>
+                <a:cs typeface="Times New Roman" panose="02020603050405020304" pitchFamily="18" charset="0"/>
+              </a:rPr>
+              <a:t>Harbin Institute of Technology Word-Similarity Wordnet not enough</a:t>
+            </a:r>
+          </a:p>
+          <a:p>
+            <a:pPr lvl="1"/>
+            <a:r>
+              <a:rPr lang="en-US" altLang="zh-TW" sz="2400" b="1" i="1" dirty="0" err="1">
+                <a:latin typeface="Times New Roman" panose="02020603050405020304" pitchFamily="18" charset="0"/>
+                <a:cs typeface="Times New Roman" panose="02020603050405020304" pitchFamily="18" charset="0"/>
+              </a:rPr>
+              <a:t>OpenHowNet</a:t>
+            </a:r>
+            <a:r>
+              <a:rPr lang="en-US" altLang="zh-TW" sz="2400" dirty="0" err="1">
+                <a:latin typeface="Times New Roman" panose="02020603050405020304" pitchFamily="18" charset="0"/>
+                <a:cs typeface="Times New Roman" panose="02020603050405020304" pitchFamily="18" charset="0"/>
+              </a:rPr>
+              <a:t>.</a:t>
+            </a:r>
+            <a:r>
+              <a:rPr lang="en-US" altLang="zh-TW" sz="2400" b="1" i="1" dirty="0" err="1">
+                <a:latin typeface="Times New Roman" panose="02020603050405020304" pitchFamily="18" charset="0"/>
+                <a:cs typeface="Times New Roman" panose="02020603050405020304" pitchFamily="18" charset="0"/>
+              </a:rPr>
+              <a:t>calculate_word_similarity</a:t>
+            </a:r>
+            <a:r>
+              <a:rPr lang="en-US" altLang="zh-TW" sz="2400" b="1" i="1" dirty="0">
+                <a:latin typeface="Times New Roman" panose="02020603050405020304" pitchFamily="18" charset="0"/>
+                <a:cs typeface="Times New Roman" panose="02020603050405020304" pitchFamily="18" charset="0"/>
+              </a:rPr>
+              <a:t> </a:t>
+            </a:r>
+            <a:r>
+              <a:rPr lang="en-US" altLang="zh-TW" sz="2400" dirty="0">
+                <a:latin typeface="Times New Roman" panose="02020603050405020304" pitchFamily="18" charset="0"/>
+                <a:cs typeface="Times New Roman" panose="02020603050405020304" pitchFamily="18" charset="0"/>
+              </a:rPr>
+              <a:t>to match Word-Similarity</a:t>
+            </a:r>
+          </a:p>
+          <a:p>
+            <a:pPr lvl="1"/>
+            <a:r>
+              <a:rPr lang="en-US" altLang="zh-TW" sz="2400" b="1" i="1" dirty="0" err="1">
+                <a:latin typeface="Times New Roman" panose="02020603050405020304" pitchFamily="18" charset="0"/>
+                <a:cs typeface="Times New Roman" panose="02020603050405020304" pitchFamily="18" charset="0"/>
+              </a:rPr>
+              <a:t>OpenHowNet</a:t>
+            </a:r>
+            <a:r>
+              <a:rPr lang="en-US" altLang="zh-TW" sz="2400" dirty="0" err="1">
+                <a:latin typeface="Times New Roman" panose="02020603050405020304" pitchFamily="18" charset="0"/>
+                <a:cs typeface="Times New Roman" panose="02020603050405020304" pitchFamily="18" charset="0"/>
+              </a:rPr>
+              <a:t>.</a:t>
+            </a:r>
+            <a:r>
+              <a:rPr lang="en-US" altLang="zh-TW" sz="2400" b="1" i="1" dirty="0" err="1">
+                <a:latin typeface="Times New Roman" panose="02020603050405020304" pitchFamily="18" charset="0"/>
+                <a:cs typeface="Times New Roman" panose="02020603050405020304" pitchFamily="18" charset="0"/>
+              </a:rPr>
+              <a:t>calculate_word_similarity</a:t>
+            </a:r>
+            <a:r>
+              <a:rPr lang="en-US" altLang="zh-TW" sz="2400" b="1" i="1" dirty="0">
+                <a:latin typeface="Times New Roman" panose="02020603050405020304" pitchFamily="18" charset="0"/>
+                <a:cs typeface="Times New Roman" panose="02020603050405020304" pitchFamily="18" charset="0"/>
+              </a:rPr>
+              <a:t> </a:t>
+            </a:r>
+            <a:r>
+              <a:rPr lang="en-US" altLang="zh-TW" sz="2400" dirty="0">
+                <a:latin typeface="Times New Roman" panose="02020603050405020304" pitchFamily="18" charset="0"/>
+                <a:cs typeface="Times New Roman" panose="02020603050405020304" pitchFamily="18" charset="0"/>
+              </a:rPr>
+              <a:t>=&gt; 0 ~1</a:t>
+            </a:r>
+            <a:endParaRPr lang="en-US" altLang="zh-TW" sz="2400" b="1" dirty="0">
+              <a:effectLst>
+                <a:outerShdw blurRad="38100" dist="38100" dir="2700000" algn="tl">
+                  <a:srgbClr val="000000">
+                    <a:alpha val="43137"/>
+                  </a:srgbClr>
+                </a:outerShdw>
+              </a:effectLst>
+              <a:latin typeface="Times New Roman" panose="02020603050405020304" pitchFamily="18" charset="0"/>
+              <a:cs typeface="Times New Roman" panose="02020603050405020304" pitchFamily="18" charset="0"/>
+            </a:endParaRPr>
+          </a:p>
+        </p:txBody>
+      </p:sp>
+      <p:pic>
+        <p:nvPicPr>
+          <p:cNvPr id="12" name="图片 3">
+            <a:extLst>
+              <a:ext uri="{FF2B5EF4-FFF2-40B4-BE49-F238E27FC236}">
+                <a16:creationId xmlns:a16="http://schemas.microsoft.com/office/drawing/2014/main" id="{DE444DF1-F1D2-485B-B760-636CCF43E2EF}"/>
+              </a:ext>
+            </a:extLst>
+          </p:cNvPr>
+          <p:cNvPicPr>
+            <a:picLocks noChangeAspect="1"/>
+          </p:cNvPicPr>
+          <p:nvPr/>
+        </p:nvPicPr>
+        <p:blipFill rotWithShape="1">
+          <a:blip r:embed="rId3">
+            <a:extLst>
+              <a:ext uri="{28A0092B-C50C-407E-A947-70E740481C1C}">
+                <a14:useLocalDpi xmlns:a14="http://schemas.microsoft.com/office/drawing/2010/main" val="0"/>
+              </a:ext>
+            </a:extLst>
+          </a:blip>
+          <a:srcRect l="71835" b="32416"/>
+          <a:stretch>
+            <a:fillRect/>
+          </a:stretch>
+        </p:blipFill>
+        <p:spPr>
+          <a:xfrm>
+            <a:off x="7772400" y="-1"/>
+            <a:ext cx="4417925" cy="6858001"/>
+          </a:xfrm>
+          <a:prstGeom prst="rect">
+            <a:avLst/>
+          </a:prstGeom>
+        </p:spPr>
+      </p:pic>
     </p:spTree>
     <p:extLst>
       <p:ext uri="{BB962C8B-B14F-4D97-AF65-F5344CB8AC3E}">
@@ -19667,7 +20770,7 @@
 </p:sld>
 </file>
 
-<file path=ppt/slides/slide24.xml><?xml version="1.0" encoding="utf-8"?>
+<file path=ppt/slides/slide25.xml><?xml version="1.0" encoding="utf-8"?>
 <p:sld xmlns:a="http://schemas.openxmlformats.org/drawingml/2006/main" xmlns:r="http://schemas.openxmlformats.org/officeDocument/2006/relationships" xmlns:p="http://schemas.openxmlformats.org/presentationml/2006/main">
   <p:cSld>
     <p:spTree>
@@ -20445,7 +21548,7 @@
 </p:sld>
 </file>
 
-<file path=ppt/slides/slide25.xml><?xml version="1.0" encoding="utf-8"?>
+<file path=ppt/slides/slide26.xml><?xml version="1.0" encoding="utf-8"?>
 <p:sld xmlns:a="http://schemas.openxmlformats.org/drawingml/2006/main" xmlns:r="http://schemas.openxmlformats.org/officeDocument/2006/relationships" xmlns:p="http://schemas.openxmlformats.org/presentationml/2006/main">
   <p:cSld>
     <p:spTree>
@@ -20462,55 +21565,42 @@
           <a:chExt cx="0" cy="0"/>
         </a:xfrm>
       </p:grpSpPr>
-      <p:sp>
-        <p:nvSpPr>
-          <p:cNvPr id="49" name="TextBox 8"/>
-          <p:cNvSpPr txBox="1"/>
+      <p:pic>
+        <p:nvPicPr>
+          <p:cNvPr id="4" name="圖片 3">
+            <a:extLst>
+              <a:ext uri="{FF2B5EF4-FFF2-40B4-BE49-F238E27FC236}">
+                <a16:creationId xmlns:a16="http://schemas.microsoft.com/office/drawing/2014/main" id="{CE3132B3-FAAE-4BE2-9318-138986BFBF91}"/>
+              </a:ext>
+            </a:extLst>
+          </p:cNvPr>
+          <p:cNvPicPr>
+            <a:picLocks noChangeAspect="1"/>
+          </p:cNvPicPr>
           <p:nvPr/>
-        </p:nvSpPr>
+        </p:nvPicPr>
+        <p:blipFill>
+          <a:blip r:embed="rId3">
+            <a:extLst>
+              <a:ext uri="{28A0092B-C50C-407E-A947-70E740481C1C}">
+                <a14:useLocalDpi xmlns:a14="http://schemas.microsoft.com/office/drawing/2010/main" val="0"/>
+              </a:ext>
+            </a:extLst>
+          </a:blip>
+          <a:stretch>
+            <a:fillRect/>
+          </a:stretch>
+        </p:blipFill>
         <p:spPr>
           <a:xfrm>
-            <a:off x="4080396" y="339016"/>
-            <a:ext cx="3743030" cy="369199"/>
+            <a:off x="5592659" y="687098"/>
+            <a:ext cx="6599341" cy="5323839"/>
           </a:xfrm>
           <a:prstGeom prst="rect">
             <a:avLst/>
           </a:prstGeom>
-          <a:noFill/>
         </p:spPr>
-        <p:txBody>
-          <a:bodyPr wrap="square" lIns="0" tIns="0" rIns="0" bIns="0" rtlCol="0" anchor="ctr">
-            <a:spAutoFit/>
-          </a:bodyPr>
-          <a:lstStyle/>
-          <a:p>
-            <a:pPr algn="ctr"/>
-            <a:r>
-              <a:rPr lang="zh-CN" altLang="en-US" sz="2400" dirty="0">
-                <a:solidFill>
-                  <a:schemeClr val="tx1">
-                    <a:lumMod val="75000"/>
-                    <a:lumOff val="25000"/>
-                  </a:schemeClr>
-                </a:solidFill>
-                <a:cs typeface="+mn-ea"/>
-                <a:sym typeface="+mn-lt"/>
-              </a:rPr>
-              <a:t>点击输入您的标题</a:t>
-            </a:r>
-            <a:endParaRPr lang="zh-CN" altLang="en-US" sz="3200" dirty="0">
-              <a:solidFill>
-                <a:schemeClr val="tx1">
-                  <a:lumMod val="75000"/>
-                  <a:lumOff val="25000"/>
-                </a:schemeClr>
-              </a:solidFill>
-              <a:cs typeface="+mn-ea"/>
-              <a:sym typeface="+mn-lt"/>
-            </a:endParaRPr>
-          </a:p>
-        </p:txBody>
-      </p:sp>
+      </p:pic>
       <p:grpSp>
         <p:nvGrpSpPr>
           <p:cNvPr id="50" name="组合 49"/>
@@ -20600,6 +21690,307 @@
           </p:style>
         </p:cxnSp>
       </p:grpSp>
+      <p:sp>
+        <p:nvSpPr>
+          <p:cNvPr id="49" name="TextBox 8"/>
+          <p:cNvSpPr txBox="1"/>
+          <p:nvPr/>
+        </p:nvSpPr>
+        <p:spPr>
+          <a:xfrm>
+            <a:off x="2906113" y="277396"/>
+            <a:ext cx="5698871" cy="492443"/>
+          </a:xfrm>
+          <a:prstGeom prst="rect">
+            <a:avLst/>
+          </a:prstGeom>
+          <a:solidFill>
+            <a:schemeClr val="bg1"/>
+          </a:solidFill>
+        </p:spPr>
+        <p:txBody>
+          <a:bodyPr wrap="square" lIns="0" tIns="0" rIns="0" bIns="0" rtlCol="0" anchor="ctr">
+            <a:spAutoFit/>
+          </a:bodyPr>
+          <a:lstStyle/>
+          <a:p>
+            <a:pPr algn="ctr"/>
+            <a:r>
+              <a:rPr lang="en-US" altLang="zh-CN" sz="3200" b="1" spc="300" dirty="0">
+                <a:solidFill>
+                  <a:schemeClr val="tx1">
+                    <a:lumMod val="85000"/>
+                    <a:lumOff val="15000"/>
+                  </a:schemeClr>
+                </a:solidFill>
+                <a:effectLst>
+                  <a:outerShdw blurRad="38100" dist="38100" dir="2700000" algn="tl">
+                    <a:srgbClr val="000000">
+                      <a:alpha val="43137"/>
+                    </a:srgbClr>
+                  </a:outerShdw>
+                </a:effectLst>
+                <a:latin typeface="Times New Roman" panose="02020603050405020304" pitchFamily="18" charset="0"/>
+                <a:cs typeface="Times New Roman" panose="02020603050405020304" pitchFamily="18" charset="0"/>
+                <a:sym typeface="+mn-lt"/>
+              </a:rPr>
+              <a:t>HIT-CIR Word-Similarity </a:t>
+            </a:r>
+            <a:endParaRPr lang="zh-CN" altLang="en-US" sz="4000" b="1" dirty="0">
+              <a:solidFill>
+                <a:schemeClr val="tx1">
+                  <a:lumMod val="75000"/>
+                  <a:lumOff val="25000"/>
+                </a:schemeClr>
+              </a:solidFill>
+              <a:effectLst>
+                <a:outerShdw blurRad="38100" dist="38100" dir="2700000" algn="tl">
+                  <a:srgbClr val="000000">
+                    <a:alpha val="43137"/>
+                  </a:srgbClr>
+                </a:outerShdw>
+              </a:effectLst>
+              <a:cs typeface="+mn-ea"/>
+              <a:sym typeface="+mn-lt"/>
+            </a:endParaRPr>
+          </a:p>
+        </p:txBody>
+      </p:sp>
+      <p:sp>
+        <p:nvSpPr>
+          <p:cNvPr id="7" name="文字方塊 6">
+            <a:extLst>
+              <a:ext uri="{FF2B5EF4-FFF2-40B4-BE49-F238E27FC236}">
+                <a16:creationId xmlns:a16="http://schemas.microsoft.com/office/drawing/2014/main" id="{1592092A-3883-4427-9A32-A6B2D6229DBD}"/>
+              </a:ext>
+            </a:extLst>
+          </p:cNvPr>
+          <p:cNvSpPr txBox="1"/>
+          <p:nvPr/>
+        </p:nvSpPr>
+        <p:spPr>
+          <a:xfrm>
+            <a:off x="493986" y="763255"/>
+            <a:ext cx="6421822" cy="3416320"/>
+          </a:xfrm>
+          <a:prstGeom prst="rect">
+            <a:avLst/>
+          </a:prstGeom>
+          <a:noFill/>
+        </p:spPr>
+        <p:txBody>
+          <a:bodyPr wrap="square">
+            <a:spAutoFit/>
+          </a:bodyPr>
+          <a:lstStyle/>
+          <a:p>
+            <a:r>
+              <a:rPr lang="en-US" altLang="zh-CN" sz="2400" b="1" spc="300" dirty="0">
+                <a:solidFill>
+                  <a:schemeClr val="tx1">
+                    <a:lumMod val="85000"/>
+                    <a:lumOff val="15000"/>
+                  </a:schemeClr>
+                </a:solidFill>
+                <a:effectLst>
+                  <a:outerShdw blurRad="38100" dist="38100" dir="2700000" algn="tl">
+                    <a:srgbClr val="000000">
+                      <a:alpha val="43137"/>
+                    </a:srgbClr>
+                  </a:outerShdw>
+                </a:effectLst>
+                <a:latin typeface="Times New Roman" panose="02020603050405020304" pitchFamily="18" charset="0"/>
+                <a:cs typeface="Times New Roman" panose="02020603050405020304" pitchFamily="18" charset="0"/>
+                <a:sym typeface="+mn-lt"/>
+              </a:rPr>
+              <a:t>HIT-CIR ≈</a:t>
+            </a:r>
+            <a:r>
+              <a:rPr lang="en-US" altLang="zh-TW" sz="2400" b="1" dirty="0">
+                <a:latin typeface="Times New Roman" panose="02020603050405020304" pitchFamily="18" charset="0"/>
+                <a:cs typeface="Times New Roman" panose="02020603050405020304" pitchFamily="18" charset="0"/>
+              </a:rPr>
+              <a:t>WordNet</a:t>
+            </a:r>
+          </a:p>
+          <a:p>
+            <a:endParaRPr lang="en-US" altLang="zh-TW" sz="2400" b="1" dirty="0">
+              <a:latin typeface="Times New Roman" panose="02020603050405020304" pitchFamily="18" charset="0"/>
+              <a:cs typeface="Times New Roman" panose="02020603050405020304" pitchFamily="18" charset="0"/>
+            </a:endParaRPr>
+          </a:p>
+          <a:p>
+            <a:r>
+              <a:rPr lang="en-US" altLang="zh-TW" sz="2400" dirty="0">
+                <a:latin typeface="Times New Roman" panose="02020603050405020304" pitchFamily="18" charset="0"/>
+                <a:cs typeface="Times New Roman" panose="02020603050405020304" pitchFamily="18" charset="0"/>
+              </a:rPr>
+              <a:t>Organized into five levels:</a:t>
+            </a:r>
+          </a:p>
+          <a:p>
+            <a:endParaRPr lang="en-US" altLang="zh-TW" sz="2400" dirty="0">
+              <a:latin typeface="Times New Roman" panose="02020603050405020304" pitchFamily="18" charset="0"/>
+              <a:cs typeface="Times New Roman" panose="02020603050405020304" pitchFamily="18" charset="0"/>
+            </a:endParaRPr>
+          </a:p>
+          <a:p>
+            <a:pPr>
+              <a:buFont typeface="+mj-lt"/>
+              <a:buAutoNum type="arabicPeriod"/>
+            </a:pPr>
+            <a:r>
+              <a:rPr lang="en-US" altLang="zh-TW" sz="2400" dirty="0">
+                <a:latin typeface="Times New Roman" panose="02020603050405020304" pitchFamily="18" charset="0"/>
+                <a:cs typeface="Times New Roman" panose="02020603050405020304" pitchFamily="18" charset="0"/>
+              </a:rPr>
+              <a:t>Top-level categories (e.g., "Person", "Object").</a:t>
+            </a:r>
+          </a:p>
+          <a:p>
+            <a:pPr>
+              <a:buFont typeface="+mj-lt"/>
+              <a:buAutoNum type="arabicPeriod"/>
+            </a:pPr>
+            <a:r>
+              <a:rPr lang="en-US" altLang="zh-TW" sz="2400" dirty="0">
+                <a:latin typeface="Times New Roman" panose="02020603050405020304" pitchFamily="18" charset="0"/>
+                <a:cs typeface="Times New Roman" panose="02020603050405020304" pitchFamily="18" charset="0"/>
+              </a:rPr>
+              <a:t>Subcategories (e.g., "Human Behavior").</a:t>
+            </a:r>
+          </a:p>
+          <a:p>
+            <a:pPr>
+              <a:buFont typeface="+mj-lt"/>
+              <a:buAutoNum type="arabicPeriod"/>
+            </a:pPr>
+            <a:r>
+              <a:rPr lang="en-US" altLang="zh-TW" sz="2400" dirty="0">
+                <a:latin typeface="Times New Roman" panose="02020603050405020304" pitchFamily="18" charset="0"/>
+                <a:cs typeface="Times New Roman" panose="02020603050405020304" pitchFamily="18" charset="0"/>
+              </a:rPr>
+              <a:t>Specific subcategories.</a:t>
+            </a:r>
+          </a:p>
+          <a:p>
+            <a:pPr>
+              <a:buFont typeface="+mj-lt"/>
+              <a:buAutoNum type="arabicPeriod"/>
+            </a:pPr>
+            <a:r>
+              <a:rPr lang="en-US" altLang="zh-TW" sz="2400" dirty="0">
+                <a:latin typeface="Times New Roman" panose="02020603050405020304" pitchFamily="18" charset="0"/>
+                <a:cs typeface="Times New Roman" panose="02020603050405020304" pitchFamily="18" charset="0"/>
+              </a:rPr>
+              <a:t>Semantic units.</a:t>
+            </a:r>
+          </a:p>
+          <a:p>
+            <a:pPr>
+              <a:buFont typeface="+mj-lt"/>
+              <a:buAutoNum type="arabicPeriod"/>
+            </a:pPr>
+            <a:r>
+              <a:rPr lang="en-US" altLang="zh-TW" sz="2400" dirty="0">
+                <a:latin typeface="Times New Roman" panose="02020603050405020304" pitchFamily="18" charset="0"/>
+                <a:cs typeface="Times New Roman" panose="02020603050405020304" pitchFamily="18" charset="0"/>
+              </a:rPr>
+              <a:t>Individual words or phrases.</a:t>
+            </a:r>
+          </a:p>
+        </p:txBody>
+      </p:sp>
+      <p:sp>
+        <p:nvSpPr>
+          <p:cNvPr id="13" name="文字方塊 12">
+            <a:extLst>
+              <a:ext uri="{FF2B5EF4-FFF2-40B4-BE49-F238E27FC236}">
+                <a16:creationId xmlns:a16="http://schemas.microsoft.com/office/drawing/2014/main" id="{079DE080-0102-445F-A661-7B94605247E8}"/>
+              </a:ext>
+            </a:extLst>
+          </p:cNvPr>
+          <p:cNvSpPr txBox="1"/>
+          <p:nvPr/>
+        </p:nvSpPr>
+        <p:spPr>
+          <a:xfrm>
+            <a:off x="482009" y="4541258"/>
+            <a:ext cx="6096000" cy="1569660"/>
+          </a:xfrm>
+          <a:prstGeom prst="rect">
+            <a:avLst/>
+          </a:prstGeom>
+          <a:noFill/>
+        </p:spPr>
+        <p:txBody>
+          <a:bodyPr wrap="square">
+            <a:spAutoFit/>
+          </a:bodyPr>
+          <a:lstStyle/>
+          <a:p>
+            <a:r>
+              <a:rPr lang="en-US" altLang="zh-TW" sz="2400" b="1" i="1" dirty="0" err="1">
+                <a:latin typeface="Times New Roman" panose="02020603050405020304" pitchFamily="18" charset="0"/>
+                <a:cs typeface="Times New Roman" panose="02020603050405020304" pitchFamily="18" charset="0"/>
+              </a:rPr>
+              <a:t>OpenHowNet</a:t>
+            </a:r>
+            <a:r>
+              <a:rPr lang="en-US" altLang="zh-TW" sz="2400" b="1" dirty="0" err="1">
+                <a:latin typeface="Times New Roman" panose="02020603050405020304" pitchFamily="18" charset="0"/>
+                <a:cs typeface="Times New Roman" panose="02020603050405020304" pitchFamily="18" charset="0"/>
+              </a:rPr>
+              <a:t>.</a:t>
+            </a:r>
+            <a:r>
+              <a:rPr lang="en-US" altLang="zh-TW" sz="2400" b="1" i="1" dirty="0" err="1">
+                <a:latin typeface="Times New Roman" panose="02020603050405020304" pitchFamily="18" charset="0"/>
+                <a:cs typeface="Times New Roman" panose="02020603050405020304" pitchFamily="18" charset="0"/>
+              </a:rPr>
+              <a:t>calculate_word_similarity</a:t>
+            </a:r>
+            <a:r>
+              <a:rPr lang="en-US" altLang="zh-TW" sz="2400" b="1" i="1" dirty="0">
+                <a:latin typeface="Times New Roman" panose="02020603050405020304" pitchFamily="18" charset="0"/>
+                <a:cs typeface="Times New Roman" panose="02020603050405020304" pitchFamily="18" charset="0"/>
+              </a:rPr>
+              <a:t> </a:t>
+            </a:r>
+          </a:p>
+          <a:p>
+            <a:r>
+              <a:rPr lang="en-US" altLang="zh-TW" sz="2400" b="1" dirty="0">
+                <a:latin typeface="Times New Roman" panose="02020603050405020304" pitchFamily="18" charset="0"/>
+                <a:cs typeface="Times New Roman" panose="02020603050405020304" pitchFamily="18" charset="0"/>
+              </a:rPr>
+              <a:t>0 : Not match</a:t>
+            </a:r>
+          </a:p>
+          <a:p>
+            <a:r>
+              <a:rPr lang="en-US" altLang="zh-TW" sz="2400" b="1" dirty="0">
+                <a:latin typeface="Times New Roman" panose="02020603050405020304" pitchFamily="18" charset="0"/>
+                <a:cs typeface="Times New Roman" panose="02020603050405020304" pitchFamily="18" charset="0"/>
+              </a:rPr>
+              <a:t>1 : Completely match</a:t>
+            </a:r>
+          </a:p>
+          <a:p>
+            <a:r>
+              <a:rPr lang="en-US" altLang="zh-TW" sz="2400" b="1" dirty="0">
+                <a:latin typeface="Times New Roman" panose="02020603050405020304" pitchFamily="18" charset="0"/>
+                <a:cs typeface="Times New Roman" panose="02020603050405020304" pitchFamily="18" charset="0"/>
+              </a:rPr>
+              <a:t>0.7 :considered synonyms</a:t>
+            </a:r>
+            <a:endParaRPr lang="zh-TW" altLang="en-US" sz="2400" b="1" dirty="0">
+              <a:latin typeface="Times New Roman" panose="02020603050405020304" pitchFamily="18" charset="0"/>
+              <a:cs typeface="Times New Roman" panose="02020603050405020304" pitchFamily="18" charset="0"/>
+            </a:endParaRPr>
+          </a:p>
+        </p:txBody>
+      </p:sp>
     </p:spTree>
   </p:cSld>
   <p:clrMapOvr>
@@ -20620,7 +22011,7 @@
 </p:sld>
 </file>
 
-<file path=ppt/slides/slide26.xml><?xml version="1.0" encoding="utf-8"?>
+<file path=ppt/slides/slide27.xml><?xml version="1.0" encoding="utf-8"?>
 <p:sld xmlns:a="http://schemas.openxmlformats.org/drawingml/2006/main" xmlns:r="http://schemas.openxmlformats.org/officeDocument/2006/relationships" xmlns:p="http://schemas.openxmlformats.org/presentationml/2006/main">
   <p:cSld>
     <p:spTree>
@@ -21342,7 +22733,7 @@
 </p:sld>
 </file>
 
-<file path=ppt/slides/slide27.xml><?xml version="1.0" encoding="utf-8"?>
+<file path=ppt/slides/slide28.xml><?xml version="1.0" encoding="utf-8"?>
 <p:sld xmlns:a="http://schemas.openxmlformats.org/drawingml/2006/main" xmlns:r="http://schemas.openxmlformats.org/officeDocument/2006/relationships" xmlns:p="http://schemas.openxmlformats.org/presentationml/2006/main">
   <p:cSld>
     <p:spTree>
@@ -21359,55 +22750,36 @@
           <a:chExt cx="0" cy="0"/>
         </a:xfrm>
       </p:grpSpPr>
-      <p:sp>
-        <p:nvSpPr>
-          <p:cNvPr id="19" name="TextBox 8"/>
-          <p:cNvSpPr txBox="1"/>
+      <p:pic>
+        <p:nvPicPr>
+          <p:cNvPr id="11" name="圖片 10">
+            <a:extLst>
+              <a:ext uri="{FF2B5EF4-FFF2-40B4-BE49-F238E27FC236}">
+                <a16:creationId xmlns:a16="http://schemas.microsoft.com/office/drawing/2014/main" id="{AF68B40C-277A-476D-A90A-FD56A511D1FD}"/>
+              </a:ext>
+            </a:extLst>
+          </p:cNvPr>
+          <p:cNvPicPr>
+            <a:picLocks noChangeAspect="1"/>
+          </p:cNvPicPr>
           <p:nvPr/>
-        </p:nvSpPr>
+        </p:nvPicPr>
+        <p:blipFill>
+          <a:blip r:embed="rId3"/>
+          <a:stretch>
+            <a:fillRect/>
+          </a:stretch>
+        </p:blipFill>
         <p:spPr>
           <a:xfrm>
-            <a:off x="4080395" y="339016"/>
-            <a:ext cx="3743030" cy="369199"/>
+            <a:off x="1569031" y="5664199"/>
+            <a:ext cx="6811327" cy="600475"/>
           </a:xfrm>
           <a:prstGeom prst="rect">
             <a:avLst/>
           </a:prstGeom>
-          <a:noFill/>
         </p:spPr>
-        <p:txBody>
-          <a:bodyPr wrap="square" lIns="0" tIns="0" rIns="0" bIns="0" rtlCol="0" anchor="ctr">
-            <a:spAutoFit/>
-          </a:bodyPr>
-          <a:lstStyle/>
-          <a:p>
-            <a:pPr algn="ctr"/>
-            <a:r>
-              <a:rPr lang="zh-CN" altLang="en-US" sz="2400" dirty="0">
-                <a:solidFill>
-                  <a:schemeClr val="tx1">
-                    <a:lumMod val="75000"/>
-                    <a:lumOff val="25000"/>
-                  </a:schemeClr>
-                </a:solidFill>
-                <a:cs typeface="+mn-ea"/>
-                <a:sym typeface="+mn-lt"/>
-              </a:rPr>
-              <a:t>点击输入您的标题</a:t>
-            </a:r>
-            <a:endParaRPr lang="zh-CN" altLang="en-US" sz="3200" dirty="0">
-              <a:solidFill>
-                <a:schemeClr val="tx1">
-                  <a:lumMod val="75000"/>
-                  <a:lumOff val="25000"/>
-                </a:schemeClr>
-              </a:solidFill>
-              <a:cs typeface="+mn-ea"/>
-              <a:sym typeface="+mn-lt"/>
-            </a:endParaRPr>
-          </a:p>
-        </p:txBody>
-      </p:sp>
+      </p:pic>
       <p:grpSp>
         <p:nvGrpSpPr>
           <p:cNvPr id="32" name="组合 31"/>
@@ -21497,4631 +22869,89 @@
           </p:style>
         </p:cxnSp>
       </p:grpSp>
-    </p:spTree>
-  </p:cSld>
-  <p:clrMapOvr>
-    <a:masterClrMapping/>
-  </p:clrMapOvr>
-  <mc:AlternateContent xmlns:mc="http://schemas.openxmlformats.org/markup-compatibility/2006" xmlns:p14="http://schemas.microsoft.com/office/powerpoint/2010/main">
-    <mc:Choice Requires="p14">
-      <p:transition spd="slow" p14:dur="1500" advClick="0" advTm="0">
-        <p:split orient="vert"/>
-      </p:transition>
-    </mc:Choice>
-    <mc:Fallback xmlns="">
-      <p:transition spd="slow" advClick="0" advTm="0">
-        <p:split orient="vert"/>
-      </p:transition>
-    </mc:Fallback>
-  </mc:AlternateContent>
-</p:sld>
-</file>
-
-<file path=ppt/slides/slide28.xml><?xml version="1.0" encoding="utf-8"?>
-<p:sld xmlns:a="http://schemas.openxmlformats.org/drawingml/2006/main" xmlns:r="http://schemas.openxmlformats.org/officeDocument/2006/relationships" xmlns:p="http://schemas.openxmlformats.org/presentationml/2006/main">
-  <p:cSld>
-    <p:spTree>
-      <p:nvGrpSpPr>
-        <p:cNvPr id="1" name=""/>
-        <p:cNvGrpSpPr/>
-        <p:nvPr/>
-      </p:nvGrpSpPr>
-      <p:grpSpPr>
-        <a:xfrm>
-          <a:off x="0" y="0"/>
-          <a:ext cx="0" cy="0"/>
-          <a:chOff x="0" y="0"/>
-          <a:chExt cx="0" cy="0"/>
-        </a:xfrm>
-      </p:grpSpPr>
-      <p:grpSp>
-        <p:nvGrpSpPr>
-          <p:cNvPr id="2" name="组合 1"/>
-          <p:cNvGrpSpPr/>
-          <p:nvPr/>
-        </p:nvGrpSpPr>
-        <p:grpSpPr>
-          <a:xfrm>
-            <a:off x="4050662" y="1930862"/>
-            <a:ext cx="3901506" cy="3177830"/>
-            <a:chOff x="10047" y="3376"/>
-            <a:chExt cx="6146" cy="5006"/>
-          </a:xfrm>
-          <a:solidFill>
-            <a:srgbClr val="C00000"/>
-          </a:solidFill>
-        </p:grpSpPr>
-        <p:grpSp>
-          <p:nvGrpSpPr>
-            <p:cNvPr id="3" name="组合 2"/>
-            <p:cNvGrpSpPr/>
-            <p:nvPr/>
-          </p:nvGrpSpPr>
-          <p:grpSpPr>
-            <a:xfrm>
-              <a:off x="10541" y="3376"/>
-              <a:ext cx="5005" cy="5006"/>
-              <a:chOff x="6693740" y="2143760"/>
-              <a:chExt cx="3178140" cy="3178698"/>
-            </a:xfrm>
-            <a:grpFill/>
-          </p:grpSpPr>
-          <p:sp>
-            <p:nvSpPr>
-              <p:cNvPr id="17" name="Freeform 7"/>
-              <p:cNvSpPr/>
-              <p:nvPr/>
-            </p:nvSpPr>
-            <p:spPr bwMode="auto">
-              <a:xfrm rot="18900000">
-                <a:off x="7789663" y="2143760"/>
-                <a:ext cx="1514767" cy="1514767"/>
-              </a:xfrm>
-              <a:custGeom>
-                <a:avLst/>
-                <a:gdLst>
-                  <a:gd name="T0" fmla="*/ 720 w 720"/>
-                  <a:gd name="T1" fmla="*/ 275 h 720"/>
-                  <a:gd name="T2" fmla="*/ 643 w 720"/>
-                  <a:gd name="T3" fmla="*/ 352 h 720"/>
-                  <a:gd name="T4" fmla="*/ 643 w 720"/>
-                  <a:gd name="T5" fmla="*/ 352 h 720"/>
-                  <a:gd name="T6" fmla="*/ 603 w 720"/>
-                  <a:gd name="T7" fmla="*/ 336 h 720"/>
-                  <a:gd name="T8" fmla="*/ 569 w 720"/>
-                  <a:gd name="T9" fmla="*/ 313 h 720"/>
-                  <a:gd name="T10" fmla="*/ 543 w 720"/>
-                  <a:gd name="T11" fmla="*/ 356 h 720"/>
-                  <a:gd name="T12" fmla="*/ 542 w 720"/>
-                  <a:gd name="T13" fmla="*/ 365 h 720"/>
-                  <a:gd name="T14" fmla="*/ 542 w 720"/>
-                  <a:gd name="T15" fmla="*/ 542 h 720"/>
-                  <a:gd name="T16" fmla="*/ 542 w 720"/>
-                  <a:gd name="T17" fmla="*/ 542 h 720"/>
-                  <a:gd name="T18" fmla="*/ 356 w 720"/>
-                  <a:gd name="T19" fmla="*/ 542 h 720"/>
-                  <a:gd name="T20" fmla="*/ 345 w 720"/>
-                  <a:gd name="T21" fmla="*/ 543 h 720"/>
-                  <a:gd name="T22" fmla="*/ 296 w 720"/>
-                  <a:gd name="T23" fmla="*/ 572 h 720"/>
-                  <a:gd name="T24" fmla="*/ 314 w 720"/>
-                  <a:gd name="T25" fmla="*/ 610 h 720"/>
-                  <a:gd name="T26" fmla="*/ 320 w 720"/>
-                  <a:gd name="T27" fmla="*/ 617 h 720"/>
-                  <a:gd name="T28" fmla="*/ 335 w 720"/>
-                  <a:gd name="T29" fmla="*/ 652 h 720"/>
-                  <a:gd name="T30" fmla="*/ 266 w 720"/>
-                  <a:gd name="T31" fmla="*/ 720 h 720"/>
-                  <a:gd name="T32" fmla="*/ 198 w 720"/>
-                  <a:gd name="T33" fmla="*/ 652 h 720"/>
-                  <a:gd name="T34" fmla="*/ 198 w 720"/>
-                  <a:gd name="T35" fmla="*/ 652 h 720"/>
-                  <a:gd name="T36" fmla="*/ 212 w 720"/>
-                  <a:gd name="T37" fmla="*/ 617 h 720"/>
-                  <a:gd name="T38" fmla="*/ 219 w 720"/>
-                  <a:gd name="T39" fmla="*/ 610 h 720"/>
-                  <a:gd name="T40" fmla="*/ 237 w 720"/>
-                  <a:gd name="T41" fmla="*/ 572 h 720"/>
-                  <a:gd name="T42" fmla="*/ 187 w 720"/>
-                  <a:gd name="T43" fmla="*/ 543 h 720"/>
-                  <a:gd name="T44" fmla="*/ 177 w 720"/>
-                  <a:gd name="T45" fmla="*/ 542 h 720"/>
-                  <a:gd name="T46" fmla="*/ 0 w 720"/>
-                  <a:gd name="T47" fmla="*/ 542 h 720"/>
-                  <a:gd name="T48" fmla="*/ 0 w 720"/>
-                  <a:gd name="T49" fmla="*/ 365 h 720"/>
-                  <a:gd name="T50" fmla="*/ 1 w 720"/>
-                  <a:gd name="T51" fmla="*/ 358 h 720"/>
-                  <a:gd name="T52" fmla="*/ 19 w 720"/>
-                  <a:gd name="T53" fmla="*/ 321 h 720"/>
-                  <a:gd name="T54" fmla="*/ 40 w 720"/>
-                  <a:gd name="T55" fmla="*/ 335 h 720"/>
-                  <a:gd name="T56" fmla="*/ 47 w 720"/>
-                  <a:gd name="T57" fmla="*/ 342 h 720"/>
-                  <a:gd name="T58" fmla="*/ 92 w 720"/>
-                  <a:gd name="T59" fmla="*/ 360 h 720"/>
-                  <a:gd name="T60" fmla="*/ 93 w 720"/>
-                  <a:gd name="T61" fmla="*/ 360 h 720"/>
-                  <a:gd name="T62" fmla="*/ 178 w 720"/>
-                  <a:gd name="T63" fmla="*/ 275 h 720"/>
-                  <a:gd name="T64" fmla="*/ 93 w 720"/>
-                  <a:gd name="T65" fmla="*/ 190 h 720"/>
-                  <a:gd name="T66" fmla="*/ 92 w 720"/>
-                  <a:gd name="T67" fmla="*/ 190 h 720"/>
-                  <a:gd name="T68" fmla="*/ 47 w 720"/>
-                  <a:gd name="T69" fmla="*/ 209 h 720"/>
-                  <a:gd name="T70" fmla="*/ 40 w 720"/>
-                  <a:gd name="T71" fmla="*/ 215 h 720"/>
-                  <a:gd name="T72" fmla="*/ 19 w 720"/>
-                  <a:gd name="T73" fmla="*/ 230 h 720"/>
-                  <a:gd name="T74" fmla="*/ 1 w 720"/>
-                  <a:gd name="T75" fmla="*/ 193 h 720"/>
-                  <a:gd name="T76" fmla="*/ 0 w 720"/>
-                  <a:gd name="T77" fmla="*/ 186 h 720"/>
-                  <a:gd name="T78" fmla="*/ 0 w 720"/>
-                  <a:gd name="T79" fmla="*/ 0 h 720"/>
-                  <a:gd name="T80" fmla="*/ 177 w 720"/>
-                  <a:gd name="T81" fmla="*/ 0 h 720"/>
-                  <a:gd name="T82" fmla="*/ 186 w 720"/>
-                  <a:gd name="T83" fmla="*/ 1 h 720"/>
-                  <a:gd name="T84" fmla="*/ 206 w 720"/>
-                  <a:gd name="T85" fmla="*/ 61 h 720"/>
-                  <a:gd name="T86" fmla="*/ 190 w 720"/>
-                  <a:gd name="T87" fmla="*/ 102 h 720"/>
-                  <a:gd name="T88" fmla="*/ 266 w 720"/>
-                  <a:gd name="T89" fmla="*/ 179 h 720"/>
-                  <a:gd name="T90" fmla="*/ 343 w 720"/>
-                  <a:gd name="T91" fmla="*/ 102 h 720"/>
-                  <a:gd name="T92" fmla="*/ 327 w 720"/>
-                  <a:gd name="T93" fmla="*/ 61 h 720"/>
-                  <a:gd name="T94" fmla="*/ 347 w 720"/>
-                  <a:gd name="T95" fmla="*/ 1 h 720"/>
-                  <a:gd name="T96" fmla="*/ 356 w 720"/>
-                  <a:gd name="T97" fmla="*/ 0 h 720"/>
-                  <a:gd name="T98" fmla="*/ 542 w 720"/>
-                  <a:gd name="T99" fmla="*/ 0 h 720"/>
-                  <a:gd name="T100" fmla="*/ 542 w 720"/>
-                  <a:gd name="T101" fmla="*/ 186 h 720"/>
-                  <a:gd name="T102" fmla="*/ 543 w 720"/>
-                  <a:gd name="T103" fmla="*/ 194 h 720"/>
-                  <a:gd name="T104" fmla="*/ 569 w 720"/>
-                  <a:gd name="T105" fmla="*/ 238 h 720"/>
-                  <a:gd name="T106" fmla="*/ 603 w 720"/>
-                  <a:gd name="T107" fmla="*/ 215 h 720"/>
-                  <a:gd name="T108" fmla="*/ 642 w 720"/>
-                  <a:gd name="T109" fmla="*/ 199 h 720"/>
-                  <a:gd name="T110" fmla="*/ 643 w 720"/>
-                  <a:gd name="T111" fmla="*/ 199 h 720"/>
-                  <a:gd name="T112" fmla="*/ 720 w 720"/>
-                  <a:gd name="T113" fmla="*/ 275 h 720"/>
-                </a:gdLst>
-                <a:ahLst/>
-                <a:cxnLst>
-                  <a:cxn ang="0">
-                    <a:pos x="T0" y="T1"/>
-                  </a:cxn>
-                  <a:cxn ang="0">
-                    <a:pos x="T2" y="T3"/>
-                  </a:cxn>
-                  <a:cxn ang="0">
-                    <a:pos x="T4" y="T5"/>
-                  </a:cxn>
-                  <a:cxn ang="0">
-                    <a:pos x="T6" y="T7"/>
-                  </a:cxn>
-                  <a:cxn ang="0">
-                    <a:pos x="T8" y="T9"/>
-                  </a:cxn>
-                  <a:cxn ang="0">
-                    <a:pos x="T10" y="T11"/>
-                  </a:cxn>
-                  <a:cxn ang="0">
-                    <a:pos x="T12" y="T13"/>
-                  </a:cxn>
-                  <a:cxn ang="0">
-                    <a:pos x="T14" y="T15"/>
-                  </a:cxn>
-                  <a:cxn ang="0">
-                    <a:pos x="T16" y="T17"/>
-                  </a:cxn>
-                  <a:cxn ang="0">
-                    <a:pos x="T18" y="T19"/>
-                  </a:cxn>
-                  <a:cxn ang="0">
-                    <a:pos x="T20" y="T21"/>
-                  </a:cxn>
-                  <a:cxn ang="0">
-                    <a:pos x="T22" y="T23"/>
-                  </a:cxn>
-                  <a:cxn ang="0">
-                    <a:pos x="T24" y="T25"/>
-                  </a:cxn>
-                  <a:cxn ang="0">
-                    <a:pos x="T26" y="T27"/>
-                  </a:cxn>
-                  <a:cxn ang="0">
-                    <a:pos x="T28" y="T29"/>
-                  </a:cxn>
-                  <a:cxn ang="0">
-                    <a:pos x="T30" y="T31"/>
-                  </a:cxn>
-                  <a:cxn ang="0">
-                    <a:pos x="T32" y="T33"/>
-                  </a:cxn>
-                  <a:cxn ang="0">
-                    <a:pos x="T34" y="T35"/>
-                  </a:cxn>
-                  <a:cxn ang="0">
-                    <a:pos x="T36" y="T37"/>
-                  </a:cxn>
-                  <a:cxn ang="0">
-                    <a:pos x="T38" y="T39"/>
-                  </a:cxn>
-                  <a:cxn ang="0">
-                    <a:pos x="T40" y="T41"/>
-                  </a:cxn>
-                  <a:cxn ang="0">
-                    <a:pos x="T42" y="T43"/>
-                  </a:cxn>
-                  <a:cxn ang="0">
-                    <a:pos x="T44" y="T45"/>
-                  </a:cxn>
-                  <a:cxn ang="0">
-                    <a:pos x="T46" y="T47"/>
-                  </a:cxn>
-                  <a:cxn ang="0">
-                    <a:pos x="T48" y="T49"/>
-                  </a:cxn>
-                  <a:cxn ang="0">
-                    <a:pos x="T50" y="T51"/>
-                  </a:cxn>
-                  <a:cxn ang="0">
-                    <a:pos x="T52" y="T53"/>
-                  </a:cxn>
-                  <a:cxn ang="0">
-                    <a:pos x="T54" y="T55"/>
-                  </a:cxn>
-                  <a:cxn ang="0">
-                    <a:pos x="T56" y="T57"/>
-                  </a:cxn>
-                  <a:cxn ang="0">
-                    <a:pos x="T58" y="T59"/>
-                  </a:cxn>
-                  <a:cxn ang="0">
-                    <a:pos x="T60" y="T61"/>
-                  </a:cxn>
-                  <a:cxn ang="0">
-                    <a:pos x="T62" y="T63"/>
-                  </a:cxn>
-                  <a:cxn ang="0">
-                    <a:pos x="T64" y="T65"/>
-                  </a:cxn>
-                  <a:cxn ang="0">
-                    <a:pos x="T66" y="T67"/>
-                  </a:cxn>
-                  <a:cxn ang="0">
-                    <a:pos x="T68" y="T69"/>
-                  </a:cxn>
-                  <a:cxn ang="0">
-                    <a:pos x="T70" y="T71"/>
-                  </a:cxn>
-                  <a:cxn ang="0">
-                    <a:pos x="T72" y="T73"/>
-                  </a:cxn>
-                  <a:cxn ang="0">
-                    <a:pos x="T74" y="T75"/>
-                  </a:cxn>
-                  <a:cxn ang="0">
-                    <a:pos x="T76" y="T77"/>
-                  </a:cxn>
-                  <a:cxn ang="0">
-                    <a:pos x="T78" y="T79"/>
-                  </a:cxn>
-                  <a:cxn ang="0">
-                    <a:pos x="T80" y="T81"/>
-                  </a:cxn>
-                  <a:cxn ang="0">
-                    <a:pos x="T82" y="T83"/>
-                  </a:cxn>
-                  <a:cxn ang="0">
-                    <a:pos x="T84" y="T85"/>
-                  </a:cxn>
-                  <a:cxn ang="0">
-                    <a:pos x="T86" y="T87"/>
-                  </a:cxn>
-                  <a:cxn ang="0">
-                    <a:pos x="T88" y="T89"/>
-                  </a:cxn>
-                  <a:cxn ang="0">
-                    <a:pos x="T90" y="T91"/>
-                  </a:cxn>
-                  <a:cxn ang="0">
-                    <a:pos x="T92" y="T93"/>
-                  </a:cxn>
-                  <a:cxn ang="0">
-                    <a:pos x="T94" y="T95"/>
-                  </a:cxn>
-                  <a:cxn ang="0">
-                    <a:pos x="T96" y="T97"/>
-                  </a:cxn>
-                  <a:cxn ang="0">
-                    <a:pos x="T98" y="T99"/>
-                  </a:cxn>
-                  <a:cxn ang="0">
-                    <a:pos x="T100" y="T101"/>
-                  </a:cxn>
-                  <a:cxn ang="0">
-                    <a:pos x="T102" y="T103"/>
-                  </a:cxn>
-                  <a:cxn ang="0">
-                    <a:pos x="T104" y="T105"/>
-                  </a:cxn>
-                  <a:cxn ang="0">
-                    <a:pos x="T106" y="T107"/>
-                  </a:cxn>
-                  <a:cxn ang="0">
-                    <a:pos x="T108" y="T109"/>
-                  </a:cxn>
-                  <a:cxn ang="0">
-                    <a:pos x="T110" y="T111"/>
-                  </a:cxn>
-                  <a:cxn ang="0">
-                    <a:pos x="T112" y="T113"/>
-                  </a:cxn>
-                </a:cxnLst>
-                <a:rect l="0" t="0" r="r" b="b"/>
-                <a:pathLst>
-                  <a:path w="720" h="720">
-                    <a:moveTo>
-                      <a:pt x="720" y="275"/>
-                    </a:moveTo>
-                    <a:cubicBezTo>
-                      <a:pt x="720" y="318"/>
-                      <a:pt x="686" y="352"/>
-                      <a:pt x="643" y="352"/>
-                    </a:cubicBezTo>
-                    <a:cubicBezTo>
-                      <a:pt x="643" y="352"/>
-                      <a:pt x="643" y="352"/>
-                      <a:pt x="643" y="352"/>
-                    </a:cubicBezTo>
-                    <a:cubicBezTo>
-                      <a:pt x="639" y="352"/>
-                      <a:pt x="621" y="351"/>
-                      <a:pt x="603" y="336"/>
-                    </a:cubicBezTo>
-                    <a:cubicBezTo>
-                      <a:pt x="592" y="327"/>
-                      <a:pt x="580" y="313"/>
-                      <a:pt x="569" y="313"/>
-                    </a:cubicBezTo>
-                    <a:cubicBezTo>
-                      <a:pt x="559" y="313"/>
-                      <a:pt x="550" y="323"/>
-                      <a:pt x="543" y="356"/>
-                    </a:cubicBezTo>
-                    <a:cubicBezTo>
-                      <a:pt x="542" y="359"/>
-                      <a:pt x="542" y="362"/>
-                      <a:pt x="542" y="365"/>
-                    </a:cubicBezTo>
-                    <a:cubicBezTo>
-                      <a:pt x="542" y="542"/>
-                      <a:pt x="542" y="542"/>
-                      <a:pt x="542" y="542"/>
-                    </a:cubicBezTo>
-                    <a:cubicBezTo>
-                      <a:pt x="542" y="542"/>
-                      <a:pt x="542" y="542"/>
-                      <a:pt x="542" y="542"/>
-                    </a:cubicBezTo>
-                    <a:cubicBezTo>
-                      <a:pt x="356" y="542"/>
-                      <a:pt x="356" y="542"/>
-                      <a:pt x="356" y="542"/>
-                    </a:cubicBezTo>
-                    <a:cubicBezTo>
-                      <a:pt x="352" y="542"/>
-                      <a:pt x="349" y="543"/>
-                      <a:pt x="345" y="543"/>
-                    </a:cubicBezTo>
-                    <a:cubicBezTo>
-                      <a:pt x="315" y="550"/>
-                      <a:pt x="300" y="559"/>
-                      <a:pt x="296" y="572"/>
-                    </a:cubicBezTo>
-                    <a:cubicBezTo>
-                      <a:pt x="292" y="586"/>
-                      <a:pt x="304" y="599"/>
-                      <a:pt x="314" y="610"/>
-                    </a:cubicBezTo>
-                    <a:cubicBezTo>
-                      <a:pt x="316" y="613"/>
-                      <a:pt x="318" y="615"/>
-                      <a:pt x="320" y="617"/>
-                    </a:cubicBezTo>
-                    <a:cubicBezTo>
-                      <a:pt x="335" y="634"/>
-                      <a:pt x="335" y="651"/>
-                      <a:pt x="335" y="652"/>
-                    </a:cubicBezTo>
-                    <a:cubicBezTo>
-                      <a:pt x="335" y="690"/>
-                      <a:pt x="304" y="720"/>
-                      <a:pt x="266" y="720"/>
-                    </a:cubicBezTo>
-                    <a:cubicBezTo>
-                      <a:pt x="229" y="720"/>
-                      <a:pt x="198" y="690"/>
-                      <a:pt x="198" y="652"/>
-                    </a:cubicBezTo>
-                    <a:cubicBezTo>
-                      <a:pt x="198" y="652"/>
-                      <a:pt x="198" y="652"/>
-                      <a:pt x="198" y="652"/>
-                    </a:cubicBezTo>
-                    <a:cubicBezTo>
-                      <a:pt x="198" y="651"/>
-                      <a:pt x="197" y="634"/>
-                      <a:pt x="212" y="617"/>
-                    </a:cubicBezTo>
-                    <a:cubicBezTo>
-                      <a:pt x="214" y="615"/>
-                      <a:pt x="216" y="613"/>
-                      <a:pt x="219" y="610"/>
-                    </a:cubicBezTo>
-                    <a:cubicBezTo>
-                      <a:pt x="229" y="599"/>
-                      <a:pt x="241" y="586"/>
-                      <a:pt x="237" y="572"/>
-                    </a:cubicBezTo>
-                    <a:cubicBezTo>
-                      <a:pt x="233" y="559"/>
-                      <a:pt x="217" y="550"/>
-                      <a:pt x="187" y="543"/>
-                    </a:cubicBezTo>
-                    <a:cubicBezTo>
-                      <a:pt x="184" y="543"/>
-                      <a:pt x="180" y="542"/>
-                      <a:pt x="177" y="542"/>
-                    </a:cubicBezTo>
-                    <a:cubicBezTo>
-                      <a:pt x="0" y="542"/>
-                      <a:pt x="0" y="542"/>
-                      <a:pt x="0" y="542"/>
-                    </a:cubicBezTo>
-                    <a:cubicBezTo>
-                      <a:pt x="0" y="365"/>
-                      <a:pt x="0" y="365"/>
-                      <a:pt x="0" y="365"/>
-                    </a:cubicBezTo>
-                    <a:cubicBezTo>
-                      <a:pt x="0" y="363"/>
-                      <a:pt x="0" y="360"/>
-                      <a:pt x="1" y="358"/>
-                    </a:cubicBezTo>
-                    <a:cubicBezTo>
-                      <a:pt x="8" y="324"/>
-                      <a:pt x="17" y="321"/>
-                      <a:pt x="19" y="321"/>
-                    </a:cubicBezTo>
-                    <a:cubicBezTo>
-                      <a:pt x="24" y="321"/>
-                      <a:pt x="33" y="329"/>
-                      <a:pt x="40" y="335"/>
-                    </a:cubicBezTo>
-                    <a:cubicBezTo>
-                      <a:pt x="42" y="338"/>
-                      <a:pt x="45" y="340"/>
-                      <a:pt x="47" y="342"/>
-                    </a:cubicBezTo>
-                    <a:cubicBezTo>
-                      <a:pt x="67" y="359"/>
-                      <a:pt x="87" y="360"/>
-                      <a:pt x="92" y="360"/>
-                    </a:cubicBezTo>
-                    <a:cubicBezTo>
-                      <a:pt x="93" y="360"/>
-                      <a:pt x="93" y="360"/>
-                      <a:pt x="93" y="360"/>
-                    </a:cubicBezTo>
-                    <a:cubicBezTo>
-                      <a:pt x="140" y="360"/>
-                      <a:pt x="178" y="322"/>
-                      <a:pt x="178" y="275"/>
-                    </a:cubicBezTo>
-                    <a:cubicBezTo>
-                      <a:pt x="178" y="229"/>
-                      <a:pt x="140" y="190"/>
-                      <a:pt x="93" y="190"/>
-                    </a:cubicBezTo>
-                    <a:cubicBezTo>
-                      <a:pt x="92" y="190"/>
-                      <a:pt x="92" y="190"/>
-                      <a:pt x="92" y="190"/>
-                    </a:cubicBezTo>
-                    <a:cubicBezTo>
-                      <a:pt x="87" y="190"/>
-                      <a:pt x="67" y="192"/>
-                      <a:pt x="47" y="209"/>
-                    </a:cubicBezTo>
-                    <a:cubicBezTo>
-                      <a:pt x="45" y="211"/>
-                      <a:pt x="42" y="213"/>
-                      <a:pt x="40" y="215"/>
-                    </a:cubicBezTo>
-                    <a:cubicBezTo>
-                      <a:pt x="33" y="222"/>
-                      <a:pt x="24" y="230"/>
-                      <a:pt x="19" y="230"/>
-                    </a:cubicBezTo>
-                    <a:cubicBezTo>
-                      <a:pt x="17" y="230"/>
-                      <a:pt x="8" y="227"/>
-                      <a:pt x="1" y="193"/>
-                    </a:cubicBezTo>
-                    <a:cubicBezTo>
-                      <a:pt x="0" y="190"/>
-                      <a:pt x="0" y="188"/>
-                      <a:pt x="0" y="186"/>
-                    </a:cubicBezTo>
-                    <a:cubicBezTo>
-                      <a:pt x="0" y="0"/>
-                      <a:pt x="0" y="0"/>
-                      <a:pt x="0" y="0"/>
-                    </a:cubicBezTo>
-                    <a:cubicBezTo>
-                      <a:pt x="177" y="0"/>
-                      <a:pt x="177" y="0"/>
-                      <a:pt x="177" y="0"/>
-                    </a:cubicBezTo>
-                    <a:cubicBezTo>
-                      <a:pt x="180" y="0"/>
-                      <a:pt x="183" y="1"/>
-                      <a:pt x="186" y="1"/>
-                    </a:cubicBezTo>
-                    <a:cubicBezTo>
-                      <a:pt x="257" y="18"/>
-                      <a:pt x="223" y="42"/>
-                      <a:pt x="206" y="61"/>
-                    </a:cubicBezTo>
-                    <a:cubicBezTo>
-                      <a:pt x="189" y="82"/>
-                      <a:pt x="190" y="102"/>
-                      <a:pt x="190" y="102"/>
-                    </a:cubicBezTo>
-                    <a:cubicBezTo>
-                      <a:pt x="190" y="144"/>
-                      <a:pt x="224" y="179"/>
-                      <a:pt x="266" y="179"/>
-                    </a:cubicBezTo>
-                    <a:cubicBezTo>
-                      <a:pt x="309" y="179"/>
-                      <a:pt x="343" y="144"/>
-                      <a:pt x="343" y="102"/>
-                    </a:cubicBezTo>
-                    <a:cubicBezTo>
-                      <a:pt x="343" y="102"/>
-                      <a:pt x="344" y="82"/>
-                      <a:pt x="327" y="61"/>
-                    </a:cubicBezTo>
-                    <a:cubicBezTo>
-                      <a:pt x="310" y="42"/>
-                      <a:pt x="276" y="18"/>
-                      <a:pt x="347" y="1"/>
-                    </a:cubicBezTo>
-                    <a:cubicBezTo>
-                      <a:pt x="350" y="1"/>
-                      <a:pt x="353" y="0"/>
-                      <a:pt x="356" y="0"/>
-                    </a:cubicBezTo>
-                    <a:cubicBezTo>
-                      <a:pt x="542" y="0"/>
-                      <a:pt x="542" y="0"/>
-                      <a:pt x="542" y="0"/>
-                    </a:cubicBezTo>
-                    <a:cubicBezTo>
-                      <a:pt x="542" y="186"/>
-                      <a:pt x="542" y="186"/>
-                      <a:pt x="542" y="186"/>
-                    </a:cubicBezTo>
-                    <a:cubicBezTo>
-                      <a:pt x="542" y="189"/>
-                      <a:pt x="542" y="192"/>
-                      <a:pt x="543" y="194"/>
-                    </a:cubicBezTo>
-                    <a:cubicBezTo>
-                      <a:pt x="550" y="228"/>
-                      <a:pt x="559" y="238"/>
-                      <a:pt x="569" y="238"/>
-                    </a:cubicBezTo>
-                    <a:cubicBezTo>
-                      <a:pt x="580" y="238"/>
-                      <a:pt x="592" y="224"/>
-                      <a:pt x="603" y="215"/>
-                    </a:cubicBezTo>
-                    <a:cubicBezTo>
-                      <a:pt x="620" y="200"/>
-                      <a:pt x="638" y="199"/>
-                      <a:pt x="642" y="199"/>
-                    </a:cubicBezTo>
-                    <a:cubicBezTo>
-                      <a:pt x="643" y="199"/>
-                      <a:pt x="643" y="199"/>
-                      <a:pt x="643" y="199"/>
-                    </a:cubicBezTo>
-                    <a:cubicBezTo>
-                      <a:pt x="686" y="199"/>
-                      <a:pt x="720" y="233"/>
-                      <a:pt x="720" y="275"/>
-                    </a:cubicBezTo>
-                    <a:close/>
-                  </a:path>
-                </a:pathLst>
-              </a:custGeom>
-              <a:solidFill>
-                <a:schemeClr val="accent1"/>
-              </a:solidFill>
-              <a:ln>
-                <a:noFill/>
-              </a:ln>
-            </p:spPr>
-            <p:txBody>
-              <a:bodyPr vert="horz" wrap="square" lIns="91412" tIns="45706" rIns="91412" bIns="45706" numCol="1" anchor="t" anchorCtr="0" compatLnSpc="1"/>
-              <a:lstStyle/>
-              <a:p>
-                <a:pPr>
-                  <a:lnSpc>
-                    <a:spcPct val="140000"/>
-                  </a:lnSpc>
-                </a:pPr>
-                <a:endParaRPr lang="ko-KR" altLang="en-US" sz="2400" dirty="0">
-                  <a:solidFill>
-                    <a:schemeClr val="tx1">
-                      <a:lumMod val="75000"/>
-                      <a:lumOff val="25000"/>
-                    </a:schemeClr>
-                  </a:solidFill>
-                  <a:cs typeface="+mn-ea"/>
-                  <a:sym typeface="+mn-lt"/>
-                </a:endParaRPr>
-              </a:p>
-            </p:txBody>
-          </p:sp>
-          <p:grpSp>
-            <p:nvGrpSpPr>
-              <p:cNvPr id="18" name="Group 506"/>
-              <p:cNvGrpSpPr/>
-              <p:nvPr/>
-            </p:nvGrpSpPr>
-            <p:grpSpPr bwMode="auto">
-              <a:xfrm>
-                <a:off x="8390549" y="2813034"/>
-                <a:ext cx="268294" cy="312622"/>
-                <a:chOff x="0" y="0"/>
-                <a:chExt cx="495" cy="574"/>
-              </a:xfrm>
-              <a:grpFill/>
-            </p:grpSpPr>
-            <p:sp>
-              <p:nvSpPr>
-                <p:cNvPr id="19" name="AutoShape 504"/>
-                <p:cNvSpPr/>
-                <p:nvPr/>
-              </p:nvSpPr>
-              <p:spPr bwMode="auto">
-                <a:xfrm>
-                  <a:off x="0" y="0"/>
-                  <a:ext cx="495" cy="574"/>
-                </a:xfrm>
-                <a:custGeom>
-                  <a:avLst/>
-                  <a:gdLst>
-                    <a:gd name="T0" fmla="*/ 0 w 21600"/>
-                    <a:gd name="T1" fmla="*/ 0 h 21600"/>
-                    <a:gd name="T2" fmla="*/ 0 w 21600"/>
-                    <a:gd name="T3" fmla="*/ 0 h 21600"/>
-                    <a:gd name="T4" fmla="*/ 0 w 21600"/>
-                    <a:gd name="T5" fmla="*/ 0 h 21600"/>
-                    <a:gd name="T6" fmla="*/ 0 w 21600"/>
-                    <a:gd name="T7" fmla="*/ 0 h 21600"/>
-                    <a:gd name="T8" fmla="*/ 0 w 21600"/>
-                    <a:gd name="T9" fmla="*/ 0 h 21600"/>
-                    <a:gd name="T10" fmla="*/ 0 w 21600"/>
-                    <a:gd name="T11" fmla="*/ 0 h 21600"/>
-                    <a:gd name="T12" fmla="*/ 0 w 21600"/>
-                    <a:gd name="T13" fmla="*/ 0 h 21600"/>
-                    <a:gd name="T14" fmla="*/ 0 w 21600"/>
-                    <a:gd name="T15" fmla="*/ 0 h 21600"/>
-                    <a:gd name="T16" fmla="*/ 0 w 21600"/>
-                    <a:gd name="T17" fmla="*/ 0 h 21600"/>
-                    <a:gd name="T18" fmla="*/ 0 w 21600"/>
-                    <a:gd name="T19" fmla="*/ 0 h 21600"/>
-                    <a:gd name="T20" fmla="*/ 0 w 21600"/>
-                    <a:gd name="T21" fmla="*/ 0 h 21600"/>
-                    <a:gd name="T22" fmla="*/ 0 w 21600"/>
-                    <a:gd name="T23" fmla="*/ 0 h 21600"/>
-                    <a:gd name="T24" fmla="*/ 0 w 21600"/>
-                    <a:gd name="T25" fmla="*/ 0 h 21600"/>
-                    <a:gd name="T26" fmla="*/ 0 w 21600"/>
-                    <a:gd name="T27" fmla="*/ 0 h 21600"/>
-                    <a:gd name="T28" fmla="*/ 0 w 21600"/>
-                    <a:gd name="T29" fmla="*/ 0 h 21600"/>
-                    <a:gd name="T30" fmla="*/ 0 w 21600"/>
-                    <a:gd name="T31" fmla="*/ 0 h 21600"/>
-                    <a:gd name="T32" fmla="*/ 0 w 21600"/>
-                    <a:gd name="T33" fmla="*/ 0 h 21600"/>
-                    <a:gd name="T34" fmla="*/ 0 w 21600"/>
-                    <a:gd name="T35" fmla="*/ 0 h 21600"/>
-                    <a:gd name="T36" fmla="*/ 0 w 21600"/>
-                    <a:gd name="T37" fmla="*/ 0 h 21600"/>
-                    <a:gd name="T38" fmla="*/ 0 w 21600"/>
-                    <a:gd name="T39" fmla="*/ 0 h 21600"/>
-                    <a:gd name="T40" fmla="*/ 0 w 21600"/>
-                    <a:gd name="T41" fmla="*/ 0 h 21600"/>
-                    <a:gd name="T42" fmla="*/ 0 w 21600"/>
-                    <a:gd name="T43" fmla="*/ 0 h 21600"/>
-                    <a:gd name="T44" fmla="*/ 0 w 21600"/>
-                    <a:gd name="T45" fmla="*/ 0 h 21600"/>
-                    <a:gd name="T46" fmla="*/ 0 w 21600"/>
-                    <a:gd name="T47" fmla="*/ 0 h 21600"/>
-                    <a:gd name="T48" fmla="*/ 0 w 21600"/>
-                    <a:gd name="T49" fmla="*/ 0 h 21600"/>
-                    <a:gd name="T50" fmla="*/ 0 w 21600"/>
-                    <a:gd name="T51" fmla="*/ 0 h 21600"/>
-                    <a:gd name="T52" fmla="*/ 0 w 21600"/>
-                    <a:gd name="T53" fmla="*/ 0 h 21600"/>
-                    <a:gd name="T54" fmla="*/ 0 w 21600"/>
-                    <a:gd name="T55" fmla="*/ 0 h 21600"/>
-                    <a:gd name="T56" fmla="*/ 0 w 21600"/>
-                    <a:gd name="T57" fmla="*/ 0 h 21600"/>
-                    <a:gd name="T58" fmla="*/ 0 w 21600"/>
-                    <a:gd name="T59" fmla="*/ 0 h 21600"/>
-                    <a:gd name="T60" fmla="*/ 0 w 21600"/>
-                    <a:gd name="T61" fmla="*/ 0 h 21600"/>
-                    <a:gd name="T62" fmla="*/ 0 w 21600"/>
-                    <a:gd name="T63" fmla="*/ 0 h 21600"/>
-                    <a:gd name="T64" fmla="*/ 0 w 21600"/>
-                    <a:gd name="T65" fmla="*/ 0 h 21600"/>
-                    <a:gd name="T66" fmla="*/ 0 w 21600"/>
-                    <a:gd name="T67" fmla="*/ 0 h 21600"/>
-                    <a:gd name="T68" fmla="*/ 0 w 21600"/>
-                    <a:gd name="T69" fmla="*/ 0 h 21600"/>
-                    <a:gd name="T70" fmla="*/ 0 w 21600"/>
-                    <a:gd name="T71" fmla="*/ 0 h 21600"/>
-                    <a:gd name="T72" fmla="*/ 0 w 21600"/>
-                    <a:gd name="T73" fmla="*/ 0 h 21600"/>
-                    <a:gd name="T74" fmla="*/ 0 w 21600"/>
-                    <a:gd name="T75" fmla="*/ 0 h 21600"/>
-                    <a:gd name="T76" fmla="*/ 0 w 21600"/>
-                    <a:gd name="T77" fmla="*/ 0 h 21600"/>
-                    <a:gd name="T78" fmla="*/ 0 w 21600"/>
-                    <a:gd name="T79" fmla="*/ 0 h 21600"/>
-                    <a:gd name="T80" fmla="*/ 0 w 21600"/>
-                    <a:gd name="T81" fmla="*/ 0 h 21600"/>
-                    <a:gd name="T82" fmla="*/ 0 w 21600"/>
-                    <a:gd name="T83" fmla="*/ 0 h 21600"/>
-                    <a:gd name="T84" fmla="*/ 0 w 21600"/>
-                    <a:gd name="T85" fmla="*/ 0 h 21600"/>
-                    <a:gd name="T86" fmla="*/ 0 w 21600"/>
-                    <a:gd name="T87" fmla="*/ 0 h 21600"/>
-                    <a:gd name="T88" fmla="*/ 0 w 21600"/>
-                    <a:gd name="T89" fmla="*/ 0 h 21600"/>
-                    <a:gd name="T90" fmla="*/ 0 w 21600"/>
-                    <a:gd name="T91" fmla="*/ 0 h 21600"/>
-                    <a:gd name="T92" fmla="*/ 0 w 21600"/>
-                    <a:gd name="T93" fmla="*/ 0 h 21600"/>
-                    <a:gd name="T94" fmla="*/ 0 60000 65536"/>
-                    <a:gd name="T95" fmla="*/ 0 60000 65536"/>
-                    <a:gd name="T96" fmla="*/ 0 60000 65536"/>
-                    <a:gd name="T97" fmla="*/ 0 60000 65536"/>
-                    <a:gd name="T98" fmla="*/ 0 60000 65536"/>
-                    <a:gd name="T99" fmla="*/ 0 60000 65536"/>
-                    <a:gd name="T100" fmla="*/ 0 60000 65536"/>
-                    <a:gd name="T101" fmla="*/ 0 60000 65536"/>
-                    <a:gd name="T102" fmla="*/ 0 60000 65536"/>
-                    <a:gd name="T103" fmla="*/ 0 60000 65536"/>
-                    <a:gd name="T104" fmla="*/ 0 60000 65536"/>
-                    <a:gd name="T105" fmla="*/ 0 60000 65536"/>
-                    <a:gd name="T106" fmla="*/ 0 60000 65536"/>
-                    <a:gd name="T107" fmla="*/ 0 60000 65536"/>
-                    <a:gd name="T108" fmla="*/ 0 60000 65536"/>
-                    <a:gd name="T109" fmla="*/ 0 60000 65536"/>
-                    <a:gd name="T110" fmla="*/ 0 60000 65536"/>
-                    <a:gd name="T111" fmla="*/ 0 60000 65536"/>
-                    <a:gd name="T112" fmla="*/ 0 60000 65536"/>
-                    <a:gd name="T113" fmla="*/ 0 60000 65536"/>
-                    <a:gd name="T114" fmla="*/ 0 60000 65536"/>
-                    <a:gd name="T115" fmla="*/ 0 60000 65536"/>
-                    <a:gd name="T116" fmla="*/ 0 60000 65536"/>
-                    <a:gd name="T117" fmla="*/ 0 60000 65536"/>
-                    <a:gd name="T118" fmla="*/ 0 60000 65536"/>
-                    <a:gd name="T119" fmla="*/ 0 60000 65536"/>
-                    <a:gd name="T120" fmla="*/ 0 60000 65536"/>
-                    <a:gd name="T121" fmla="*/ 0 60000 65536"/>
-                    <a:gd name="T122" fmla="*/ 0 60000 65536"/>
-                    <a:gd name="T123" fmla="*/ 0 60000 65536"/>
-                    <a:gd name="T124" fmla="*/ 0 60000 65536"/>
-                    <a:gd name="T125" fmla="*/ 0 60000 65536"/>
-                    <a:gd name="T126" fmla="*/ 0 60000 65536"/>
-                    <a:gd name="T127" fmla="*/ 0 60000 65536"/>
-                    <a:gd name="T128" fmla="*/ 0 60000 65536"/>
-                    <a:gd name="T129" fmla="*/ 0 60000 65536"/>
-                    <a:gd name="T130" fmla="*/ 0 60000 65536"/>
-                    <a:gd name="T131" fmla="*/ 0 60000 65536"/>
-                    <a:gd name="T132" fmla="*/ 0 60000 65536"/>
-                    <a:gd name="T133" fmla="*/ 0 60000 65536"/>
-                    <a:gd name="T134" fmla="*/ 0 60000 65536"/>
-                    <a:gd name="T135" fmla="*/ 0 60000 65536"/>
-                    <a:gd name="T136" fmla="*/ 0 60000 65536"/>
-                    <a:gd name="T137" fmla="*/ 0 60000 65536"/>
-                    <a:gd name="T138" fmla="*/ 0 60000 65536"/>
-                    <a:gd name="T139" fmla="*/ 0 60000 65536"/>
-                    <a:gd name="T140" fmla="*/ 0 60000 65536"/>
-                  </a:gdLst>
-                  <a:ahLst/>
-                  <a:cxnLst>
-                    <a:cxn ang="T94">
-                      <a:pos x="T0" y="T1"/>
-                    </a:cxn>
-                    <a:cxn ang="T95">
-                      <a:pos x="T2" y="T3"/>
-                    </a:cxn>
-                    <a:cxn ang="T96">
-                      <a:pos x="T4" y="T5"/>
-                    </a:cxn>
-                    <a:cxn ang="T97">
-                      <a:pos x="T6" y="T7"/>
-                    </a:cxn>
-                    <a:cxn ang="T98">
-                      <a:pos x="T8" y="T9"/>
-                    </a:cxn>
-                    <a:cxn ang="T99">
-                      <a:pos x="T10" y="T11"/>
-                    </a:cxn>
-                    <a:cxn ang="T100">
-                      <a:pos x="T12" y="T13"/>
-                    </a:cxn>
-                    <a:cxn ang="T101">
-                      <a:pos x="T14" y="T15"/>
-                    </a:cxn>
-                    <a:cxn ang="T102">
-                      <a:pos x="T16" y="T17"/>
-                    </a:cxn>
-                    <a:cxn ang="T103">
-                      <a:pos x="T18" y="T19"/>
-                    </a:cxn>
-                    <a:cxn ang="T104">
-                      <a:pos x="T20" y="T21"/>
-                    </a:cxn>
-                    <a:cxn ang="T105">
-                      <a:pos x="T22" y="T23"/>
-                    </a:cxn>
-                    <a:cxn ang="T106">
-                      <a:pos x="T24" y="T25"/>
-                    </a:cxn>
-                    <a:cxn ang="T107">
-                      <a:pos x="T26" y="T27"/>
-                    </a:cxn>
-                    <a:cxn ang="T108">
-                      <a:pos x="T28" y="T29"/>
-                    </a:cxn>
-                    <a:cxn ang="T109">
-                      <a:pos x="T30" y="T31"/>
-                    </a:cxn>
-                    <a:cxn ang="T110">
-                      <a:pos x="T32" y="T33"/>
-                    </a:cxn>
-                    <a:cxn ang="T111">
-                      <a:pos x="T34" y="T35"/>
-                    </a:cxn>
-                    <a:cxn ang="T112">
-                      <a:pos x="T36" y="T37"/>
-                    </a:cxn>
-                    <a:cxn ang="T113">
-                      <a:pos x="T38" y="T39"/>
-                    </a:cxn>
-                    <a:cxn ang="T114">
-                      <a:pos x="T40" y="T41"/>
-                    </a:cxn>
-                    <a:cxn ang="T115">
-                      <a:pos x="T42" y="T43"/>
-                    </a:cxn>
-                    <a:cxn ang="T116">
-                      <a:pos x="T44" y="T45"/>
-                    </a:cxn>
-                    <a:cxn ang="T117">
-                      <a:pos x="T46" y="T47"/>
-                    </a:cxn>
-                    <a:cxn ang="T118">
-                      <a:pos x="T48" y="T49"/>
-                    </a:cxn>
-                    <a:cxn ang="T119">
-                      <a:pos x="T50" y="T51"/>
-                    </a:cxn>
-                    <a:cxn ang="T120">
-                      <a:pos x="T52" y="T53"/>
-                    </a:cxn>
-                    <a:cxn ang="T121">
-                      <a:pos x="T54" y="T55"/>
-                    </a:cxn>
-                    <a:cxn ang="T122">
-                      <a:pos x="T56" y="T57"/>
-                    </a:cxn>
-                    <a:cxn ang="T123">
-                      <a:pos x="T58" y="T59"/>
-                    </a:cxn>
-                    <a:cxn ang="T124">
-                      <a:pos x="T60" y="T61"/>
-                    </a:cxn>
-                    <a:cxn ang="T125">
-                      <a:pos x="T62" y="T63"/>
-                    </a:cxn>
-                    <a:cxn ang="T126">
-                      <a:pos x="T64" y="T65"/>
-                    </a:cxn>
-                    <a:cxn ang="T127">
-                      <a:pos x="T66" y="T67"/>
-                    </a:cxn>
-                    <a:cxn ang="T128">
-                      <a:pos x="T68" y="T69"/>
-                    </a:cxn>
-                    <a:cxn ang="T129">
-                      <a:pos x="T70" y="T71"/>
-                    </a:cxn>
-                    <a:cxn ang="T130">
-                      <a:pos x="T72" y="T73"/>
-                    </a:cxn>
-                    <a:cxn ang="T131">
-                      <a:pos x="T74" y="T75"/>
-                    </a:cxn>
-                    <a:cxn ang="T132">
-                      <a:pos x="T76" y="T77"/>
-                    </a:cxn>
-                    <a:cxn ang="T133">
-                      <a:pos x="T78" y="T79"/>
-                    </a:cxn>
-                    <a:cxn ang="T134">
-                      <a:pos x="T80" y="T81"/>
-                    </a:cxn>
-                    <a:cxn ang="T135">
-                      <a:pos x="T82" y="T83"/>
-                    </a:cxn>
-                    <a:cxn ang="T136">
-                      <a:pos x="T84" y="T85"/>
-                    </a:cxn>
-                    <a:cxn ang="T137">
-                      <a:pos x="T86" y="T87"/>
-                    </a:cxn>
-                    <a:cxn ang="T138">
-                      <a:pos x="T88" y="T89"/>
-                    </a:cxn>
-                    <a:cxn ang="T139">
-                      <a:pos x="T90" y="T91"/>
-                    </a:cxn>
-                    <a:cxn ang="T140">
-                      <a:pos x="T92" y="T93"/>
-                    </a:cxn>
-                  </a:cxnLst>
-                  <a:rect l="0" t="0" r="r" b="b"/>
-                  <a:pathLst>
-                    <a:path w="21600" h="21600">
-                      <a:moveTo>
-                        <a:pt x="19055" y="2989"/>
-                      </a:moveTo>
-                      <a:lnTo>
-                        <a:pt x="19055" y="1827"/>
-                      </a:lnTo>
-                      <a:cubicBezTo>
-                        <a:pt x="19055" y="683"/>
-                        <a:pt x="18218" y="0"/>
-                        <a:pt x="16814" y="0"/>
-                      </a:cubicBezTo>
-                      <a:cubicBezTo>
-                        <a:pt x="15411" y="0"/>
-                        <a:pt x="14573" y="683"/>
-                        <a:pt x="14573" y="1827"/>
-                      </a:cubicBezTo>
-                      <a:lnTo>
-                        <a:pt x="14573" y="2989"/>
-                      </a:lnTo>
-                      <a:lnTo>
-                        <a:pt x="13055" y="2989"/>
-                      </a:lnTo>
-                      <a:lnTo>
-                        <a:pt x="13055" y="1827"/>
-                      </a:lnTo>
-                      <a:cubicBezTo>
-                        <a:pt x="13055" y="683"/>
-                        <a:pt x="12217" y="0"/>
-                        <a:pt x="10814" y="0"/>
-                      </a:cubicBezTo>
-                      <a:cubicBezTo>
-                        <a:pt x="9411" y="0"/>
-                        <a:pt x="8573" y="683"/>
-                        <a:pt x="8573" y="1827"/>
-                      </a:cubicBezTo>
-                      <a:lnTo>
-                        <a:pt x="8573" y="2989"/>
-                      </a:lnTo>
-                      <a:lnTo>
-                        <a:pt x="7055" y="2989"/>
-                      </a:lnTo>
-                      <a:lnTo>
-                        <a:pt x="7055" y="1827"/>
-                      </a:lnTo>
-                      <a:cubicBezTo>
-                        <a:pt x="7055" y="683"/>
-                        <a:pt x="6217" y="0"/>
-                        <a:pt x="4814" y="0"/>
-                      </a:cubicBezTo>
-                      <a:cubicBezTo>
-                        <a:pt x="3410" y="0"/>
-                        <a:pt x="2573" y="683"/>
-                        <a:pt x="2573" y="1827"/>
-                      </a:cubicBezTo>
-                      <a:lnTo>
-                        <a:pt x="2573" y="2989"/>
-                      </a:lnTo>
-                      <a:lnTo>
-                        <a:pt x="0" y="2989"/>
-                      </a:lnTo>
-                      <a:lnTo>
-                        <a:pt x="0" y="21600"/>
-                      </a:lnTo>
-                      <a:lnTo>
-                        <a:pt x="21600" y="21600"/>
-                      </a:lnTo>
-                      <a:lnTo>
-                        <a:pt x="21600" y="2989"/>
-                      </a:lnTo>
-                      <a:lnTo>
-                        <a:pt x="19055" y="2989"/>
-                      </a:lnTo>
-                      <a:close/>
-                      <a:moveTo>
-                        <a:pt x="15773" y="1827"/>
-                      </a:moveTo>
-                      <a:cubicBezTo>
-                        <a:pt x="15773" y="1263"/>
-                        <a:pt x="16074" y="1034"/>
-                        <a:pt x="16814" y="1034"/>
-                      </a:cubicBezTo>
-                      <a:cubicBezTo>
-                        <a:pt x="17555" y="1034"/>
-                        <a:pt x="17855" y="1263"/>
-                        <a:pt x="17855" y="1827"/>
-                      </a:cubicBezTo>
-                      <a:lnTo>
-                        <a:pt x="17855" y="4935"/>
-                      </a:lnTo>
-                      <a:cubicBezTo>
-                        <a:pt x="17855" y="5499"/>
-                        <a:pt x="17555" y="5728"/>
-                        <a:pt x="16814" y="5728"/>
-                      </a:cubicBezTo>
-                      <a:cubicBezTo>
-                        <a:pt x="16074" y="5728"/>
-                        <a:pt x="15773" y="5499"/>
-                        <a:pt x="15773" y="4935"/>
-                      </a:cubicBezTo>
-                      <a:lnTo>
-                        <a:pt x="15773" y="1827"/>
-                      </a:lnTo>
-                      <a:close/>
-                      <a:moveTo>
-                        <a:pt x="9774" y="1827"/>
-                      </a:moveTo>
-                      <a:cubicBezTo>
-                        <a:pt x="9774" y="1263"/>
-                        <a:pt x="10074" y="1034"/>
-                        <a:pt x="10814" y="1034"/>
-                      </a:cubicBezTo>
-                      <a:cubicBezTo>
-                        <a:pt x="11555" y="1034"/>
-                        <a:pt x="11855" y="1263"/>
-                        <a:pt x="11855" y="1827"/>
-                      </a:cubicBezTo>
-                      <a:lnTo>
-                        <a:pt x="11855" y="4935"/>
-                      </a:lnTo>
-                      <a:cubicBezTo>
-                        <a:pt x="11855" y="5499"/>
-                        <a:pt x="11555" y="5728"/>
-                        <a:pt x="10814" y="5728"/>
-                      </a:cubicBezTo>
-                      <a:cubicBezTo>
-                        <a:pt x="10074" y="5728"/>
-                        <a:pt x="9774" y="5499"/>
-                        <a:pt x="9774" y="4935"/>
-                      </a:cubicBezTo>
-                      <a:lnTo>
-                        <a:pt x="9774" y="1827"/>
-                      </a:lnTo>
-                      <a:close/>
-                      <a:moveTo>
-                        <a:pt x="3774" y="1827"/>
-                      </a:moveTo>
-                      <a:cubicBezTo>
-                        <a:pt x="3774" y="1263"/>
-                        <a:pt x="4074" y="1034"/>
-                        <a:pt x="4814" y="1034"/>
-                      </a:cubicBezTo>
-                      <a:cubicBezTo>
-                        <a:pt x="5555" y="1034"/>
-                        <a:pt x="5855" y="1263"/>
-                        <a:pt x="5855" y="1827"/>
-                      </a:cubicBezTo>
-                      <a:lnTo>
-                        <a:pt x="5855" y="4935"/>
-                      </a:lnTo>
-                      <a:cubicBezTo>
-                        <a:pt x="5855" y="5499"/>
-                        <a:pt x="5555" y="5728"/>
-                        <a:pt x="4814" y="5728"/>
-                      </a:cubicBezTo>
-                      <a:cubicBezTo>
-                        <a:pt x="4074" y="5728"/>
-                        <a:pt x="3774" y="5499"/>
-                        <a:pt x="3774" y="4935"/>
-                      </a:cubicBezTo>
-                      <a:lnTo>
-                        <a:pt x="3774" y="1827"/>
-                      </a:lnTo>
-                      <a:close/>
-                      <a:moveTo>
-                        <a:pt x="19801" y="20049"/>
-                      </a:moveTo>
-                      <a:lnTo>
-                        <a:pt x="1801" y="20049"/>
-                      </a:lnTo>
-                      <a:lnTo>
-                        <a:pt x="1801" y="7125"/>
-                      </a:lnTo>
-                      <a:lnTo>
-                        <a:pt x="19801" y="7125"/>
-                      </a:lnTo>
-                      <a:lnTo>
-                        <a:pt x="19801" y="20049"/>
-                      </a:lnTo>
-                      <a:close/>
-                      <a:moveTo>
-                        <a:pt x="19801" y="20049"/>
-                      </a:moveTo>
-                    </a:path>
-                  </a:pathLst>
-                </a:custGeom>
-                <a:solidFill>
-                  <a:schemeClr val="bg1"/>
-                </a:solidFill>
-                <a:ln>
-                  <a:noFill/>
-                </a:ln>
-              </p:spPr>
-              <p:txBody>
-                <a:bodyPr lIns="0" tIns="0" rIns="0" bIns="0"/>
-                <a:lstStyle/>
-                <a:p>
-                  <a:pPr>
-                    <a:lnSpc>
-                      <a:spcPct val="140000"/>
-                    </a:lnSpc>
-                  </a:pPr>
-                  <a:endParaRPr lang="en-US" sz="2400" dirty="0">
-                    <a:solidFill>
-                      <a:schemeClr val="tx1">
-                        <a:lumMod val="75000"/>
-                        <a:lumOff val="25000"/>
-                      </a:schemeClr>
-                    </a:solidFill>
-                    <a:cs typeface="+mn-ea"/>
-                    <a:sym typeface="+mn-lt"/>
-                  </a:endParaRPr>
-                </a:p>
-              </p:txBody>
-            </p:sp>
-            <p:sp>
-              <p:nvSpPr>
-                <p:cNvPr id="20" name="AutoShape 505"/>
-                <p:cNvSpPr/>
-                <p:nvPr/>
-              </p:nvSpPr>
-              <p:spPr bwMode="auto">
-                <a:xfrm>
-                  <a:off x="96" y="248"/>
-                  <a:ext cx="308" cy="226"/>
-                </a:xfrm>
-                <a:custGeom>
-                  <a:avLst/>
-                  <a:gdLst>
-                    <a:gd name="T0" fmla="*/ 0 w 21432"/>
-                    <a:gd name="T1" fmla="*/ 0 h 21485"/>
-                    <a:gd name="T2" fmla="*/ 0 w 21432"/>
-                    <a:gd name="T3" fmla="*/ 0 h 21485"/>
-                    <a:gd name="T4" fmla="*/ 0 w 21432"/>
-                    <a:gd name="T5" fmla="*/ 0 h 21485"/>
-                    <a:gd name="T6" fmla="*/ 0 w 21432"/>
-                    <a:gd name="T7" fmla="*/ 0 h 21485"/>
-                    <a:gd name="T8" fmla="*/ 0 w 21432"/>
-                    <a:gd name="T9" fmla="*/ 0 h 21485"/>
-                    <a:gd name="T10" fmla="*/ 0 w 21432"/>
-                    <a:gd name="T11" fmla="*/ 0 h 21485"/>
-                    <a:gd name="T12" fmla="*/ 0 w 21432"/>
-                    <a:gd name="T13" fmla="*/ 0 h 21485"/>
-                    <a:gd name="T14" fmla="*/ 0 w 21432"/>
-                    <a:gd name="T15" fmla="*/ 0 h 21485"/>
-                    <a:gd name="T16" fmla="*/ 0 w 21432"/>
-                    <a:gd name="T17" fmla="*/ 0 h 21485"/>
-                    <a:gd name="T18" fmla="*/ 0 w 21432"/>
-                    <a:gd name="T19" fmla="*/ 0 h 21485"/>
-                    <a:gd name="T20" fmla="*/ 0 w 21432"/>
-                    <a:gd name="T21" fmla="*/ 0 h 21485"/>
-                    <a:gd name="T22" fmla="*/ 0 w 21432"/>
-                    <a:gd name="T23" fmla="*/ 0 h 21485"/>
-                    <a:gd name="T24" fmla="*/ 0 w 21432"/>
-                    <a:gd name="T25" fmla="*/ 0 h 21485"/>
-                    <a:gd name="T26" fmla="*/ 0 w 21432"/>
-                    <a:gd name="T27" fmla="*/ 0 h 21485"/>
-                    <a:gd name="T28" fmla="*/ 0 w 21432"/>
-                    <a:gd name="T29" fmla="*/ 0 h 21485"/>
-                    <a:gd name="T30" fmla="*/ 0 w 21432"/>
-                    <a:gd name="T31" fmla="*/ 0 h 21485"/>
-                    <a:gd name="T32" fmla="*/ 0 60000 65536"/>
-                    <a:gd name="T33" fmla="*/ 0 60000 65536"/>
-                    <a:gd name="T34" fmla="*/ 0 60000 65536"/>
-                    <a:gd name="T35" fmla="*/ 0 60000 65536"/>
-                    <a:gd name="T36" fmla="*/ 0 60000 65536"/>
-                    <a:gd name="T37" fmla="*/ 0 60000 65536"/>
-                    <a:gd name="T38" fmla="*/ 0 60000 65536"/>
-                    <a:gd name="T39" fmla="*/ 0 60000 65536"/>
-                    <a:gd name="T40" fmla="*/ 0 60000 65536"/>
-                    <a:gd name="T41" fmla="*/ 0 60000 65536"/>
-                    <a:gd name="T42" fmla="*/ 0 60000 65536"/>
-                    <a:gd name="T43" fmla="*/ 0 60000 65536"/>
-                    <a:gd name="T44" fmla="*/ 0 60000 65536"/>
-                    <a:gd name="T45" fmla="*/ 0 60000 65536"/>
-                    <a:gd name="T46" fmla="*/ 0 60000 65536"/>
-                    <a:gd name="T47" fmla="*/ 0 60000 65536"/>
-                  </a:gdLst>
-                  <a:ahLst/>
-                  <a:cxnLst>
-                    <a:cxn ang="T32">
-                      <a:pos x="T0" y="T1"/>
-                    </a:cxn>
-                    <a:cxn ang="T33">
-                      <a:pos x="T2" y="T3"/>
-                    </a:cxn>
-                    <a:cxn ang="T34">
-                      <a:pos x="T4" y="T5"/>
-                    </a:cxn>
-                    <a:cxn ang="T35">
-                      <a:pos x="T6" y="T7"/>
-                    </a:cxn>
-                    <a:cxn ang="T36">
-                      <a:pos x="T8" y="T9"/>
-                    </a:cxn>
-                    <a:cxn ang="T37">
-                      <a:pos x="T10" y="T11"/>
-                    </a:cxn>
-                    <a:cxn ang="T38">
-                      <a:pos x="T12" y="T13"/>
-                    </a:cxn>
-                    <a:cxn ang="T39">
-                      <a:pos x="T14" y="T15"/>
-                    </a:cxn>
-                    <a:cxn ang="T40">
-                      <a:pos x="T16" y="T17"/>
-                    </a:cxn>
-                    <a:cxn ang="T41">
-                      <a:pos x="T18" y="T19"/>
-                    </a:cxn>
-                    <a:cxn ang="T42">
-                      <a:pos x="T20" y="T21"/>
-                    </a:cxn>
-                    <a:cxn ang="T43">
-                      <a:pos x="T22" y="T23"/>
-                    </a:cxn>
-                    <a:cxn ang="T44">
-                      <a:pos x="T24" y="T25"/>
-                    </a:cxn>
-                    <a:cxn ang="T45">
-                      <a:pos x="T26" y="T27"/>
-                    </a:cxn>
-                    <a:cxn ang="T46">
-                      <a:pos x="T28" y="T29"/>
-                    </a:cxn>
-                    <a:cxn ang="T47">
-                      <a:pos x="T30" y="T31"/>
-                    </a:cxn>
-                  </a:cxnLst>
-                  <a:rect l="0" t="0" r="r" b="b"/>
-                  <a:pathLst>
-                    <a:path w="21432" h="21485">
-                      <a:moveTo>
-                        <a:pt x="5697" y="20658"/>
-                      </a:moveTo>
-                      <a:cubicBezTo>
-                        <a:pt x="6029" y="21113"/>
-                        <a:pt x="6687" y="21485"/>
-                        <a:pt x="7159" y="21485"/>
-                      </a:cubicBezTo>
-                      <a:lnTo>
-                        <a:pt x="8158" y="21485"/>
-                      </a:lnTo>
-                      <a:cubicBezTo>
-                        <a:pt x="8628" y="21485"/>
-                        <a:pt x="9287" y="21114"/>
-                        <a:pt x="9620" y="20658"/>
-                      </a:cubicBezTo>
-                      <a:lnTo>
-                        <a:pt x="21184" y="4870"/>
-                      </a:lnTo>
-                      <a:cubicBezTo>
-                        <a:pt x="21517" y="4416"/>
-                        <a:pt x="21516" y="3674"/>
-                        <a:pt x="21181" y="3221"/>
-                      </a:cubicBezTo>
-                      <a:lnTo>
-                        <a:pt x="19049" y="338"/>
-                      </a:lnTo>
-                      <a:cubicBezTo>
-                        <a:pt x="18714" y="-115"/>
-                        <a:pt x="18168" y="-113"/>
-                        <a:pt x="17836" y="342"/>
-                      </a:cubicBezTo>
-                      <a:lnTo>
-                        <a:pt x="8299" y="13362"/>
-                      </a:lnTo>
-                      <a:cubicBezTo>
-                        <a:pt x="7966" y="13816"/>
-                        <a:pt x="7421" y="13817"/>
-                        <a:pt x="7087" y="13362"/>
-                      </a:cubicBezTo>
-                      <a:lnTo>
-                        <a:pt x="3607" y="8633"/>
-                      </a:lnTo>
-                      <a:cubicBezTo>
-                        <a:pt x="3273" y="8179"/>
-                        <a:pt x="2728" y="8179"/>
-                        <a:pt x="2394" y="8635"/>
-                      </a:cubicBezTo>
-                      <a:lnTo>
-                        <a:pt x="251" y="11554"/>
-                      </a:lnTo>
-                      <a:cubicBezTo>
-                        <a:pt x="-82" y="12008"/>
-                        <a:pt x="-83" y="12751"/>
-                        <a:pt x="249" y="13206"/>
-                      </a:cubicBezTo>
-                      <a:lnTo>
-                        <a:pt x="5697" y="20658"/>
-                      </a:lnTo>
-                      <a:close/>
-                      <a:moveTo>
-                        <a:pt x="5697" y="20658"/>
-                      </a:moveTo>
-                    </a:path>
-                  </a:pathLst>
-                </a:custGeom>
-                <a:solidFill>
-                  <a:schemeClr val="bg1"/>
-                </a:solidFill>
-                <a:ln>
-                  <a:noFill/>
-                </a:ln>
-              </p:spPr>
-              <p:txBody>
-                <a:bodyPr lIns="0" tIns="0" rIns="0" bIns="0"/>
-                <a:lstStyle/>
-                <a:p>
-                  <a:pPr>
-                    <a:lnSpc>
-                      <a:spcPct val="140000"/>
-                    </a:lnSpc>
-                  </a:pPr>
-                  <a:endParaRPr lang="en-US" sz="2400" dirty="0">
-                    <a:solidFill>
-                      <a:schemeClr val="tx1">
-                        <a:lumMod val="75000"/>
-                        <a:lumOff val="25000"/>
-                      </a:schemeClr>
-                    </a:solidFill>
-                    <a:cs typeface="+mn-ea"/>
-                    <a:sym typeface="+mn-lt"/>
-                  </a:endParaRPr>
-                </a:p>
-              </p:txBody>
-            </p:sp>
-          </p:grpSp>
-          <p:sp>
-            <p:nvSpPr>
-              <p:cNvPr id="22" name="Freeform 6"/>
-              <p:cNvSpPr/>
-              <p:nvPr/>
-            </p:nvSpPr>
-            <p:spPr bwMode="auto">
-              <a:xfrm rot="18900000">
-                <a:off x="8354413" y="3240636"/>
-                <a:ext cx="1517467" cy="1514767"/>
-              </a:xfrm>
-              <a:custGeom>
-                <a:avLst/>
-                <a:gdLst>
-                  <a:gd name="T0" fmla="*/ 720 w 721"/>
-                  <a:gd name="T1" fmla="*/ 356 h 720"/>
-                  <a:gd name="T2" fmla="*/ 721 w 721"/>
-                  <a:gd name="T3" fmla="*/ 542 h 720"/>
-                  <a:gd name="T4" fmla="*/ 535 w 721"/>
-                  <a:gd name="T5" fmla="*/ 542 h 720"/>
-                  <a:gd name="T6" fmla="*/ 526 w 721"/>
-                  <a:gd name="T7" fmla="*/ 543 h 720"/>
-                  <a:gd name="T8" fmla="*/ 506 w 721"/>
-                  <a:gd name="T9" fmla="*/ 603 h 720"/>
-                  <a:gd name="T10" fmla="*/ 522 w 721"/>
-                  <a:gd name="T11" fmla="*/ 643 h 720"/>
-                  <a:gd name="T12" fmla="*/ 445 w 721"/>
-                  <a:gd name="T13" fmla="*/ 720 h 720"/>
-                  <a:gd name="T14" fmla="*/ 369 w 721"/>
-                  <a:gd name="T15" fmla="*/ 643 h 720"/>
-                  <a:gd name="T16" fmla="*/ 385 w 721"/>
-                  <a:gd name="T17" fmla="*/ 603 h 720"/>
-                  <a:gd name="T18" fmla="*/ 365 w 721"/>
-                  <a:gd name="T19" fmla="*/ 543 h 720"/>
-                  <a:gd name="T20" fmla="*/ 356 w 721"/>
-                  <a:gd name="T21" fmla="*/ 542 h 720"/>
-                  <a:gd name="T22" fmla="*/ 179 w 721"/>
-                  <a:gd name="T23" fmla="*/ 542 h 720"/>
-                  <a:gd name="T24" fmla="*/ 179 w 721"/>
-                  <a:gd name="T25" fmla="*/ 356 h 720"/>
-                  <a:gd name="T26" fmla="*/ 177 w 721"/>
-                  <a:gd name="T27" fmla="*/ 346 h 720"/>
-                  <a:gd name="T28" fmla="*/ 143 w 721"/>
-                  <a:gd name="T29" fmla="*/ 296 h 720"/>
-                  <a:gd name="T30" fmla="*/ 110 w 721"/>
-                  <a:gd name="T31" fmla="*/ 314 h 720"/>
-                  <a:gd name="T32" fmla="*/ 104 w 721"/>
-                  <a:gd name="T33" fmla="*/ 321 h 720"/>
-                  <a:gd name="T34" fmla="*/ 69 w 721"/>
-                  <a:gd name="T35" fmla="*/ 335 h 720"/>
-                  <a:gd name="T36" fmla="*/ 68 w 721"/>
-                  <a:gd name="T37" fmla="*/ 335 h 720"/>
-                  <a:gd name="T38" fmla="*/ 0 w 721"/>
-                  <a:gd name="T39" fmla="*/ 267 h 720"/>
-                  <a:gd name="T40" fmla="*/ 68 w 721"/>
-                  <a:gd name="T41" fmla="*/ 198 h 720"/>
-                  <a:gd name="T42" fmla="*/ 69 w 721"/>
-                  <a:gd name="T43" fmla="*/ 198 h 720"/>
-                  <a:gd name="T44" fmla="*/ 82 w 721"/>
-                  <a:gd name="T45" fmla="*/ 200 h 720"/>
-                  <a:gd name="T46" fmla="*/ 104 w 721"/>
-                  <a:gd name="T47" fmla="*/ 213 h 720"/>
-                  <a:gd name="T48" fmla="*/ 110 w 721"/>
-                  <a:gd name="T49" fmla="*/ 219 h 720"/>
-                  <a:gd name="T50" fmla="*/ 143 w 721"/>
-                  <a:gd name="T51" fmla="*/ 238 h 720"/>
-                  <a:gd name="T52" fmla="*/ 177 w 721"/>
-                  <a:gd name="T53" fmla="*/ 188 h 720"/>
-                  <a:gd name="T54" fmla="*/ 179 w 721"/>
-                  <a:gd name="T55" fmla="*/ 177 h 720"/>
-                  <a:gd name="T56" fmla="*/ 179 w 721"/>
-                  <a:gd name="T57" fmla="*/ 0 h 720"/>
-                  <a:gd name="T58" fmla="*/ 179 w 721"/>
-                  <a:gd name="T59" fmla="*/ 0 h 720"/>
-                  <a:gd name="T60" fmla="*/ 179 w 721"/>
-                  <a:gd name="T61" fmla="*/ 0 h 720"/>
-                  <a:gd name="T62" fmla="*/ 356 w 721"/>
-                  <a:gd name="T63" fmla="*/ 0 h 720"/>
-                  <a:gd name="T64" fmla="*/ 363 w 721"/>
-                  <a:gd name="T65" fmla="*/ 1 h 720"/>
-                  <a:gd name="T66" fmla="*/ 400 w 721"/>
-                  <a:gd name="T67" fmla="*/ 18 h 720"/>
-                  <a:gd name="T68" fmla="*/ 386 w 721"/>
-                  <a:gd name="T69" fmla="*/ 40 h 720"/>
-                  <a:gd name="T70" fmla="*/ 379 w 721"/>
-                  <a:gd name="T71" fmla="*/ 47 h 720"/>
-                  <a:gd name="T72" fmla="*/ 360 w 721"/>
-                  <a:gd name="T73" fmla="*/ 93 h 720"/>
-                  <a:gd name="T74" fmla="*/ 445 w 721"/>
-                  <a:gd name="T75" fmla="*/ 178 h 720"/>
-                  <a:gd name="T76" fmla="*/ 530 w 721"/>
-                  <a:gd name="T77" fmla="*/ 93 h 720"/>
-                  <a:gd name="T78" fmla="*/ 512 w 721"/>
-                  <a:gd name="T79" fmla="*/ 47 h 720"/>
-                  <a:gd name="T80" fmla="*/ 505 w 721"/>
-                  <a:gd name="T81" fmla="*/ 40 h 720"/>
-                  <a:gd name="T82" fmla="*/ 491 w 721"/>
-                  <a:gd name="T83" fmla="*/ 18 h 720"/>
-                  <a:gd name="T84" fmla="*/ 528 w 721"/>
-                  <a:gd name="T85" fmla="*/ 1 h 720"/>
-                  <a:gd name="T86" fmla="*/ 535 w 721"/>
-                  <a:gd name="T87" fmla="*/ 0 h 720"/>
-                  <a:gd name="T88" fmla="*/ 721 w 721"/>
-                  <a:gd name="T89" fmla="*/ 0 h 720"/>
-                  <a:gd name="T90" fmla="*/ 720 w 721"/>
-                  <a:gd name="T91" fmla="*/ 177 h 720"/>
-                  <a:gd name="T92" fmla="*/ 719 w 721"/>
-                  <a:gd name="T93" fmla="*/ 186 h 720"/>
-                  <a:gd name="T94" fmla="*/ 693 w 721"/>
-                  <a:gd name="T95" fmla="*/ 229 h 720"/>
-                  <a:gd name="T96" fmla="*/ 659 w 721"/>
-                  <a:gd name="T97" fmla="*/ 206 h 720"/>
-                  <a:gd name="T98" fmla="*/ 620 w 721"/>
-                  <a:gd name="T99" fmla="*/ 190 h 720"/>
-                  <a:gd name="T100" fmla="*/ 619 w 721"/>
-                  <a:gd name="T101" fmla="*/ 190 h 720"/>
-                  <a:gd name="T102" fmla="*/ 542 w 721"/>
-                  <a:gd name="T103" fmla="*/ 267 h 720"/>
-                  <a:gd name="T104" fmla="*/ 619 w 721"/>
-                  <a:gd name="T105" fmla="*/ 343 h 720"/>
-                  <a:gd name="T106" fmla="*/ 620 w 721"/>
-                  <a:gd name="T107" fmla="*/ 343 h 720"/>
-                  <a:gd name="T108" fmla="*/ 659 w 721"/>
-                  <a:gd name="T109" fmla="*/ 327 h 720"/>
-                  <a:gd name="T110" fmla="*/ 693 w 721"/>
-                  <a:gd name="T111" fmla="*/ 304 h 720"/>
-                  <a:gd name="T112" fmla="*/ 719 w 721"/>
-                  <a:gd name="T113" fmla="*/ 348 h 720"/>
-                  <a:gd name="T114" fmla="*/ 720 w 721"/>
-                  <a:gd name="T115" fmla="*/ 356 h 720"/>
-                </a:gdLst>
-                <a:ahLst/>
-                <a:cxnLst>
-                  <a:cxn ang="0">
-                    <a:pos x="T0" y="T1"/>
-                  </a:cxn>
-                  <a:cxn ang="0">
-                    <a:pos x="T2" y="T3"/>
-                  </a:cxn>
-                  <a:cxn ang="0">
-                    <a:pos x="T4" y="T5"/>
-                  </a:cxn>
-                  <a:cxn ang="0">
-                    <a:pos x="T6" y="T7"/>
-                  </a:cxn>
-                  <a:cxn ang="0">
-                    <a:pos x="T8" y="T9"/>
-                  </a:cxn>
-                  <a:cxn ang="0">
-                    <a:pos x="T10" y="T11"/>
-                  </a:cxn>
-                  <a:cxn ang="0">
-                    <a:pos x="T12" y="T13"/>
-                  </a:cxn>
-                  <a:cxn ang="0">
-                    <a:pos x="T14" y="T15"/>
-                  </a:cxn>
-                  <a:cxn ang="0">
-                    <a:pos x="T16" y="T17"/>
-                  </a:cxn>
-                  <a:cxn ang="0">
-                    <a:pos x="T18" y="T19"/>
-                  </a:cxn>
-                  <a:cxn ang="0">
-                    <a:pos x="T20" y="T21"/>
-                  </a:cxn>
-                  <a:cxn ang="0">
-                    <a:pos x="T22" y="T23"/>
-                  </a:cxn>
-                  <a:cxn ang="0">
-                    <a:pos x="T24" y="T25"/>
-                  </a:cxn>
-                  <a:cxn ang="0">
-                    <a:pos x="T26" y="T27"/>
-                  </a:cxn>
-                  <a:cxn ang="0">
-                    <a:pos x="T28" y="T29"/>
-                  </a:cxn>
-                  <a:cxn ang="0">
-                    <a:pos x="T30" y="T31"/>
-                  </a:cxn>
-                  <a:cxn ang="0">
-                    <a:pos x="T32" y="T33"/>
-                  </a:cxn>
-                  <a:cxn ang="0">
-                    <a:pos x="T34" y="T35"/>
-                  </a:cxn>
-                  <a:cxn ang="0">
-                    <a:pos x="T36" y="T37"/>
-                  </a:cxn>
-                  <a:cxn ang="0">
-                    <a:pos x="T38" y="T39"/>
-                  </a:cxn>
-                  <a:cxn ang="0">
-                    <a:pos x="T40" y="T41"/>
-                  </a:cxn>
-                  <a:cxn ang="0">
-                    <a:pos x="T42" y="T43"/>
-                  </a:cxn>
-                  <a:cxn ang="0">
-                    <a:pos x="T44" y="T45"/>
-                  </a:cxn>
-                  <a:cxn ang="0">
-                    <a:pos x="T46" y="T47"/>
-                  </a:cxn>
-                  <a:cxn ang="0">
-                    <a:pos x="T48" y="T49"/>
-                  </a:cxn>
-                  <a:cxn ang="0">
-                    <a:pos x="T50" y="T51"/>
-                  </a:cxn>
-                  <a:cxn ang="0">
-                    <a:pos x="T52" y="T53"/>
-                  </a:cxn>
-                  <a:cxn ang="0">
-                    <a:pos x="T54" y="T55"/>
-                  </a:cxn>
-                  <a:cxn ang="0">
-                    <a:pos x="T56" y="T57"/>
-                  </a:cxn>
-                  <a:cxn ang="0">
-                    <a:pos x="T58" y="T59"/>
-                  </a:cxn>
-                  <a:cxn ang="0">
-                    <a:pos x="T60" y="T61"/>
-                  </a:cxn>
-                  <a:cxn ang="0">
-                    <a:pos x="T62" y="T63"/>
-                  </a:cxn>
-                  <a:cxn ang="0">
-                    <a:pos x="T64" y="T65"/>
-                  </a:cxn>
-                  <a:cxn ang="0">
-                    <a:pos x="T66" y="T67"/>
-                  </a:cxn>
-                  <a:cxn ang="0">
-                    <a:pos x="T68" y="T69"/>
-                  </a:cxn>
-                  <a:cxn ang="0">
-                    <a:pos x="T70" y="T71"/>
-                  </a:cxn>
-                  <a:cxn ang="0">
-                    <a:pos x="T72" y="T73"/>
-                  </a:cxn>
-                  <a:cxn ang="0">
-                    <a:pos x="T74" y="T75"/>
-                  </a:cxn>
-                  <a:cxn ang="0">
-                    <a:pos x="T76" y="T77"/>
-                  </a:cxn>
-                  <a:cxn ang="0">
-                    <a:pos x="T78" y="T79"/>
-                  </a:cxn>
-                  <a:cxn ang="0">
-                    <a:pos x="T80" y="T81"/>
-                  </a:cxn>
-                  <a:cxn ang="0">
-                    <a:pos x="T82" y="T83"/>
-                  </a:cxn>
-                  <a:cxn ang="0">
-                    <a:pos x="T84" y="T85"/>
-                  </a:cxn>
-                  <a:cxn ang="0">
-                    <a:pos x="T86" y="T87"/>
-                  </a:cxn>
-                  <a:cxn ang="0">
-                    <a:pos x="T88" y="T89"/>
-                  </a:cxn>
-                  <a:cxn ang="0">
-                    <a:pos x="T90" y="T91"/>
-                  </a:cxn>
-                  <a:cxn ang="0">
-                    <a:pos x="T92" y="T93"/>
-                  </a:cxn>
-                  <a:cxn ang="0">
-                    <a:pos x="T94" y="T95"/>
-                  </a:cxn>
-                  <a:cxn ang="0">
-                    <a:pos x="T96" y="T97"/>
-                  </a:cxn>
-                  <a:cxn ang="0">
-                    <a:pos x="T98" y="T99"/>
-                  </a:cxn>
-                  <a:cxn ang="0">
-                    <a:pos x="T100" y="T101"/>
-                  </a:cxn>
-                  <a:cxn ang="0">
-                    <a:pos x="T102" y="T103"/>
-                  </a:cxn>
-                  <a:cxn ang="0">
-                    <a:pos x="T104" y="T105"/>
-                  </a:cxn>
-                  <a:cxn ang="0">
-                    <a:pos x="T106" y="T107"/>
-                  </a:cxn>
-                  <a:cxn ang="0">
-                    <a:pos x="T108" y="T109"/>
-                  </a:cxn>
-                  <a:cxn ang="0">
-                    <a:pos x="T110" y="T111"/>
-                  </a:cxn>
-                  <a:cxn ang="0">
-                    <a:pos x="T112" y="T113"/>
-                  </a:cxn>
-                  <a:cxn ang="0">
-                    <a:pos x="T114" y="T115"/>
-                  </a:cxn>
-                </a:cxnLst>
-                <a:rect l="0" t="0" r="r" b="b"/>
-                <a:pathLst>
-                  <a:path w="721" h="720">
-                    <a:moveTo>
-                      <a:pt x="720" y="356"/>
-                    </a:moveTo>
-                    <a:cubicBezTo>
-                      <a:pt x="721" y="542"/>
-                      <a:pt x="721" y="542"/>
-                      <a:pt x="721" y="542"/>
-                    </a:cubicBezTo>
-                    <a:cubicBezTo>
-                      <a:pt x="535" y="542"/>
-                      <a:pt x="535" y="542"/>
-                      <a:pt x="535" y="542"/>
-                    </a:cubicBezTo>
-                    <a:cubicBezTo>
-                      <a:pt x="532" y="542"/>
-                      <a:pt x="529" y="542"/>
-                      <a:pt x="526" y="543"/>
-                    </a:cubicBezTo>
-                    <a:cubicBezTo>
-                      <a:pt x="455" y="559"/>
-                      <a:pt x="489" y="583"/>
-                      <a:pt x="506" y="603"/>
-                    </a:cubicBezTo>
-                    <a:cubicBezTo>
-                      <a:pt x="523" y="623"/>
-                      <a:pt x="522" y="643"/>
-                      <a:pt x="522" y="643"/>
-                    </a:cubicBezTo>
-                    <a:cubicBezTo>
-                      <a:pt x="522" y="686"/>
-                      <a:pt x="488" y="720"/>
-                      <a:pt x="445" y="720"/>
-                    </a:cubicBezTo>
-                    <a:cubicBezTo>
-                      <a:pt x="403" y="720"/>
-                      <a:pt x="369" y="686"/>
-                      <a:pt x="369" y="643"/>
-                    </a:cubicBezTo>
-                    <a:cubicBezTo>
-                      <a:pt x="369" y="643"/>
-                      <a:pt x="368" y="623"/>
-                      <a:pt x="385" y="603"/>
-                    </a:cubicBezTo>
-                    <a:cubicBezTo>
-                      <a:pt x="402" y="583"/>
-                      <a:pt x="436" y="559"/>
-                      <a:pt x="365" y="543"/>
-                    </a:cubicBezTo>
-                    <a:cubicBezTo>
-                      <a:pt x="362" y="542"/>
-                      <a:pt x="359" y="542"/>
-                      <a:pt x="356" y="542"/>
-                    </a:cubicBezTo>
-                    <a:cubicBezTo>
-                      <a:pt x="179" y="542"/>
-                      <a:pt x="179" y="542"/>
-                      <a:pt x="179" y="542"/>
-                    </a:cubicBezTo>
-                    <a:cubicBezTo>
-                      <a:pt x="179" y="356"/>
-                      <a:pt x="179" y="356"/>
-                      <a:pt x="179" y="356"/>
-                    </a:cubicBezTo>
-                    <a:cubicBezTo>
-                      <a:pt x="179" y="353"/>
-                      <a:pt x="178" y="349"/>
-                      <a:pt x="177" y="346"/>
-                    </a:cubicBezTo>
-                    <a:cubicBezTo>
-                      <a:pt x="172" y="322"/>
-                      <a:pt x="163" y="296"/>
-                      <a:pt x="143" y="296"/>
-                    </a:cubicBezTo>
-                    <a:cubicBezTo>
-                      <a:pt x="131" y="296"/>
-                      <a:pt x="120" y="305"/>
-                      <a:pt x="110" y="314"/>
-                    </a:cubicBezTo>
-                    <a:cubicBezTo>
-                      <a:pt x="108" y="317"/>
-                      <a:pt x="106" y="319"/>
-                      <a:pt x="104" y="321"/>
-                    </a:cubicBezTo>
-                    <a:cubicBezTo>
-                      <a:pt x="88" y="334"/>
-                      <a:pt x="72" y="335"/>
-                      <a:pt x="69" y="335"/>
-                    </a:cubicBezTo>
-                    <a:cubicBezTo>
-                      <a:pt x="68" y="335"/>
-                      <a:pt x="68" y="335"/>
-                      <a:pt x="68" y="335"/>
-                    </a:cubicBezTo>
-                    <a:cubicBezTo>
-                      <a:pt x="31" y="335"/>
-                      <a:pt x="0" y="304"/>
-                      <a:pt x="0" y="267"/>
-                    </a:cubicBezTo>
-                    <a:cubicBezTo>
-                      <a:pt x="0" y="229"/>
-                      <a:pt x="31" y="198"/>
-                      <a:pt x="68" y="198"/>
-                    </a:cubicBezTo>
-                    <a:cubicBezTo>
-                      <a:pt x="69" y="198"/>
-                      <a:pt x="69" y="198"/>
-                      <a:pt x="69" y="198"/>
-                    </a:cubicBezTo>
-                    <a:cubicBezTo>
-                      <a:pt x="71" y="198"/>
-                      <a:pt x="75" y="199"/>
-                      <a:pt x="82" y="200"/>
-                    </a:cubicBezTo>
-                    <a:cubicBezTo>
-                      <a:pt x="88" y="202"/>
-                      <a:pt x="96" y="206"/>
-                      <a:pt x="104" y="213"/>
-                    </a:cubicBezTo>
-                    <a:cubicBezTo>
-                      <a:pt x="106" y="215"/>
-                      <a:pt x="108" y="217"/>
-                      <a:pt x="110" y="219"/>
-                    </a:cubicBezTo>
-                    <a:cubicBezTo>
-                      <a:pt x="120" y="228"/>
-                      <a:pt x="131" y="238"/>
-                      <a:pt x="143" y="238"/>
-                    </a:cubicBezTo>
-                    <a:cubicBezTo>
-                      <a:pt x="163" y="238"/>
-                      <a:pt x="172" y="211"/>
-                      <a:pt x="177" y="188"/>
-                    </a:cubicBezTo>
-                    <a:cubicBezTo>
-                      <a:pt x="178" y="184"/>
-                      <a:pt x="179" y="181"/>
-                      <a:pt x="179" y="177"/>
-                    </a:cubicBezTo>
-                    <a:cubicBezTo>
-                      <a:pt x="179" y="0"/>
-                      <a:pt x="179" y="0"/>
-                      <a:pt x="179" y="0"/>
-                    </a:cubicBezTo>
-                    <a:cubicBezTo>
-                      <a:pt x="179" y="0"/>
-                      <a:pt x="179" y="0"/>
-                      <a:pt x="179" y="0"/>
-                    </a:cubicBezTo>
-                    <a:cubicBezTo>
-                      <a:pt x="179" y="0"/>
-                      <a:pt x="179" y="0"/>
-                      <a:pt x="179" y="0"/>
-                    </a:cubicBezTo>
-                    <a:cubicBezTo>
-                      <a:pt x="356" y="0"/>
-                      <a:pt x="356" y="0"/>
-                      <a:pt x="356" y="0"/>
-                    </a:cubicBezTo>
-                    <a:cubicBezTo>
-                      <a:pt x="358" y="0"/>
-                      <a:pt x="360" y="0"/>
-                      <a:pt x="363" y="1"/>
-                    </a:cubicBezTo>
-                    <a:cubicBezTo>
-                      <a:pt x="394" y="8"/>
-                      <a:pt x="399" y="16"/>
-                      <a:pt x="400" y="18"/>
-                    </a:cubicBezTo>
-                    <a:cubicBezTo>
-                      <a:pt x="401" y="23"/>
-                      <a:pt x="392" y="33"/>
-                      <a:pt x="386" y="40"/>
-                    </a:cubicBezTo>
-                    <a:cubicBezTo>
-                      <a:pt x="383" y="42"/>
-                      <a:pt x="381" y="45"/>
-                      <a:pt x="379" y="47"/>
-                    </a:cubicBezTo>
-                    <a:cubicBezTo>
-                      <a:pt x="360" y="69"/>
-                      <a:pt x="360" y="90"/>
-                      <a:pt x="360" y="93"/>
-                    </a:cubicBezTo>
-                    <a:cubicBezTo>
-                      <a:pt x="360" y="140"/>
-                      <a:pt x="399" y="178"/>
-                      <a:pt x="445" y="178"/>
-                    </a:cubicBezTo>
-                    <a:cubicBezTo>
-                      <a:pt x="492" y="178"/>
-                      <a:pt x="530" y="140"/>
-                      <a:pt x="530" y="93"/>
-                    </a:cubicBezTo>
-                    <a:cubicBezTo>
-                      <a:pt x="530" y="90"/>
-                      <a:pt x="531" y="68"/>
-                      <a:pt x="512" y="47"/>
-                    </a:cubicBezTo>
-                    <a:cubicBezTo>
-                      <a:pt x="510" y="45"/>
-                      <a:pt x="508" y="42"/>
-                      <a:pt x="505" y="40"/>
-                    </a:cubicBezTo>
-                    <a:cubicBezTo>
-                      <a:pt x="499" y="33"/>
-                      <a:pt x="490" y="23"/>
-                      <a:pt x="491" y="18"/>
-                    </a:cubicBezTo>
-                    <a:cubicBezTo>
-                      <a:pt x="492" y="16"/>
-                      <a:pt x="497" y="8"/>
-                      <a:pt x="528" y="1"/>
-                    </a:cubicBezTo>
-                    <a:cubicBezTo>
-                      <a:pt x="530" y="0"/>
-                      <a:pt x="533" y="0"/>
-                      <a:pt x="535" y="0"/>
-                    </a:cubicBezTo>
-                    <a:cubicBezTo>
-                      <a:pt x="721" y="0"/>
-                      <a:pt x="721" y="0"/>
-                      <a:pt x="721" y="0"/>
-                    </a:cubicBezTo>
-                    <a:cubicBezTo>
-                      <a:pt x="720" y="177"/>
-                      <a:pt x="720" y="177"/>
-                      <a:pt x="720" y="177"/>
-                    </a:cubicBezTo>
-                    <a:cubicBezTo>
-                      <a:pt x="720" y="180"/>
-                      <a:pt x="720" y="183"/>
-                      <a:pt x="719" y="186"/>
-                    </a:cubicBezTo>
-                    <a:cubicBezTo>
-                      <a:pt x="712" y="219"/>
-                      <a:pt x="703" y="229"/>
-                      <a:pt x="693" y="229"/>
-                    </a:cubicBezTo>
-                    <a:cubicBezTo>
-                      <a:pt x="682" y="229"/>
-                      <a:pt x="670" y="215"/>
-                      <a:pt x="659" y="206"/>
-                    </a:cubicBezTo>
-                    <a:cubicBezTo>
-                      <a:pt x="642" y="191"/>
-                      <a:pt x="624" y="190"/>
-                      <a:pt x="620" y="190"/>
-                    </a:cubicBezTo>
-                    <a:cubicBezTo>
-                      <a:pt x="619" y="190"/>
-                      <a:pt x="619" y="190"/>
-                      <a:pt x="619" y="190"/>
-                    </a:cubicBezTo>
-                    <a:cubicBezTo>
-                      <a:pt x="576" y="190"/>
-                      <a:pt x="542" y="224"/>
-                      <a:pt x="542" y="267"/>
-                    </a:cubicBezTo>
-                    <a:cubicBezTo>
-                      <a:pt x="542" y="309"/>
-                      <a:pt x="576" y="343"/>
-                      <a:pt x="619" y="343"/>
-                    </a:cubicBezTo>
-                    <a:cubicBezTo>
-                      <a:pt x="619" y="343"/>
-                      <a:pt x="619" y="343"/>
-                      <a:pt x="620" y="343"/>
-                    </a:cubicBezTo>
-                    <a:cubicBezTo>
-                      <a:pt x="623" y="343"/>
-                      <a:pt x="641" y="342"/>
-                      <a:pt x="659" y="327"/>
-                    </a:cubicBezTo>
-                    <a:cubicBezTo>
-                      <a:pt x="670" y="318"/>
-                      <a:pt x="682" y="304"/>
-                      <a:pt x="693" y="304"/>
-                    </a:cubicBezTo>
-                    <a:cubicBezTo>
-                      <a:pt x="703" y="304"/>
-                      <a:pt x="712" y="314"/>
-                      <a:pt x="719" y="348"/>
-                    </a:cubicBezTo>
-                    <a:cubicBezTo>
-                      <a:pt x="720" y="350"/>
-                      <a:pt x="720" y="353"/>
-                      <a:pt x="720" y="356"/>
-                    </a:cubicBezTo>
-                    <a:close/>
-                  </a:path>
-                </a:pathLst>
-              </a:custGeom>
-              <a:solidFill>
-                <a:schemeClr val="accent2"/>
-              </a:solidFill>
-              <a:ln>
-                <a:noFill/>
-              </a:ln>
-            </p:spPr>
-            <p:txBody>
-              <a:bodyPr vert="horz" wrap="square" lIns="91412" tIns="45706" rIns="91412" bIns="45706" numCol="1" anchor="t" anchorCtr="0" compatLnSpc="1"/>
-              <a:lstStyle/>
-              <a:p>
-                <a:pPr>
-                  <a:lnSpc>
-                    <a:spcPct val="140000"/>
-                  </a:lnSpc>
-                </a:pPr>
-                <a:endParaRPr lang="ko-KR" altLang="en-US" sz="2400" dirty="0">
-                  <a:solidFill>
-                    <a:schemeClr val="tx1">
-                      <a:lumMod val="75000"/>
-                      <a:lumOff val="25000"/>
-                    </a:schemeClr>
-                  </a:solidFill>
-                  <a:cs typeface="+mn-ea"/>
-                  <a:sym typeface="+mn-lt"/>
-                </a:endParaRPr>
-              </a:p>
-            </p:txBody>
-          </p:sp>
-          <p:grpSp>
-            <p:nvGrpSpPr>
-              <p:cNvPr id="23" name="Group 675"/>
-              <p:cNvGrpSpPr/>
-              <p:nvPr/>
-            </p:nvGrpSpPr>
-            <p:grpSpPr bwMode="auto">
-              <a:xfrm>
-                <a:off x="8988240" y="3818508"/>
-                <a:ext cx="200172" cy="346450"/>
-                <a:chOff x="0" y="0"/>
-                <a:chExt cx="332" cy="579"/>
-              </a:xfrm>
-              <a:grpFill/>
-            </p:grpSpPr>
-            <p:sp>
-              <p:nvSpPr>
-                <p:cNvPr id="24" name="AutoShape 673"/>
-                <p:cNvSpPr/>
-                <p:nvPr/>
-              </p:nvSpPr>
-              <p:spPr bwMode="auto">
-                <a:xfrm>
-                  <a:off x="72" y="440"/>
-                  <a:ext cx="146" cy="139"/>
-                </a:xfrm>
-                <a:custGeom>
-                  <a:avLst/>
-                  <a:gdLst>
-                    <a:gd name="T0" fmla="*/ 0 w 21558"/>
-                    <a:gd name="T1" fmla="*/ 0 h 21579"/>
-                    <a:gd name="T2" fmla="*/ 0 w 21558"/>
-                    <a:gd name="T3" fmla="*/ 0 h 21579"/>
-                    <a:gd name="T4" fmla="*/ 0 w 21558"/>
-                    <a:gd name="T5" fmla="*/ 0 h 21579"/>
-                    <a:gd name="T6" fmla="*/ 0 w 21558"/>
-                    <a:gd name="T7" fmla="*/ 0 h 21579"/>
-                    <a:gd name="T8" fmla="*/ 0 w 21558"/>
-                    <a:gd name="T9" fmla="*/ 0 h 21579"/>
-                    <a:gd name="T10" fmla="*/ 0 w 21558"/>
-                    <a:gd name="T11" fmla="*/ 0 h 21579"/>
-                    <a:gd name="T12" fmla="*/ 0 w 21558"/>
-                    <a:gd name="T13" fmla="*/ 0 h 21579"/>
-                    <a:gd name="T14" fmla="*/ 0 w 21558"/>
-                    <a:gd name="T15" fmla="*/ 0 h 21579"/>
-                    <a:gd name="T16" fmla="*/ 0 w 21558"/>
-                    <a:gd name="T17" fmla="*/ 0 h 21579"/>
-                    <a:gd name="T18" fmla="*/ 0 w 21558"/>
-                    <a:gd name="T19" fmla="*/ 0 h 21579"/>
-                    <a:gd name="T20" fmla="*/ 0 w 21558"/>
-                    <a:gd name="T21" fmla="*/ 0 h 21579"/>
-                    <a:gd name="T22" fmla="*/ 0 60000 65536"/>
-                    <a:gd name="T23" fmla="*/ 0 60000 65536"/>
-                    <a:gd name="T24" fmla="*/ 0 60000 65536"/>
-                    <a:gd name="T25" fmla="*/ 0 60000 65536"/>
-                    <a:gd name="T26" fmla="*/ 0 60000 65536"/>
-                    <a:gd name="T27" fmla="*/ 0 60000 65536"/>
-                    <a:gd name="T28" fmla="*/ 0 60000 65536"/>
-                    <a:gd name="T29" fmla="*/ 0 60000 65536"/>
-                    <a:gd name="T30" fmla="*/ 0 60000 65536"/>
-                    <a:gd name="T31" fmla="*/ 0 60000 65536"/>
-                    <a:gd name="T32" fmla="*/ 0 60000 65536"/>
-                  </a:gdLst>
-                  <a:ahLst/>
-                  <a:cxnLst>
-                    <a:cxn ang="T22">
-                      <a:pos x="T0" y="T1"/>
-                    </a:cxn>
-                    <a:cxn ang="T23">
-                      <a:pos x="T2" y="T3"/>
-                    </a:cxn>
-                    <a:cxn ang="T24">
-                      <a:pos x="T4" y="T5"/>
-                    </a:cxn>
-                    <a:cxn ang="T25">
-                      <a:pos x="T6" y="T7"/>
-                    </a:cxn>
-                    <a:cxn ang="T26">
-                      <a:pos x="T8" y="T9"/>
-                    </a:cxn>
-                    <a:cxn ang="T27">
-                      <a:pos x="T10" y="T11"/>
-                    </a:cxn>
-                    <a:cxn ang="T28">
-                      <a:pos x="T12" y="T13"/>
-                    </a:cxn>
-                    <a:cxn ang="T29">
-                      <a:pos x="T14" y="T15"/>
-                    </a:cxn>
-                    <a:cxn ang="T30">
-                      <a:pos x="T16" y="T17"/>
-                    </a:cxn>
-                    <a:cxn ang="T31">
-                      <a:pos x="T18" y="T19"/>
-                    </a:cxn>
-                    <a:cxn ang="T32">
-                      <a:pos x="T20" y="T21"/>
-                    </a:cxn>
-                  </a:cxnLst>
-                  <a:rect l="0" t="0" r="r" b="b"/>
-                  <a:pathLst>
-                    <a:path w="21558" h="21579">
-                      <a:moveTo>
-                        <a:pt x="10672" y="0"/>
-                      </a:moveTo>
-                      <a:cubicBezTo>
-                        <a:pt x="7687" y="-11"/>
-                        <a:pt x="5001" y="939"/>
-                        <a:pt x="3015" y="2897"/>
-                      </a:cubicBezTo>
-                      <a:cubicBezTo>
-                        <a:pt x="988" y="4854"/>
-                        <a:pt x="-20" y="7648"/>
-                        <a:pt x="0" y="10734"/>
-                      </a:cubicBezTo>
-                      <a:cubicBezTo>
-                        <a:pt x="-21" y="13826"/>
-                        <a:pt x="988" y="16619"/>
-                        <a:pt x="3001" y="18615"/>
-                      </a:cubicBezTo>
-                      <a:cubicBezTo>
-                        <a:pt x="4966" y="20603"/>
-                        <a:pt x="7635" y="21579"/>
-                        <a:pt x="10598" y="21579"/>
-                      </a:cubicBezTo>
-                      <a:cubicBezTo>
-                        <a:pt x="10623" y="21579"/>
-                        <a:pt x="10645" y="21579"/>
-                        <a:pt x="10671" y="21577"/>
-                      </a:cubicBezTo>
-                      <a:cubicBezTo>
-                        <a:pt x="13785" y="21589"/>
-                        <a:pt x="16552" y="20640"/>
-                        <a:pt x="18558" y="18609"/>
-                      </a:cubicBezTo>
-                      <a:cubicBezTo>
-                        <a:pt x="20570" y="16619"/>
-                        <a:pt x="21579" y="13826"/>
-                        <a:pt x="21558" y="10734"/>
-                      </a:cubicBezTo>
-                      <a:cubicBezTo>
-                        <a:pt x="21579" y="7647"/>
-                        <a:pt x="20570" y="4854"/>
-                        <a:pt x="18543" y="2897"/>
-                      </a:cubicBezTo>
-                      <a:cubicBezTo>
-                        <a:pt x="16529" y="918"/>
-                        <a:pt x="13778" y="-11"/>
-                        <a:pt x="10672" y="0"/>
-                      </a:cubicBezTo>
-                      <a:close/>
-                      <a:moveTo>
-                        <a:pt x="10672" y="0"/>
-                      </a:moveTo>
-                    </a:path>
-                  </a:pathLst>
-                </a:custGeom>
-                <a:solidFill>
-                  <a:schemeClr val="bg1"/>
-                </a:solidFill>
-                <a:ln>
-                  <a:noFill/>
-                </a:ln>
-              </p:spPr>
-              <p:txBody>
-                <a:bodyPr lIns="0" tIns="0" rIns="0" bIns="0"/>
-                <a:lstStyle/>
-                <a:p>
-                  <a:pPr>
-                    <a:lnSpc>
-                      <a:spcPct val="140000"/>
-                    </a:lnSpc>
-                  </a:pPr>
-                  <a:endParaRPr lang="en-US" sz="2400" dirty="0">
-                    <a:solidFill>
-                      <a:schemeClr val="tx1">
-                        <a:lumMod val="75000"/>
-                        <a:lumOff val="25000"/>
-                      </a:schemeClr>
-                    </a:solidFill>
-                    <a:cs typeface="+mn-ea"/>
-                    <a:sym typeface="+mn-lt"/>
-                  </a:endParaRPr>
-                </a:p>
-              </p:txBody>
-            </p:sp>
-            <p:sp>
-              <p:nvSpPr>
-                <p:cNvPr id="25" name="AutoShape 674"/>
-                <p:cNvSpPr/>
-                <p:nvPr/>
-              </p:nvSpPr>
-              <p:spPr bwMode="auto">
-                <a:xfrm>
-                  <a:off x="0" y="0"/>
-                  <a:ext cx="332" cy="403"/>
-                </a:xfrm>
-                <a:custGeom>
-                  <a:avLst/>
-                  <a:gdLst>
-                    <a:gd name="T0" fmla="*/ 0 w 21588"/>
-                    <a:gd name="T1" fmla="*/ 0 h 21598"/>
-                    <a:gd name="T2" fmla="*/ 0 w 21588"/>
-                    <a:gd name="T3" fmla="*/ 0 h 21598"/>
-                    <a:gd name="T4" fmla="*/ 0 w 21588"/>
-                    <a:gd name="T5" fmla="*/ 0 h 21598"/>
-                    <a:gd name="T6" fmla="*/ 0 w 21588"/>
-                    <a:gd name="T7" fmla="*/ 0 h 21598"/>
-                    <a:gd name="T8" fmla="*/ 0 w 21588"/>
-                    <a:gd name="T9" fmla="*/ 0 h 21598"/>
-                    <a:gd name="T10" fmla="*/ 0 w 21588"/>
-                    <a:gd name="T11" fmla="*/ 0 h 21598"/>
-                    <a:gd name="T12" fmla="*/ 0 w 21588"/>
-                    <a:gd name="T13" fmla="*/ 0 h 21598"/>
-                    <a:gd name="T14" fmla="*/ 0 w 21588"/>
-                    <a:gd name="T15" fmla="*/ 0 h 21598"/>
-                    <a:gd name="T16" fmla="*/ 0 w 21588"/>
-                    <a:gd name="T17" fmla="*/ 0 h 21598"/>
-                    <a:gd name="T18" fmla="*/ 0 w 21588"/>
-                    <a:gd name="T19" fmla="*/ 0 h 21598"/>
-                    <a:gd name="T20" fmla="*/ 0 w 21588"/>
-                    <a:gd name="T21" fmla="*/ 0 h 21598"/>
-                    <a:gd name="T22" fmla="*/ 0 w 21588"/>
-                    <a:gd name="T23" fmla="*/ 0 h 21598"/>
-                    <a:gd name="T24" fmla="*/ 0 w 21588"/>
-                    <a:gd name="T25" fmla="*/ 0 h 21598"/>
-                    <a:gd name="T26" fmla="*/ 0 w 21588"/>
-                    <a:gd name="T27" fmla="*/ 0 h 21598"/>
-                    <a:gd name="T28" fmla="*/ 0 w 21588"/>
-                    <a:gd name="T29" fmla="*/ 0 h 21598"/>
-                    <a:gd name="T30" fmla="*/ 0 w 21588"/>
-                    <a:gd name="T31" fmla="*/ 0 h 21598"/>
-                    <a:gd name="T32" fmla="*/ 0 w 21588"/>
-                    <a:gd name="T33" fmla="*/ 0 h 21598"/>
-                    <a:gd name="T34" fmla="*/ 0 w 21588"/>
-                    <a:gd name="T35" fmla="*/ 0 h 21598"/>
-                    <a:gd name="T36" fmla="*/ 0 w 21588"/>
-                    <a:gd name="T37" fmla="*/ 0 h 21598"/>
-                    <a:gd name="T38" fmla="*/ 0 w 21588"/>
-                    <a:gd name="T39" fmla="*/ 0 h 21598"/>
-                    <a:gd name="T40" fmla="*/ 0 w 21588"/>
-                    <a:gd name="T41" fmla="*/ 0 h 21598"/>
-                    <a:gd name="T42" fmla="*/ 0 w 21588"/>
-                    <a:gd name="T43" fmla="*/ 0 h 21598"/>
-                    <a:gd name="T44" fmla="*/ 0 w 21588"/>
-                    <a:gd name="T45" fmla="*/ 0 h 21598"/>
-                    <a:gd name="T46" fmla="*/ 0 w 21588"/>
-                    <a:gd name="T47" fmla="*/ 0 h 21598"/>
-                    <a:gd name="T48" fmla="*/ 0 w 21588"/>
-                    <a:gd name="T49" fmla="*/ 0 h 21598"/>
-                    <a:gd name="T50" fmla="*/ 0 w 21588"/>
-                    <a:gd name="T51" fmla="*/ 0 h 21598"/>
-                    <a:gd name="T52" fmla="*/ 0 w 21588"/>
-                    <a:gd name="T53" fmla="*/ 0 h 21598"/>
-                    <a:gd name="T54" fmla="*/ 0 w 21588"/>
-                    <a:gd name="T55" fmla="*/ 0 h 21598"/>
-                    <a:gd name="T56" fmla="*/ 0 w 21588"/>
-                    <a:gd name="T57" fmla="*/ 0 h 21598"/>
-                    <a:gd name="T58" fmla="*/ 0 w 21588"/>
-                    <a:gd name="T59" fmla="*/ 0 h 21598"/>
-                    <a:gd name="T60" fmla="*/ 0 w 21588"/>
-                    <a:gd name="T61" fmla="*/ 0 h 21598"/>
-                    <a:gd name="T62" fmla="*/ 0 w 21588"/>
-                    <a:gd name="T63" fmla="*/ 0 h 21598"/>
-                    <a:gd name="T64" fmla="*/ 0 60000 65536"/>
-                    <a:gd name="T65" fmla="*/ 0 60000 65536"/>
-                    <a:gd name="T66" fmla="*/ 0 60000 65536"/>
-                    <a:gd name="T67" fmla="*/ 0 60000 65536"/>
-                    <a:gd name="T68" fmla="*/ 0 60000 65536"/>
-                    <a:gd name="T69" fmla="*/ 0 60000 65536"/>
-                    <a:gd name="T70" fmla="*/ 0 60000 65536"/>
-                    <a:gd name="T71" fmla="*/ 0 60000 65536"/>
-                    <a:gd name="T72" fmla="*/ 0 60000 65536"/>
-                    <a:gd name="T73" fmla="*/ 0 60000 65536"/>
-                    <a:gd name="T74" fmla="*/ 0 60000 65536"/>
-                    <a:gd name="T75" fmla="*/ 0 60000 65536"/>
-                    <a:gd name="T76" fmla="*/ 0 60000 65536"/>
-                    <a:gd name="T77" fmla="*/ 0 60000 65536"/>
-                    <a:gd name="T78" fmla="*/ 0 60000 65536"/>
-                    <a:gd name="T79" fmla="*/ 0 60000 65536"/>
-                    <a:gd name="T80" fmla="*/ 0 60000 65536"/>
-                    <a:gd name="T81" fmla="*/ 0 60000 65536"/>
-                    <a:gd name="T82" fmla="*/ 0 60000 65536"/>
-                    <a:gd name="T83" fmla="*/ 0 60000 65536"/>
-                    <a:gd name="T84" fmla="*/ 0 60000 65536"/>
-                    <a:gd name="T85" fmla="*/ 0 60000 65536"/>
-                    <a:gd name="T86" fmla="*/ 0 60000 65536"/>
-                    <a:gd name="T87" fmla="*/ 0 60000 65536"/>
-                    <a:gd name="T88" fmla="*/ 0 60000 65536"/>
-                    <a:gd name="T89" fmla="*/ 0 60000 65536"/>
-                    <a:gd name="T90" fmla="*/ 0 60000 65536"/>
-                    <a:gd name="T91" fmla="*/ 0 60000 65536"/>
-                    <a:gd name="T92" fmla="*/ 0 60000 65536"/>
-                    <a:gd name="T93" fmla="*/ 0 60000 65536"/>
-                    <a:gd name="T94" fmla="*/ 0 60000 65536"/>
-                    <a:gd name="T95" fmla="*/ 0 60000 65536"/>
-                  </a:gdLst>
-                  <a:ahLst/>
-                  <a:cxnLst>
-                    <a:cxn ang="T64">
-                      <a:pos x="T0" y="T1"/>
-                    </a:cxn>
-                    <a:cxn ang="T65">
-                      <a:pos x="T2" y="T3"/>
-                    </a:cxn>
-                    <a:cxn ang="T66">
-                      <a:pos x="T4" y="T5"/>
-                    </a:cxn>
-                    <a:cxn ang="T67">
-                      <a:pos x="T6" y="T7"/>
-                    </a:cxn>
-                    <a:cxn ang="T68">
-                      <a:pos x="T8" y="T9"/>
-                    </a:cxn>
-                    <a:cxn ang="T69">
-                      <a:pos x="T10" y="T11"/>
-                    </a:cxn>
-                    <a:cxn ang="T70">
-                      <a:pos x="T12" y="T13"/>
-                    </a:cxn>
-                    <a:cxn ang="T71">
-                      <a:pos x="T14" y="T15"/>
-                    </a:cxn>
-                    <a:cxn ang="T72">
-                      <a:pos x="T16" y="T17"/>
-                    </a:cxn>
-                    <a:cxn ang="T73">
-                      <a:pos x="T18" y="T19"/>
-                    </a:cxn>
-                    <a:cxn ang="T74">
-                      <a:pos x="T20" y="T21"/>
-                    </a:cxn>
-                    <a:cxn ang="T75">
-                      <a:pos x="T22" y="T23"/>
-                    </a:cxn>
-                    <a:cxn ang="T76">
-                      <a:pos x="T24" y="T25"/>
-                    </a:cxn>
-                    <a:cxn ang="T77">
-                      <a:pos x="T26" y="T27"/>
-                    </a:cxn>
-                    <a:cxn ang="T78">
-                      <a:pos x="T28" y="T29"/>
-                    </a:cxn>
-                    <a:cxn ang="T79">
-                      <a:pos x="T30" y="T31"/>
-                    </a:cxn>
-                    <a:cxn ang="T80">
-                      <a:pos x="T32" y="T33"/>
-                    </a:cxn>
-                    <a:cxn ang="T81">
-                      <a:pos x="T34" y="T35"/>
-                    </a:cxn>
-                    <a:cxn ang="T82">
-                      <a:pos x="T36" y="T37"/>
-                    </a:cxn>
-                    <a:cxn ang="T83">
-                      <a:pos x="T38" y="T39"/>
-                    </a:cxn>
-                    <a:cxn ang="T84">
-                      <a:pos x="T40" y="T41"/>
-                    </a:cxn>
-                    <a:cxn ang="T85">
-                      <a:pos x="T42" y="T43"/>
-                    </a:cxn>
-                    <a:cxn ang="T86">
-                      <a:pos x="T44" y="T45"/>
-                    </a:cxn>
-                    <a:cxn ang="T87">
-                      <a:pos x="T46" y="T47"/>
-                    </a:cxn>
-                    <a:cxn ang="T88">
-                      <a:pos x="T48" y="T49"/>
-                    </a:cxn>
-                    <a:cxn ang="T89">
-                      <a:pos x="T50" y="T51"/>
-                    </a:cxn>
-                    <a:cxn ang="T90">
-                      <a:pos x="T52" y="T53"/>
-                    </a:cxn>
-                    <a:cxn ang="T91">
-                      <a:pos x="T54" y="T55"/>
-                    </a:cxn>
-                    <a:cxn ang="T92">
-                      <a:pos x="T56" y="T57"/>
-                    </a:cxn>
-                    <a:cxn ang="T93">
-                      <a:pos x="T58" y="T59"/>
-                    </a:cxn>
-                    <a:cxn ang="T94">
-                      <a:pos x="T60" y="T61"/>
-                    </a:cxn>
-                    <a:cxn ang="T95">
-                      <a:pos x="T62" y="T63"/>
-                    </a:cxn>
-                  </a:cxnLst>
-                  <a:rect l="0" t="0" r="r" b="b"/>
-                  <a:pathLst>
-                    <a:path w="21588" h="21598">
-                      <a:moveTo>
-                        <a:pt x="18735" y="1984"/>
-                      </a:moveTo>
-                      <a:cubicBezTo>
-                        <a:pt x="16837" y="637"/>
-                        <a:pt x="14244" y="-2"/>
-                        <a:pt x="11088" y="0"/>
-                      </a:cubicBezTo>
-                      <a:cubicBezTo>
-                        <a:pt x="8763" y="0"/>
-                        <a:pt x="6747" y="232"/>
-                        <a:pt x="5037" y="716"/>
-                      </a:cubicBezTo>
-                      <a:cubicBezTo>
-                        <a:pt x="3380" y="1186"/>
-                        <a:pt x="1899" y="1786"/>
-                        <a:pt x="606" y="2518"/>
-                      </a:cubicBezTo>
-                      <a:lnTo>
-                        <a:pt x="0" y="2860"/>
-                      </a:lnTo>
-                      <a:lnTo>
-                        <a:pt x="3190" y="7921"/>
-                      </a:lnTo>
-                      <a:lnTo>
-                        <a:pt x="3960" y="7481"/>
-                      </a:lnTo>
-                      <a:cubicBezTo>
-                        <a:pt x="4344" y="7262"/>
-                        <a:pt x="4790" y="7044"/>
-                        <a:pt x="5297" y="6828"/>
-                      </a:cubicBezTo>
-                      <a:cubicBezTo>
-                        <a:pt x="5796" y="6615"/>
-                        <a:pt x="6319" y="6428"/>
-                        <a:pt x="6868" y="6263"/>
-                      </a:cubicBezTo>
-                      <a:cubicBezTo>
-                        <a:pt x="7410" y="6104"/>
-                        <a:pt x="7951" y="5978"/>
-                        <a:pt x="8490" y="5890"/>
-                      </a:cubicBezTo>
-                      <a:cubicBezTo>
-                        <a:pt x="9020" y="5805"/>
-                        <a:pt x="9518" y="5766"/>
-                        <a:pt x="9973" y="5766"/>
-                      </a:cubicBezTo>
-                      <a:cubicBezTo>
-                        <a:pt x="11485" y="5760"/>
-                        <a:pt x="12366" y="6045"/>
-                        <a:pt x="12729" y="6385"/>
-                      </a:cubicBezTo>
-                      <a:cubicBezTo>
-                        <a:pt x="13194" y="6804"/>
-                        <a:pt x="13449" y="7349"/>
-                        <a:pt x="13455" y="8160"/>
-                      </a:cubicBezTo>
-                      <a:cubicBezTo>
-                        <a:pt x="13451" y="8771"/>
-                        <a:pt x="13281" y="9244"/>
-                        <a:pt x="12963" y="9641"/>
-                      </a:cubicBezTo>
-                      <a:cubicBezTo>
-                        <a:pt x="12584" y="10110"/>
-                        <a:pt x="12107" y="10570"/>
-                        <a:pt x="11516" y="11017"/>
-                      </a:cubicBezTo>
-                      <a:cubicBezTo>
-                        <a:pt x="10896" y="11491"/>
-                        <a:pt x="10225" y="11985"/>
-                        <a:pt x="9504" y="12502"/>
-                      </a:cubicBezTo>
-                      <a:cubicBezTo>
-                        <a:pt x="8719" y="13064"/>
-                        <a:pt x="8024" y="13727"/>
-                        <a:pt x="7421" y="14481"/>
-                      </a:cubicBezTo>
-                      <a:cubicBezTo>
-                        <a:pt x="6799" y="15259"/>
-                        <a:pt x="6323" y="16166"/>
-                        <a:pt x="5983" y="17198"/>
-                      </a:cubicBezTo>
-                      <a:cubicBezTo>
-                        <a:pt x="5743" y="17916"/>
-                        <a:pt x="5631" y="18717"/>
-                        <a:pt x="5631" y="19598"/>
-                      </a:cubicBezTo>
-                      <a:cubicBezTo>
-                        <a:pt x="5631" y="20038"/>
-                        <a:pt x="5661" y="20498"/>
-                        <a:pt x="5715" y="20980"/>
-                      </a:cubicBezTo>
-                      <a:lnTo>
-                        <a:pt x="5787" y="21598"/>
-                      </a:lnTo>
-                      <a:lnTo>
-                        <a:pt x="6539" y="21598"/>
-                      </a:lnTo>
-                      <a:lnTo>
-                        <a:pt x="12734" y="21598"/>
-                      </a:lnTo>
-                      <a:lnTo>
-                        <a:pt x="12734" y="20915"/>
-                      </a:lnTo>
-                      <a:cubicBezTo>
-                        <a:pt x="12734" y="19869"/>
-                        <a:pt x="12947" y="19058"/>
-                        <a:pt x="13319" y="18472"/>
-                      </a:cubicBezTo>
-                      <a:cubicBezTo>
-                        <a:pt x="13735" y="17807"/>
-                        <a:pt x="14237" y="17231"/>
-                        <a:pt x="14824" y="16730"/>
-                      </a:cubicBezTo>
-                      <a:cubicBezTo>
-                        <a:pt x="15436" y="16213"/>
-                        <a:pt x="16115" y="15723"/>
-                        <a:pt x="16856" y="15263"/>
-                      </a:cubicBezTo>
-                      <a:cubicBezTo>
-                        <a:pt x="17679" y="14754"/>
-                        <a:pt x="18434" y="14165"/>
-                        <a:pt x="19117" y="13500"/>
-                      </a:cubicBezTo>
-                      <a:cubicBezTo>
-                        <a:pt x="19827" y="12811"/>
-                        <a:pt x="20413" y="11985"/>
-                        <a:pt x="20876" y="11034"/>
-                      </a:cubicBezTo>
-                      <a:cubicBezTo>
-                        <a:pt x="21363" y="10029"/>
-                        <a:pt x="21588" y="8820"/>
-                        <a:pt x="21588" y="7401"/>
-                      </a:cubicBezTo>
-                      <a:cubicBezTo>
-                        <a:pt x="21600" y="5195"/>
-                        <a:pt x="20632" y="3318"/>
-                        <a:pt x="18735" y="1984"/>
-                      </a:cubicBezTo>
-                      <a:close/>
-                      <a:moveTo>
-                        <a:pt x="18735" y="1984"/>
-                      </a:moveTo>
-                    </a:path>
-                  </a:pathLst>
-                </a:custGeom>
-                <a:solidFill>
-                  <a:schemeClr val="bg1"/>
-                </a:solidFill>
-                <a:ln>
-                  <a:noFill/>
-                </a:ln>
-              </p:spPr>
-              <p:txBody>
-                <a:bodyPr lIns="0" tIns="0" rIns="0" bIns="0"/>
-                <a:lstStyle/>
-                <a:p>
-                  <a:pPr>
-                    <a:lnSpc>
-                      <a:spcPct val="140000"/>
-                    </a:lnSpc>
-                  </a:pPr>
-                  <a:endParaRPr lang="en-US" sz="2400" dirty="0">
-                    <a:solidFill>
-                      <a:schemeClr val="tx1">
-                        <a:lumMod val="75000"/>
-                        <a:lumOff val="25000"/>
-                      </a:schemeClr>
-                    </a:solidFill>
-                    <a:cs typeface="+mn-ea"/>
-                    <a:sym typeface="+mn-lt"/>
-                  </a:endParaRPr>
-                </a:p>
-              </p:txBody>
-            </p:sp>
-          </p:grpSp>
-          <p:sp>
-            <p:nvSpPr>
-              <p:cNvPr id="27" name="Freeform 5"/>
-              <p:cNvSpPr/>
-              <p:nvPr/>
-            </p:nvSpPr>
-            <p:spPr bwMode="auto">
-              <a:xfrm rot="18900000">
-                <a:off x="7259840" y="3807691"/>
-                <a:ext cx="1514767" cy="1514767"/>
-              </a:xfrm>
-              <a:custGeom>
-                <a:avLst/>
-                <a:gdLst>
-                  <a:gd name="T0" fmla="*/ 720 w 720"/>
-                  <a:gd name="T1" fmla="*/ 534 h 720"/>
-                  <a:gd name="T2" fmla="*/ 720 w 720"/>
-                  <a:gd name="T3" fmla="*/ 720 h 720"/>
-                  <a:gd name="T4" fmla="*/ 720 w 720"/>
-                  <a:gd name="T5" fmla="*/ 720 h 720"/>
-                  <a:gd name="T6" fmla="*/ 543 w 720"/>
-                  <a:gd name="T7" fmla="*/ 720 h 720"/>
-                  <a:gd name="T8" fmla="*/ 534 w 720"/>
-                  <a:gd name="T9" fmla="*/ 719 h 720"/>
-                  <a:gd name="T10" fmla="*/ 513 w 720"/>
-                  <a:gd name="T11" fmla="*/ 659 h 720"/>
-                  <a:gd name="T12" fmla="*/ 530 w 720"/>
-                  <a:gd name="T13" fmla="*/ 618 h 720"/>
-                  <a:gd name="T14" fmla="*/ 453 w 720"/>
-                  <a:gd name="T15" fmla="*/ 541 h 720"/>
-                  <a:gd name="T16" fmla="*/ 376 w 720"/>
-                  <a:gd name="T17" fmla="*/ 618 h 720"/>
-                  <a:gd name="T18" fmla="*/ 393 w 720"/>
-                  <a:gd name="T19" fmla="*/ 659 h 720"/>
-                  <a:gd name="T20" fmla="*/ 372 w 720"/>
-                  <a:gd name="T21" fmla="*/ 719 h 720"/>
-                  <a:gd name="T22" fmla="*/ 363 w 720"/>
-                  <a:gd name="T23" fmla="*/ 720 h 720"/>
-                  <a:gd name="T24" fmla="*/ 178 w 720"/>
-                  <a:gd name="T25" fmla="*/ 720 h 720"/>
-                  <a:gd name="T26" fmla="*/ 178 w 720"/>
-                  <a:gd name="T27" fmla="*/ 534 h 720"/>
-                  <a:gd name="T28" fmla="*/ 177 w 720"/>
-                  <a:gd name="T29" fmla="*/ 526 h 720"/>
-                  <a:gd name="T30" fmla="*/ 150 w 720"/>
-                  <a:gd name="T31" fmla="*/ 482 h 720"/>
-                  <a:gd name="T32" fmla="*/ 117 w 720"/>
-                  <a:gd name="T33" fmla="*/ 505 h 720"/>
-                  <a:gd name="T34" fmla="*/ 77 w 720"/>
-                  <a:gd name="T35" fmla="*/ 521 h 720"/>
-                  <a:gd name="T36" fmla="*/ 76 w 720"/>
-                  <a:gd name="T37" fmla="*/ 521 h 720"/>
-                  <a:gd name="T38" fmla="*/ 0 w 720"/>
-                  <a:gd name="T39" fmla="*/ 445 h 720"/>
-                  <a:gd name="T40" fmla="*/ 76 w 720"/>
-                  <a:gd name="T41" fmla="*/ 368 h 720"/>
-                  <a:gd name="T42" fmla="*/ 77 w 720"/>
-                  <a:gd name="T43" fmla="*/ 368 h 720"/>
-                  <a:gd name="T44" fmla="*/ 117 w 720"/>
-                  <a:gd name="T45" fmla="*/ 384 h 720"/>
-                  <a:gd name="T46" fmla="*/ 150 w 720"/>
-                  <a:gd name="T47" fmla="*/ 407 h 720"/>
-                  <a:gd name="T48" fmla="*/ 177 w 720"/>
-                  <a:gd name="T49" fmla="*/ 364 h 720"/>
-                  <a:gd name="T50" fmla="*/ 178 w 720"/>
-                  <a:gd name="T51" fmla="*/ 355 h 720"/>
-                  <a:gd name="T52" fmla="*/ 178 w 720"/>
-                  <a:gd name="T53" fmla="*/ 178 h 720"/>
-                  <a:gd name="T54" fmla="*/ 363 w 720"/>
-                  <a:gd name="T55" fmla="*/ 178 h 720"/>
-                  <a:gd name="T56" fmla="*/ 374 w 720"/>
-                  <a:gd name="T57" fmla="*/ 177 h 720"/>
-                  <a:gd name="T58" fmla="*/ 423 w 720"/>
-                  <a:gd name="T59" fmla="*/ 148 h 720"/>
-                  <a:gd name="T60" fmla="*/ 405 w 720"/>
-                  <a:gd name="T61" fmla="*/ 110 h 720"/>
-                  <a:gd name="T62" fmla="*/ 399 w 720"/>
-                  <a:gd name="T63" fmla="*/ 103 h 720"/>
-                  <a:gd name="T64" fmla="*/ 385 w 720"/>
-                  <a:gd name="T65" fmla="*/ 68 h 720"/>
-                  <a:gd name="T66" fmla="*/ 453 w 720"/>
-                  <a:gd name="T67" fmla="*/ 0 h 720"/>
-                  <a:gd name="T68" fmla="*/ 521 w 720"/>
-                  <a:gd name="T69" fmla="*/ 68 h 720"/>
-                  <a:gd name="T70" fmla="*/ 521 w 720"/>
-                  <a:gd name="T71" fmla="*/ 68 h 720"/>
-                  <a:gd name="T72" fmla="*/ 507 w 720"/>
-                  <a:gd name="T73" fmla="*/ 103 h 720"/>
-                  <a:gd name="T74" fmla="*/ 501 w 720"/>
-                  <a:gd name="T75" fmla="*/ 110 h 720"/>
-                  <a:gd name="T76" fmla="*/ 483 w 720"/>
-                  <a:gd name="T77" fmla="*/ 148 h 720"/>
-                  <a:gd name="T78" fmla="*/ 532 w 720"/>
-                  <a:gd name="T79" fmla="*/ 177 h 720"/>
-                  <a:gd name="T80" fmla="*/ 543 w 720"/>
-                  <a:gd name="T81" fmla="*/ 178 h 720"/>
-                  <a:gd name="T82" fmla="*/ 720 w 720"/>
-                  <a:gd name="T83" fmla="*/ 178 h 720"/>
-                  <a:gd name="T84" fmla="*/ 720 w 720"/>
-                  <a:gd name="T85" fmla="*/ 355 h 720"/>
-                  <a:gd name="T86" fmla="*/ 719 w 720"/>
-                  <a:gd name="T87" fmla="*/ 362 h 720"/>
-                  <a:gd name="T88" fmla="*/ 701 w 720"/>
-                  <a:gd name="T89" fmla="*/ 399 h 720"/>
-                  <a:gd name="T90" fmla="*/ 680 w 720"/>
-                  <a:gd name="T91" fmla="*/ 385 h 720"/>
-                  <a:gd name="T92" fmla="*/ 672 w 720"/>
-                  <a:gd name="T93" fmla="*/ 378 h 720"/>
-                  <a:gd name="T94" fmla="*/ 627 w 720"/>
-                  <a:gd name="T95" fmla="*/ 360 h 720"/>
-                  <a:gd name="T96" fmla="*/ 626 w 720"/>
-                  <a:gd name="T97" fmla="*/ 360 h 720"/>
-                  <a:gd name="T98" fmla="*/ 541 w 720"/>
-                  <a:gd name="T99" fmla="*/ 445 h 720"/>
-                  <a:gd name="T100" fmla="*/ 626 w 720"/>
-                  <a:gd name="T101" fmla="*/ 530 h 720"/>
-                  <a:gd name="T102" fmla="*/ 627 w 720"/>
-                  <a:gd name="T103" fmla="*/ 530 h 720"/>
-                  <a:gd name="T104" fmla="*/ 673 w 720"/>
-                  <a:gd name="T105" fmla="*/ 511 h 720"/>
-                  <a:gd name="T106" fmla="*/ 680 w 720"/>
-                  <a:gd name="T107" fmla="*/ 505 h 720"/>
-                  <a:gd name="T108" fmla="*/ 701 w 720"/>
-                  <a:gd name="T109" fmla="*/ 490 h 720"/>
-                  <a:gd name="T110" fmla="*/ 719 w 720"/>
-                  <a:gd name="T111" fmla="*/ 527 h 720"/>
-                  <a:gd name="T112" fmla="*/ 720 w 720"/>
-                  <a:gd name="T113" fmla="*/ 534 h 720"/>
-                </a:gdLst>
-                <a:ahLst/>
-                <a:cxnLst>
-                  <a:cxn ang="0">
-                    <a:pos x="T0" y="T1"/>
-                  </a:cxn>
-                  <a:cxn ang="0">
-                    <a:pos x="T2" y="T3"/>
-                  </a:cxn>
-                  <a:cxn ang="0">
-                    <a:pos x="T4" y="T5"/>
-                  </a:cxn>
-                  <a:cxn ang="0">
-                    <a:pos x="T6" y="T7"/>
-                  </a:cxn>
-                  <a:cxn ang="0">
-                    <a:pos x="T8" y="T9"/>
-                  </a:cxn>
-                  <a:cxn ang="0">
-                    <a:pos x="T10" y="T11"/>
-                  </a:cxn>
-                  <a:cxn ang="0">
-                    <a:pos x="T12" y="T13"/>
-                  </a:cxn>
-                  <a:cxn ang="0">
-                    <a:pos x="T14" y="T15"/>
-                  </a:cxn>
-                  <a:cxn ang="0">
-                    <a:pos x="T16" y="T17"/>
-                  </a:cxn>
-                  <a:cxn ang="0">
-                    <a:pos x="T18" y="T19"/>
-                  </a:cxn>
-                  <a:cxn ang="0">
-                    <a:pos x="T20" y="T21"/>
-                  </a:cxn>
-                  <a:cxn ang="0">
-                    <a:pos x="T22" y="T23"/>
-                  </a:cxn>
-                  <a:cxn ang="0">
-                    <a:pos x="T24" y="T25"/>
-                  </a:cxn>
-                  <a:cxn ang="0">
-                    <a:pos x="T26" y="T27"/>
-                  </a:cxn>
-                  <a:cxn ang="0">
-                    <a:pos x="T28" y="T29"/>
-                  </a:cxn>
-                  <a:cxn ang="0">
-                    <a:pos x="T30" y="T31"/>
-                  </a:cxn>
-                  <a:cxn ang="0">
-                    <a:pos x="T32" y="T33"/>
-                  </a:cxn>
-                  <a:cxn ang="0">
-                    <a:pos x="T34" y="T35"/>
-                  </a:cxn>
-                  <a:cxn ang="0">
-                    <a:pos x="T36" y="T37"/>
-                  </a:cxn>
-                  <a:cxn ang="0">
-                    <a:pos x="T38" y="T39"/>
-                  </a:cxn>
-                  <a:cxn ang="0">
-                    <a:pos x="T40" y="T41"/>
-                  </a:cxn>
-                  <a:cxn ang="0">
-                    <a:pos x="T42" y="T43"/>
-                  </a:cxn>
-                  <a:cxn ang="0">
-                    <a:pos x="T44" y="T45"/>
-                  </a:cxn>
-                  <a:cxn ang="0">
-                    <a:pos x="T46" y="T47"/>
-                  </a:cxn>
-                  <a:cxn ang="0">
-                    <a:pos x="T48" y="T49"/>
-                  </a:cxn>
-                  <a:cxn ang="0">
-                    <a:pos x="T50" y="T51"/>
-                  </a:cxn>
-                  <a:cxn ang="0">
-                    <a:pos x="T52" y="T53"/>
-                  </a:cxn>
-                  <a:cxn ang="0">
-                    <a:pos x="T54" y="T55"/>
-                  </a:cxn>
-                  <a:cxn ang="0">
-                    <a:pos x="T56" y="T57"/>
-                  </a:cxn>
-                  <a:cxn ang="0">
-                    <a:pos x="T58" y="T59"/>
-                  </a:cxn>
-                  <a:cxn ang="0">
-                    <a:pos x="T60" y="T61"/>
-                  </a:cxn>
-                  <a:cxn ang="0">
-                    <a:pos x="T62" y="T63"/>
-                  </a:cxn>
-                  <a:cxn ang="0">
-                    <a:pos x="T64" y="T65"/>
-                  </a:cxn>
-                  <a:cxn ang="0">
-                    <a:pos x="T66" y="T67"/>
-                  </a:cxn>
-                  <a:cxn ang="0">
-                    <a:pos x="T68" y="T69"/>
-                  </a:cxn>
-                  <a:cxn ang="0">
-                    <a:pos x="T70" y="T71"/>
-                  </a:cxn>
-                  <a:cxn ang="0">
-                    <a:pos x="T72" y="T73"/>
-                  </a:cxn>
-                  <a:cxn ang="0">
-                    <a:pos x="T74" y="T75"/>
-                  </a:cxn>
-                  <a:cxn ang="0">
-                    <a:pos x="T76" y="T77"/>
-                  </a:cxn>
-                  <a:cxn ang="0">
-                    <a:pos x="T78" y="T79"/>
-                  </a:cxn>
-                  <a:cxn ang="0">
-                    <a:pos x="T80" y="T81"/>
-                  </a:cxn>
-                  <a:cxn ang="0">
-                    <a:pos x="T82" y="T83"/>
-                  </a:cxn>
-                  <a:cxn ang="0">
-                    <a:pos x="T84" y="T85"/>
-                  </a:cxn>
-                  <a:cxn ang="0">
-                    <a:pos x="T86" y="T87"/>
-                  </a:cxn>
-                  <a:cxn ang="0">
-                    <a:pos x="T88" y="T89"/>
-                  </a:cxn>
-                  <a:cxn ang="0">
-                    <a:pos x="T90" y="T91"/>
-                  </a:cxn>
-                  <a:cxn ang="0">
-                    <a:pos x="T92" y="T93"/>
-                  </a:cxn>
-                  <a:cxn ang="0">
-                    <a:pos x="T94" y="T95"/>
-                  </a:cxn>
-                  <a:cxn ang="0">
-                    <a:pos x="T96" y="T97"/>
-                  </a:cxn>
-                  <a:cxn ang="0">
-                    <a:pos x="T98" y="T99"/>
-                  </a:cxn>
-                  <a:cxn ang="0">
-                    <a:pos x="T100" y="T101"/>
-                  </a:cxn>
-                  <a:cxn ang="0">
-                    <a:pos x="T102" y="T103"/>
-                  </a:cxn>
-                  <a:cxn ang="0">
-                    <a:pos x="T104" y="T105"/>
-                  </a:cxn>
-                  <a:cxn ang="0">
-                    <a:pos x="T106" y="T107"/>
-                  </a:cxn>
-                  <a:cxn ang="0">
-                    <a:pos x="T108" y="T109"/>
-                  </a:cxn>
-                  <a:cxn ang="0">
-                    <a:pos x="T110" y="T111"/>
-                  </a:cxn>
-                  <a:cxn ang="0">
-                    <a:pos x="T112" y="T113"/>
-                  </a:cxn>
-                </a:cxnLst>
-                <a:rect l="0" t="0" r="r" b="b"/>
-                <a:pathLst>
-                  <a:path w="720" h="720">
-                    <a:moveTo>
-                      <a:pt x="720" y="534"/>
-                    </a:moveTo>
-                    <a:cubicBezTo>
-                      <a:pt x="720" y="720"/>
-                      <a:pt x="720" y="720"/>
-                      <a:pt x="720" y="720"/>
-                    </a:cubicBezTo>
-                    <a:cubicBezTo>
-                      <a:pt x="720" y="720"/>
-                      <a:pt x="720" y="720"/>
-                      <a:pt x="720" y="720"/>
-                    </a:cubicBezTo>
-                    <a:cubicBezTo>
-                      <a:pt x="543" y="720"/>
-                      <a:pt x="543" y="720"/>
-                      <a:pt x="543" y="720"/>
-                    </a:cubicBezTo>
-                    <a:cubicBezTo>
-                      <a:pt x="540" y="720"/>
-                      <a:pt x="537" y="719"/>
-                      <a:pt x="534" y="719"/>
-                    </a:cubicBezTo>
-                    <a:cubicBezTo>
-                      <a:pt x="463" y="702"/>
-                      <a:pt x="496" y="678"/>
-                      <a:pt x="513" y="659"/>
-                    </a:cubicBezTo>
-                    <a:cubicBezTo>
-                      <a:pt x="531" y="639"/>
-                      <a:pt x="530" y="618"/>
-                      <a:pt x="530" y="618"/>
-                    </a:cubicBezTo>
-                    <a:cubicBezTo>
-                      <a:pt x="530" y="576"/>
-                      <a:pt x="495" y="541"/>
-                      <a:pt x="453" y="541"/>
-                    </a:cubicBezTo>
-                    <a:cubicBezTo>
-                      <a:pt x="411" y="541"/>
-                      <a:pt x="376" y="576"/>
-                      <a:pt x="376" y="618"/>
-                    </a:cubicBezTo>
-                    <a:cubicBezTo>
-                      <a:pt x="376" y="618"/>
-                      <a:pt x="375" y="639"/>
-                      <a:pt x="393" y="659"/>
-                    </a:cubicBezTo>
-                    <a:cubicBezTo>
-                      <a:pt x="410" y="678"/>
-                      <a:pt x="444" y="702"/>
-                      <a:pt x="372" y="719"/>
-                    </a:cubicBezTo>
-                    <a:cubicBezTo>
-                      <a:pt x="369" y="719"/>
-                      <a:pt x="366" y="720"/>
-                      <a:pt x="363" y="720"/>
-                    </a:cubicBezTo>
-                    <a:cubicBezTo>
-                      <a:pt x="178" y="720"/>
-                      <a:pt x="178" y="720"/>
-                      <a:pt x="178" y="720"/>
-                    </a:cubicBezTo>
-                    <a:cubicBezTo>
-                      <a:pt x="178" y="534"/>
-                      <a:pt x="178" y="534"/>
-                      <a:pt x="178" y="534"/>
-                    </a:cubicBezTo>
-                    <a:cubicBezTo>
-                      <a:pt x="178" y="531"/>
-                      <a:pt x="178" y="528"/>
-                      <a:pt x="177" y="526"/>
-                    </a:cubicBezTo>
-                    <a:cubicBezTo>
-                      <a:pt x="169" y="492"/>
-                      <a:pt x="160" y="482"/>
-                      <a:pt x="150" y="482"/>
-                    </a:cubicBezTo>
-                    <a:cubicBezTo>
-                      <a:pt x="139" y="482"/>
-                      <a:pt x="127" y="496"/>
-                      <a:pt x="117" y="505"/>
-                    </a:cubicBezTo>
-                    <a:cubicBezTo>
-                      <a:pt x="99" y="520"/>
-                      <a:pt x="81" y="521"/>
-                      <a:pt x="77" y="521"/>
-                    </a:cubicBezTo>
-                    <a:cubicBezTo>
-                      <a:pt x="77" y="521"/>
-                      <a:pt x="76" y="521"/>
-                      <a:pt x="76" y="521"/>
-                    </a:cubicBezTo>
-                    <a:cubicBezTo>
-                      <a:pt x="34" y="521"/>
-                      <a:pt x="0" y="487"/>
-                      <a:pt x="0" y="445"/>
-                    </a:cubicBezTo>
-                    <a:cubicBezTo>
-                      <a:pt x="0" y="402"/>
-                      <a:pt x="34" y="368"/>
-                      <a:pt x="76" y="368"/>
-                    </a:cubicBezTo>
-                    <a:cubicBezTo>
-                      <a:pt x="76" y="368"/>
-                      <a:pt x="76" y="368"/>
-                      <a:pt x="77" y="368"/>
-                    </a:cubicBezTo>
-                    <a:cubicBezTo>
-                      <a:pt x="81" y="368"/>
-                      <a:pt x="99" y="369"/>
-                      <a:pt x="117" y="384"/>
-                    </a:cubicBezTo>
-                    <a:cubicBezTo>
-                      <a:pt x="127" y="393"/>
-                      <a:pt x="139" y="407"/>
-                      <a:pt x="150" y="407"/>
-                    </a:cubicBezTo>
-                    <a:cubicBezTo>
-                      <a:pt x="160" y="407"/>
-                      <a:pt x="169" y="397"/>
-                      <a:pt x="177" y="364"/>
-                    </a:cubicBezTo>
-                    <a:cubicBezTo>
-                      <a:pt x="178" y="361"/>
-                      <a:pt x="178" y="358"/>
-                      <a:pt x="178" y="355"/>
-                    </a:cubicBezTo>
-                    <a:cubicBezTo>
-                      <a:pt x="178" y="178"/>
-                      <a:pt x="178" y="178"/>
-                      <a:pt x="178" y="178"/>
-                    </a:cubicBezTo>
-                    <a:cubicBezTo>
-                      <a:pt x="363" y="178"/>
-                      <a:pt x="363" y="178"/>
-                      <a:pt x="363" y="178"/>
-                    </a:cubicBezTo>
-                    <a:cubicBezTo>
-                      <a:pt x="367" y="178"/>
-                      <a:pt x="371" y="177"/>
-                      <a:pt x="374" y="177"/>
-                    </a:cubicBezTo>
-                    <a:cubicBezTo>
-                      <a:pt x="404" y="170"/>
-                      <a:pt x="419" y="161"/>
-                      <a:pt x="423" y="148"/>
-                    </a:cubicBezTo>
-                    <a:cubicBezTo>
-                      <a:pt x="428" y="134"/>
-                      <a:pt x="416" y="121"/>
-                      <a:pt x="405" y="110"/>
-                    </a:cubicBezTo>
-                    <a:cubicBezTo>
-                      <a:pt x="403" y="107"/>
-                      <a:pt x="401" y="105"/>
-                      <a:pt x="399" y="103"/>
-                    </a:cubicBezTo>
-                    <a:cubicBezTo>
-                      <a:pt x="384" y="86"/>
-                      <a:pt x="385" y="69"/>
-                      <a:pt x="385" y="68"/>
-                    </a:cubicBezTo>
-                    <a:cubicBezTo>
-                      <a:pt x="385" y="30"/>
-                      <a:pt x="415" y="0"/>
-                      <a:pt x="453" y="0"/>
-                    </a:cubicBezTo>
-                    <a:cubicBezTo>
-                      <a:pt x="491" y="0"/>
-                      <a:pt x="521" y="30"/>
-                      <a:pt x="521" y="68"/>
-                    </a:cubicBezTo>
-                    <a:cubicBezTo>
-                      <a:pt x="521" y="68"/>
-                      <a:pt x="521" y="68"/>
-                      <a:pt x="521" y="68"/>
-                    </a:cubicBezTo>
-                    <a:cubicBezTo>
-                      <a:pt x="521" y="69"/>
-                      <a:pt x="522" y="86"/>
-                      <a:pt x="507" y="103"/>
-                    </a:cubicBezTo>
-                    <a:cubicBezTo>
-                      <a:pt x="505" y="105"/>
-                      <a:pt x="503" y="107"/>
-                      <a:pt x="501" y="110"/>
-                    </a:cubicBezTo>
-                    <a:cubicBezTo>
-                      <a:pt x="490" y="121"/>
-                      <a:pt x="479" y="134"/>
-                      <a:pt x="483" y="148"/>
-                    </a:cubicBezTo>
-                    <a:cubicBezTo>
-                      <a:pt x="487" y="161"/>
-                      <a:pt x="502" y="170"/>
-                      <a:pt x="532" y="177"/>
-                    </a:cubicBezTo>
-                    <a:cubicBezTo>
-                      <a:pt x="536" y="177"/>
-                      <a:pt x="539" y="178"/>
-                      <a:pt x="543" y="178"/>
-                    </a:cubicBezTo>
-                    <a:cubicBezTo>
-                      <a:pt x="720" y="178"/>
-                      <a:pt x="720" y="178"/>
-                      <a:pt x="720" y="178"/>
-                    </a:cubicBezTo>
-                    <a:cubicBezTo>
-                      <a:pt x="720" y="355"/>
-                      <a:pt x="720" y="355"/>
-                      <a:pt x="720" y="355"/>
-                    </a:cubicBezTo>
-                    <a:cubicBezTo>
-                      <a:pt x="720" y="357"/>
-                      <a:pt x="720" y="360"/>
-                      <a:pt x="719" y="362"/>
-                    </a:cubicBezTo>
-                    <a:cubicBezTo>
-                      <a:pt x="711" y="396"/>
-                      <a:pt x="703" y="399"/>
-                      <a:pt x="701" y="399"/>
-                    </a:cubicBezTo>
-                    <a:cubicBezTo>
-                      <a:pt x="695" y="399"/>
-                      <a:pt x="687" y="391"/>
-                      <a:pt x="680" y="385"/>
-                    </a:cubicBezTo>
-                    <a:cubicBezTo>
-                      <a:pt x="677" y="382"/>
-                      <a:pt x="675" y="380"/>
-                      <a:pt x="672" y="378"/>
-                    </a:cubicBezTo>
-                    <a:cubicBezTo>
-                      <a:pt x="653" y="361"/>
-                      <a:pt x="633" y="360"/>
-                      <a:pt x="627" y="360"/>
-                    </a:cubicBezTo>
-                    <a:cubicBezTo>
-                      <a:pt x="626" y="360"/>
-                      <a:pt x="626" y="360"/>
-                      <a:pt x="626" y="360"/>
-                    </a:cubicBezTo>
-                    <a:cubicBezTo>
-                      <a:pt x="580" y="360"/>
-                      <a:pt x="541" y="398"/>
-                      <a:pt x="541" y="445"/>
-                    </a:cubicBezTo>
-                    <a:cubicBezTo>
-                      <a:pt x="541" y="491"/>
-                      <a:pt x="580" y="530"/>
-                      <a:pt x="626" y="530"/>
-                    </a:cubicBezTo>
-                    <a:cubicBezTo>
-                      <a:pt x="627" y="530"/>
-                      <a:pt x="627" y="530"/>
-                      <a:pt x="627" y="530"/>
-                    </a:cubicBezTo>
-                    <a:cubicBezTo>
-                      <a:pt x="633" y="530"/>
-                      <a:pt x="653" y="528"/>
-                      <a:pt x="673" y="511"/>
-                    </a:cubicBezTo>
-                    <a:cubicBezTo>
-                      <a:pt x="675" y="509"/>
-                      <a:pt x="677" y="507"/>
-                      <a:pt x="680" y="505"/>
-                    </a:cubicBezTo>
-                    <a:cubicBezTo>
-                      <a:pt x="687" y="498"/>
-                      <a:pt x="695" y="490"/>
-                      <a:pt x="701" y="490"/>
-                    </a:cubicBezTo>
-                    <a:cubicBezTo>
-                      <a:pt x="703" y="490"/>
-                      <a:pt x="711" y="493"/>
-                      <a:pt x="719" y="527"/>
-                    </a:cubicBezTo>
-                    <a:cubicBezTo>
-                      <a:pt x="720" y="530"/>
-                      <a:pt x="720" y="532"/>
-                      <a:pt x="720" y="534"/>
-                    </a:cubicBezTo>
-                    <a:close/>
-                  </a:path>
-                </a:pathLst>
-              </a:custGeom>
-              <a:solidFill>
-                <a:schemeClr val="accent1"/>
-              </a:solidFill>
-              <a:ln>
-                <a:noFill/>
-              </a:ln>
-            </p:spPr>
-            <p:txBody>
-              <a:bodyPr vert="horz" wrap="square" lIns="91412" tIns="45706" rIns="91412" bIns="45706" numCol="1" anchor="t" anchorCtr="0" compatLnSpc="1"/>
-              <a:lstStyle/>
-              <a:p>
-                <a:pPr>
-                  <a:lnSpc>
-                    <a:spcPct val="140000"/>
-                  </a:lnSpc>
-                </a:pPr>
-                <a:endParaRPr lang="ko-KR" altLang="en-US" sz="2400" dirty="0">
-                  <a:solidFill>
-                    <a:schemeClr val="tx1">
-                      <a:lumMod val="75000"/>
-                      <a:lumOff val="25000"/>
-                    </a:schemeClr>
-                  </a:solidFill>
-                  <a:cs typeface="+mn-ea"/>
-                  <a:sym typeface="+mn-lt"/>
-                </a:endParaRPr>
-              </a:p>
-            </p:txBody>
-          </p:sp>
-          <p:grpSp>
-            <p:nvGrpSpPr>
-              <p:cNvPr id="28" name="Group 336"/>
-              <p:cNvGrpSpPr/>
-              <p:nvPr/>
-            </p:nvGrpSpPr>
-            <p:grpSpPr bwMode="auto">
-              <a:xfrm>
-                <a:off x="7832804" y="4381136"/>
-                <a:ext cx="343885" cy="343885"/>
-                <a:chOff x="0" y="0"/>
-                <a:chExt cx="573" cy="574"/>
-              </a:xfrm>
-              <a:grpFill/>
-            </p:grpSpPr>
-            <p:sp>
-              <p:nvSpPr>
-                <p:cNvPr id="4" name="AutoShape 334"/>
-                <p:cNvSpPr/>
-                <p:nvPr/>
-              </p:nvSpPr>
-              <p:spPr bwMode="auto">
-                <a:xfrm>
-                  <a:off x="0" y="104"/>
-                  <a:ext cx="470" cy="470"/>
-                </a:xfrm>
-                <a:custGeom>
-                  <a:avLst/>
-                  <a:gdLst>
-                    <a:gd name="T0" fmla="*/ 0 w 21600"/>
-                    <a:gd name="T1" fmla="*/ 0 h 21600"/>
-                    <a:gd name="T2" fmla="*/ 0 w 21600"/>
-                    <a:gd name="T3" fmla="*/ 0 h 21600"/>
-                    <a:gd name="T4" fmla="*/ 0 w 21600"/>
-                    <a:gd name="T5" fmla="*/ 0 h 21600"/>
-                    <a:gd name="T6" fmla="*/ 0 w 21600"/>
-                    <a:gd name="T7" fmla="*/ 0 h 21600"/>
-                    <a:gd name="T8" fmla="*/ 0 w 21600"/>
-                    <a:gd name="T9" fmla="*/ 0 h 21600"/>
-                    <a:gd name="T10" fmla="*/ 0 w 21600"/>
-                    <a:gd name="T11" fmla="*/ 0 h 21600"/>
-                    <a:gd name="T12" fmla="*/ 0 w 21600"/>
-                    <a:gd name="T13" fmla="*/ 0 h 21600"/>
-                    <a:gd name="T14" fmla="*/ 0 w 21600"/>
-                    <a:gd name="T15" fmla="*/ 0 h 21600"/>
-                    <a:gd name="T16" fmla="*/ 0 w 21600"/>
-                    <a:gd name="T17" fmla="*/ 0 h 21600"/>
-                    <a:gd name="T18" fmla="*/ 0 w 21600"/>
-                    <a:gd name="T19" fmla="*/ 0 h 21600"/>
-                    <a:gd name="T20" fmla="*/ 0 w 21600"/>
-                    <a:gd name="T21" fmla="*/ 0 h 21600"/>
-                    <a:gd name="T22" fmla="*/ 0 w 21600"/>
-                    <a:gd name="T23" fmla="*/ 0 h 21600"/>
-                    <a:gd name="T24" fmla="*/ 0 w 21600"/>
-                    <a:gd name="T25" fmla="*/ 0 h 21600"/>
-                    <a:gd name="T26" fmla="*/ 0 w 21600"/>
-                    <a:gd name="T27" fmla="*/ 0 h 21600"/>
-                    <a:gd name="T28" fmla="*/ 0 w 21600"/>
-                    <a:gd name="T29" fmla="*/ 0 h 21600"/>
-                    <a:gd name="T30" fmla="*/ 0 w 21600"/>
-                    <a:gd name="T31" fmla="*/ 0 h 21600"/>
-                    <a:gd name="T32" fmla="*/ 0 w 21600"/>
-                    <a:gd name="T33" fmla="*/ 0 h 21600"/>
-                    <a:gd name="T34" fmla="*/ 0 w 21600"/>
-                    <a:gd name="T35" fmla="*/ 0 h 21600"/>
-                    <a:gd name="T36" fmla="*/ 0 w 21600"/>
-                    <a:gd name="T37" fmla="*/ 0 h 21600"/>
-                    <a:gd name="T38" fmla="*/ 0 w 21600"/>
-                    <a:gd name="T39" fmla="*/ 0 h 21600"/>
-                    <a:gd name="T40" fmla="*/ 0 60000 65536"/>
-                    <a:gd name="T41" fmla="*/ 0 60000 65536"/>
-                    <a:gd name="T42" fmla="*/ 0 60000 65536"/>
-                    <a:gd name="T43" fmla="*/ 0 60000 65536"/>
-                    <a:gd name="T44" fmla="*/ 0 60000 65536"/>
-                    <a:gd name="T45" fmla="*/ 0 60000 65536"/>
-                    <a:gd name="T46" fmla="*/ 0 60000 65536"/>
-                    <a:gd name="T47" fmla="*/ 0 60000 65536"/>
-                    <a:gd name="T48" fmla="*/ 0 60000 65536"/>
-                    <a:gd name="T49" fmla="*/ 0 60000 65536"/>
-                    <a:gd name="T50" fmla="*/ 0 60000 65536"/>
-                    <a:gd name="T51" fmla="*/ 0 60000 65536"/>
-                    <a:gd name="T52" fmla="*/ 0 60000 65536"/>
-                    <a:gd name="T53" fmla="*/ 0 60000 65536"/>
-                    <a:gd name="T54" fmla="*/ 0 60000 65536"/>
-                    <a:gd name="T55" fmla="*/ 0 60000 65536"/>
-                    <a:gd name="T56" fmla="*/ 0 60000 65536"/>
-                    <a:gd name="T57" fmla="*/ 0 60000 65536"/>
-                    <a:gd name="T58" fmla="*/ 0 60000 65536"/>
-                    <a:gd name="T59" fmla="*/ 0 60000 65536"/>
-                  </a:gdLst>
-                  <a:ahLst/>
-                  <a:cxnLst>
-                    <a:cxn ang="T40">
-                      <a:pos x="T0" y="T1"/>
-                    </a:cxn>
-                    <a:cxn ang="T41">
-                      <a:pos x="T2" y="T3"/>
-                    </a:cxn>
-                    <a:cxn ang="T42">
-                      <a:pos x="T4" y="T5"/>
-                    </a:cxn>
-                    <a:cxn ang="T43">
-                      <a:pos x="T6" y="T7"/>
-                    </a:cxn>
-                    <a:cxn ang="T44">
-                      <a:pos x="T8" y="T9"/>
-                    </a:cxn>
-                    <a:cxn ang="T45">
-                      <a:pos x="T10" y="T11"/>
-                    </a:cxn>
-                    <a:cxn ang="T46">
-                      <a:pos x="T12" y="T13"/>
-                    </a:cxn>
-                    <a:cxn ang="T47">
-                      <a:pos x="T14" y="T15"/>
-                    </a:cxn>
-                    <a:cxn ang="T48">
-                      <a:pos x="T16" y="T17"/>
-                    </a:cxn>
-                    <a:cxn ang="T49">
-                      <a:pos x="T18" y="T19"/>
-                    </a:cxn>
-                    <a:cxn ang="T50">
-                      <a:pos x="T20" y="T21"/>
-                    </a:cxn>
-                    <a:cxn ang="T51">
-                      <a:pos x="T22" y="T23"/>
-                    </a:cxn>
-                    <a:cxn ang="T52">
-                      <a:pos x="T24" y="T25"/>
-                    </a:cxn>
-                    <a:cxn ang="T53">
-                      <a:pos x="T26" y="T27"/>
-                    </a:cxn>
-                    <a:cxn ang="T54">
-                      <a:pos x="T28" y="T29"/>
-                    </a:cxn>
-                    <a:cxn ang="T55">
-                      <a:pos x="T30" y="T31"/>
-                    </a:cxn>
-                    <a:cxn ang="T56">
-                      <a:pos x="T32" y="T33"/>
-                    </a:cxn>
-                    <a:cxn ang="T57">
-                      <a:pos x="T34" y="T35"/>
-                    </a:cxn>
-                    <a:cxn ang="T58">
-                      <a:pos x="T36" y="T37"/>
-                    </a:cxn>
-                    <a:cxn ang="T59">
-                      <a:pos x="T38" y="T39"/>
-                    </a:cxn>
-                  </a:cxnLst>
-                  <a:rect l="0" t="0" r="r" b="b"/>
-                  <a:pathLst>
-                    <a:path w="21600" h="21600">
-                      <a:moveTo>
-                        <a:pt x="16781" y="0"/>
-                      </a:moveTo>
-                      <a:lnTo>
-                        <a:pt x="2322" y="14460"/>
-                      </a:lnTo>
-                      <a:lnTo>
-                        <a:pt x="2320" y="14460"/>
-                      </a:lnTo>
-                      <a:lnTo>
-                        <a:pt x="2320" y="14462"/>
-                      </a:lnTo>
-                      <a:lnTo>
-                        <a:pt x="2319" y="14462"/>
-                      </a:lnTo>
-                      <a:lnTo>
-                        <a:pt x="2320" y="14462"/>
-                      </a:lnTo>
-                      <a:lnTo>
-                        <a:pt x="0" y="21600"/>
-                      </a:lnTo>
-                      <a:lnTo>
-                        <a:pt x="7138" y="19281"/>
-                      </a:lnTo>
-                      <a:lnTo>
-                        <a:pt x="7138" y="19282"/>
-                      </a:lnTo>
-                      <a:lnTo>
-                        <a:pt x="7139" y="19281"/>
-                      </a:lnTo>
-                      <a:lnTo>
-                        <a:pt x="7140" y="19281"/>
-                      </a:lnTo>
-                      <a:lnTo>
-                        <a:pt x="7140" y="19280"/>
-                      </a:lnTo>
-                      <a:lnTo>
-                        <a:pt x="21600" y="4819"/>
-                      </a:lnTo>
-                      <a:lnTo>
-                        <a:pt x="16781" y="0"/>
-                      </a:lnTo>
-                      <a:close/>
-                      <a:moveTo>
-                        <a:pt x="5635" y="15236"/>
-                      </a:moveTo>
-                      <a:lnTo>
-                        <a:pt x="4841" y="14442"/>
-                      </a:lnTo>
-                      <a:lnTo>
-                        <a:pt x="16794" y="2489"/>
-                      </a:lnTo>
-                      <a:lnTo>
-                        <a:pt x="17588" y="3282"/>
-                      </a:lnTo>
-                      <a:lnTo>
-                        <a:pt x="5635" y="15236"/>
-                      </a:lnTo>
-                      <a:close/>
-                      <a:moveTo>
-                        <a:pt x="5635" y="15236"/>
-                      </a:moveTo>
-                    </a:path>
-                  </a:pathLst>
-                </a:custGeom>
-                <a:solidFill>
-                  <a:schemeClr val="bg1"/>
-                </a:solidFill>
-                <a:ln>
-                  <a:noFill/>
-                </a:ln>
-              </p:spPr>
-              <p:txBody>
-                <a:bodyPr lIns="0" tIns="0" rIns="0" bIns="0"/>
-                <a:lstStyle/>
-                <a:p>
-                  <a:pPr>
-                    <a:lnSpc>
-                      <a:spcPct val="140000"/>
-                    </a:lnSpc>
-                  </a:pPr>
-                  <a:endParaRPr lang="en-US" sz="2400" dirty="0">
-                    <a:solidFill>
-                      <a:schemeClr val="tx1">
-                        <a:lumMod val="75000"/>
-                        <a:lumOff val="25000"/>
-                      </a:schemeClr>
-                    </a:solidFill>
-                    <a:cs typeface="+mn-ea"/>
-                    <a:sym typeface="+mn-lt"/>
-                  </a:endParaRPr>
-                </a:p>
-              </p:txBody>
-            </p:sp>
-            <p:sp>
-              <p:nvSpPr>
-                <p:cNvPr id="30" name="AutoShape 335"/>
-                <p:cNvSpPr/>
-                <p:nvPr/>
-              </p:nvSpPr>
-              <p:spPr bwMode="auto">
-                <a:xfrm>
-                  <a:off x="400" y="0"/>
-                  <a:ext cx="173" cy="173"/>
-                </a:xfrm>
-                <a:custGeom>
-                  <a:avLst/>
-                  <a:gdLst>
-                    <a:gd name="T0" fmla="*/ 0 w 21600"/>
-                    <a:gd name="T1" fmla="*/ 0 h 21600"/>
-                    <a:gd name="T2" fmla="*/ 0 w 21600"/>
-                    <a:gd name="T3" fmla="*/ 0 h 21600"/>
-                    <a:gd name="T4" fmla="*/ 0 w 21600"/>
-                    <a:gd name="T5" fmla="*/ 0 h 21600"/>
-                    <a:gd name="T6" fmla="*/ 0 w 21600"/>
-                    <a:gd name="T7" fmla="*/ 0 h 21600"/>
-                    <a:gd name="T8" fmla="*/ 0 w 21600"/>
-                    <a:gd name="T9" fmla="*/ 0 h 21600"/>
-                    <a:gd name="T10" fmla="*/ 0 w 21600"/>
-                    <a:gd name="T11" fmla="*/ 0 h 21600"/>
-                    <a:gd name="T12" fmla="*/ 0 60000 65536"/>
-                    <a:gd name="T13" fmla="*/ 0 60000 65536"/>
-                    <a:gd name="T14" fmla="*/ 0 60000 65536"/>
-                    <a:gd name="T15" fmla="*/ 0 60000 65536"/>
-                    <a:gd name="T16" fmla="*/ 0 60000 65536"/>
-                    <a:gd name="T17" fmla="*/ 0 60000 65536"/>
-                  </a:gdLst>
-                  <a:ahLst/>
-                  <a:cxnLst>
-                    <a:cxn ang="T12">
-                      <a:pos x="T0" y="T1"/>
-                    </a:cxn>
-                    <a:cxn ang="T13">
-                      <a:pos x="T2" y="T3"/>
-                    </a:cxn>
-                    <a:cxn ang="T14">
-                      <a:pos x="T4" y="T5"/>
-                    </a:cxn>
-                    <a:cxn ang="T15">
-                      <a:pos x="T6" y="T7"/>
-                    </a:cxn>
-                    <a:cxn ang="T16">
-                      <a:pos x="T8" y="T9"/>
-                    </a:cxn>
-                    <a:cxn ang="T17">
-                      <a:pos x="T10" y="T11"/>
-                    </a:cxn>
-                  </a:cxnLst>
-                  <a:rect l="0" t="0" r="r" b="b"/>
-                  <a:pathLst>
-                    <a:path w="21600" h="21600">
-                      <a:moveTo>
-                        <a:pt x="0" y="8577"/>
-                      </a:moveTo>
-                      <a:lnTo>
-                        <a:pt x="8574" y="0"/>
-                      </a:lnTo>
-                      <a:lnTo>
-                        <a:pt x="21600" y="13023"/>
-                      </a:lnTo>
-                      <a:lnTo>
-                        <a:pt x="13026" y="21600"/>
-                      </a:lnTo>
-                      <a:lnTo>
-                        <a:pt x="0" y="8577"/>
-                      </a:lnTo>
-                      <a:close/>
-                      <a:moveTo>
-                        <a:pt x="0" y="8577"/>
-                      </a:moveTo>
-                    </a:path>
-                  </a:pathLst>
-                </a:custGeom>
-                <a:solidFill>
-                  <a:schemeClr val="bg1"/>
-                </a:solidFill>
-                <a:ln>
-                  <a:noFill/>
-                </a:ln>
-              </p:spPr>
-              <p:txBody>
-                <a:bodyPr lIns="0" tIns="0" rIns="0" bIns="0"/>
-                <a:lstStyle/>
-                <a:p>
-                  <a:pPr>
-                    <a:lnSpc>
-                      <a:spcPct val="140000"/>
-                    </a:lnSpc>
-                  </a:pPr>
-                  <a:endParaRPr lang="en-US" sz="2400" dirty="0">
-                    <a:solidFill>
-                      <a:schemeClr val="tx1">
-                        <a:lumMod val="75000"/>
-                        <a:lumOff val="25000"/>
-                      </a:schemeClr>
-                    </a:solidFill>
-                    <a:cs typeface="+mn-ea"/>
-                    <a:sym typeface="+mn-lt"/>
-                  </a:endParaRPr>
-                </a:p>
-              </p:txBody>
-            </p:sp>
-          </p:grpSp>
-          <p:sp>
-            <p:nvSpPr>
-              <p:cNvPr id="32" name="Freeform 8"/>
-              <p:cNvSpPr/>
-              <p:nvPr/>
-            </p:nvSpPr>
-            <p:spPr bwMode="auto">
-              <a:xfrm rot="18900000">
-                <a:off x="6693740" y="2710813"/>
-                <a:ext cx="1514767" cy="1514767"/>
-              </a:xfrm>
-              <a:custGeom>
-                <a:avLst/>
-                <a:gdLst>
-                  <a:gd name="T0" fmla="*/ 720 w 720"/>
-                  <a:gd name="T1" fmla="*/ 453 h 720"/>
-                  <a:gd name="T2" fmla="*/ 652 w 720"/>
-                  <a:gd name="T3" fmla="*/ 522 h 720"/>
-                  <a:gd name="T4" fmla="*/ 652 w 720"/>
-                  <a:gd name="T5" fmla="*/ 522 h 720"/>
-                  <a:gd name="T6" fmla="*/ 639 w 720"/>
-                  <a:gd name="T7" fmla="*/ 520 h 720"/>
-                  <a:gd name="T8" fmla="*/ 617 w 720"/>
-                  <a:gd name="T9" fmla="*/ 507 h 720"/>
-                  <a:gd name="T10" fmla="*/ 610 w 720"/>
-                  <a:gd name="T11" fmla="*/ 501 h 720"/>
-                  <a:gd name="T12" fmla="*/ 578 w 720"/>
-                  <a:gd name="T13" fmla="*/ 482 h 720"/>
-                  <a:gd name="T14" fmla="*/ 543 w 720"/>
-                  <a:gd name="T15" fmla="*/ 532 h 720"/>
-                  <a:gd name="T16" fmla="*/ 542 w 720"/>
-                  <a:gd name="T17" fmla="*/ 543 h 720"/>
-                  <a:gd name="T18" fmla="*/ 542 w 720"/>
-                  <a:gd name="T19" fmla="*/ 720 h 720"/>
-                  <a:gd name="T20" fmla="*/ 542 w 720"/>
-                  <a:gd name="T21" fmla="*/ 720 h 720"/>
-                  <a:gd name="T22" fmla="*/ 542 w 720"/>
-                  <a:gd name="T23" fmla="*/ 720 h 720"/>
-                  <a:gd name="T24" fmla="*/ 365 w 720"/>
-                  <a:gd name="T25" fmla="*/ 720 h 720"/>
-                  <a:gd name="T26" fmla="*/ 358 w 720"/>
-                  <a:gd name="T27" fmla="*/ 719 h 720"/>
-                  <a:gd name="T28" fmla="*/ 321 w 720"/>
-                  <a:gd name="T29" fmla="*/ 702 h 720"/>
-                  <a:gd name="T30" fmla="*/ 335 w 720"/>
-                  <a:gd name="T31" fmla="*/ 680 h 720"/>
-                  <a:gd name="T32" fmla="*/ 342 w 720"/>
-                  <a:gd name="T33" fmla="*/ 673 h 720"/>
-                  <a:gd name="T34" fmla="*/ 360 w 720"/>
-                  <a:gd name="T35" fmla="*/ 627 h 720"/>
-                  <a:gd name="T36" fmla="*/ 275 w 720"/>
-                  <a:gd name="T37" fmla="*/ 542 h 720"/>
-                  <a:gd name="T38" fmla="*/ 190 w 720"/>
-                  <a:gd name="T39" fmla="*/ 627 h 720"/>
-                  <a:gd name="T40" fmla="*/ 208 w 720"/>
-                  <a:gd name="T41" fmla="*/ 673 h 720"/>
-                  <a:gd name="T42" fmla="*/ 215 w 720"/>
-                  <a:gd name="T43" fmla="*/ 680 h 720"/>
-                  <a:gd name="T44" fmla="*/ 229 w 720"/>
-                  <a:gd name="T45" fmla="*/ 702 h 720"/>
-                  <a:gd name="T46" fmla="*/ 192 w 720"/>
-                  <a:gd name="T47" fmla="*/ 719 h 720"/>
-                  <a:gd name="T48" fmla="*/ 185 w 720"/>
-                  <a:gd name="T49" fmla="*/ 720 h 720"/>
-                  <a:gd name="T50" fmla="*/ 0 w 720"/>
-                  <a:gd name="T51" fmla="*/ 720 h 720"/>
-                  <a:gd name="T52" fmla="*/ 0 w 720"/>
-                  <a:gd name="T53" fmla="*/ 543 h 720"/>
-                  <a:gd name="T54" fmla="*/ 1 w 720"/>
-                  <a:gd name="T55" fmla="*/ 534 h 720"/>
-                  <a:gd name="T56" fmla="*/ 28 w 720"/>
-                  <a:gd name="T57" fmla="*/ 491 h 720"/>
-                  <a:gd name="T58" fmla="*/ 61 w 720"/>
-                  <a:gd name="T59" fmla="*/ 514 h 720"/>
-                  <a:gd name="T60" fmla="*/ 101 w 720"/>
-                  <a:gd name="T61" fmla="*/ 530 h 720"/>
-                  <a:gd name="T62" fmla="*/ 102 w 720"/>
-                  <a:gd name="T63" fmla="*/ 530 h 720"/>
-                  <a:gd name="T64" fmla="*/ 178 w 720"/>
-                  <a:gd name="T65" fmla="*/ 453 h 720"/>
-                  <a:gd name="T66" fmla="*/ 102 w 720"/>
-                  <a:gd name="T67" fmla="*/ 377 h 720"/>
-                  <a:gd name="T68" fmla="*/ 101 w 720"/>
-                  <a:gd name="T69" fmla="*/ 377 h 720"/>
-                  <a:gd name="T70" fmla="*/ 61 w 720"/>
-                  <a:gd name="T71" fmla="*/ 393 h 720"/>
-                  <a:gd name="T72" fmla="*/ 28 w 720"/>
-                  <a:gd name="T73" fmla="*/ 416 h 720"/>
-                  <a:gd name="T74" fmla="*/ 1 w 720"/>
-                  <a:gd name="T75" fmla="*/ 373 h 720"/>
-                  <a:gd name="T76" fmla="*/ 0 w 720"/>
-                  <a:gd name="T77" fmla="*/ 364 h 720"/>
-                  <a:gd name="T78" fmla="*/ 0 w 720"/>
-                  <a:gd name="T79" fmla="*/ 178 h 720"/>
-                  <a:gd name="T80" fmla="*/ 185 w 720"/>
-                  <a:gd name="T81" fmla="*/ 178 h 720"/>
-                  <a:gd name="T82" fmla="*/ 194 w 720"/>
-                  <a:gd name="T83" fmla="*/ 177 h 720"/>
-                  <a:gd name="T84" fmla="*/ 215 w 720"/>
-                  <a:gd name="T85" fmla="*/ 117 h 720"/>
-                  <a:gd name="T86" fmla="*/ 198 w 720"/>
-                  <a:gd name="T87" fmla="*/ 77 h 720"/>
-                  <a:gd name="T88" fmla="*/ 275 w 720"/>
-                  <a:gd name="T89" fmla="*/ 0 h 720"/>
-                  <a:gd name="T90" fmla="*/ 352 w 720"/>
-                  <a:gd name="T91" fmla="*/ 77 h 720"/>
-                  <a:gd name="T92" fmla="*/ 335 w 720"/>
-                  <a:gd name="T93" fmla="*/ 117 h 720"/>
-                  <a:gd name="T94" fmla="*/ 356 w 720"/>
-                  <a:gd name="T95" fmla="*/ 177 h 720"/>
-                  <a:gd name="T96" fmla="*/ 365 w 720"/>
-                  <a:gd name="T97" fmla="*/ 178 h 720"/>
-                  <a:gd name="T98" fmla="*/ 542 w 720"/>
-                  <a:gd name="T99" fmla="*/ 178 h 720"/>
-                  <a:gd name="T100" fmla="*/ 542 w 720"/>
-                  <a:gd name="T101" fmla="*/ 364 h 720"/>
-                  <a:gd name="T102" fmla="*/ 543 w 720"/>
-                  <a:gd name="T103" fmla="*/ 374 h 720"/>
-                  <a:gd name="T104" fmla="*/ 578 w 720"/>
-                  <a:gd name="T105" fmla="*/ 424 h 720"/>
-                  <a:gd name="T106" fmla="*/ 610 w 720"/>
-                  <a:gd name="T107" fmla="*/ 406 h 720"/>
-                  <a:gd name="T108" fmla="*/ 617 w 720"/>
-                  <a:gd name="T109" fmla="*/ 399 h 720"/>
-                  <a:gd name="T110" fmla="*/ 651 w 720"/>
-                  <a:gd name="T111" fmla="*/ 385 h 720"/>
-                  <a:gd name="T112" fmla="*/ 652 w 720"/>
-                  <a:gd name="T113" fmla="*/ 385 h 720"/>
-                  <a:gd name="T114" fmla="*/ 720 w 720"/>
-                  <a:gd name="T115" fmla="*/ 453 h 720"/>
-                </a:gdLst>
-                <a:ahLst/>
-                <a:cxnLst>
-                  <a:cxn ang="0">
-                    <a:pos x="T0" y="T1"/>
-                  </a:cxn>
-                  <a:cxn ang="0">
-                    <a:pos x="T2" y="T3"/>
-                  </a:cxn>
-                  <a:cxn ang="0">
-                    <a:pos x="T4" y="T5"/>
-                  </a:cxn>
-                  <a:cxn ang="0">
-                    <a:pos x="T6" y="T7"/>
-                  </a:cxn>
-                  <a:cxn ang="0">
-                    <a:pos x="T8" y="T9"/>
-                  </a:cxn>
-                  <a:cxn ang="0">
-                    <a:pos x="T10" y="T11"/>
-                  </a:cxn>
-                  <a:cxn ang="0">
-                    <a:pos x="T12" y="T13"/>
-                  </a:cxn>
-                  <a:cxn ang="0">
-                    <a:pos x="T14" y="T15"/>
-                  </a:cxn>
-                  <a:cxn ang="0">
-                    <a:pos x="T16" y="T17"/>
-                  </a:cxn>
-                  <a:cxn ang="0">
-                    <a:pos x="T18" y="T19"/>
-                  </a:cxn>
-                  <a:cxn ang="0">
-                    <a:pos x="T20" y="T21"/>
-                  </a:cxn>
-                  <a:cxn ang="0">
-                    <a:pos x="T22" y="T23"/>
-                  </a:cxn>
-                  <a:cxn ang="0">
-                    <a:pos x="T24" y="T25"/>
-                  </a:cxn>
-                  <a:cxn ang="0">
-                    <a:pos x="T26" y="T27"/>
-                  </a:cxn>
-                  <a:cxn ang="0">
-                    <a:pos x="T28" y="T29"/>
-                  </a:cxn>
-                  <a:cxn ang="0">
-                    <a:pos x="T30" y="T31"/>
-                  </a:cxn>
-                  <a:cxn ang="0">
-                    <a:pos x="T32" y="T33"/>
-                  </a:cxn>
-                  <a:cxn ang="0">
-                    <a:pos x="T34" y="T35"/>
-                  </a:cxn>
-                  <a:cxn ang="0">
-                    <a:pos x="T36" y="T37"/>
-                  </a:cxn>
-                  <a:cxn ang="0">
-                    <a:pos x="T38" y="T39"/>
-                  </a:cxn>
-                  <a:cxn ang="0">
-                    <a:pos x="T40" y="T41"/>
-                  </a:cxn>
-                  <a:cxn ang="0">
-                    <a:pos x="T42" y="T43"/>
-                  </a:cxn>
-                  <a:cxn ang="0">
-                    <a:pos x="T44" y="T45"/>
-                  </a:cxn>
-                  <a:cxn ang="0">
-                    <a:pos x="T46" y="T47"/>
-                  </a:cxn>
-                  <a:cxn ang="0">
-                    <a:pos x="T48" y="T49"/>
-                  </a:cxn>
-                  <a:cxn ang="0">
-                    <a:pos x="T50" y="T51"/>
-                  </a:cxn>
-                  <a:cxn ang="0">
-                    <a:pos x="T52" y="T53"/>
-                  </a:cxn>
-                  <a:cxn ang="0">
-                    <a:pos x="T54" y="T55"/>
-                  </a:cxn>
-                  <a:cxn ang="0">
-                    <a:pos x="T56" y="T57"/>
-                  </a:cxn>
-                  <a:cxn ang="0">
-                    <a:pos x="T58" y="T59"/>
-                  </a:cxn>
-                  <a:cxn ang="0">
-                    <a:pos x="T60" y="T61"/>
-                  </a:cxn>
-                  <a:cxn ang="0">
-                    <a:pos x="T62" y="T63"/>
-                  </a:cxn>
-                  <a:cxn ang="0">
-                    <a:pos x="T64" y="T65"/>
-                  </a:cxn>
-                  <a:cxn ang="0">
-                    <a:pos x="T66" y="T67"/>
-                  </a:cxn>
-                  <a:cxn ang="0">
-                    <a:pos x="T68" y="T69"/>
-                  </a:cxn>
-                  <a:cxn ang="0">
-                    <a:pos x="T70" y="T71"/>
-                  </a:cxn>
-                  <a:cxn ang="0">
-                    <a:pos x="T72" y="T73"/>
-                  </a:cxn>
-                  <a:cxn ang="0">
-                    <a:pos x="T74" y="T75"/>
-                  </a:cxn>
-                  <a:cxn ang="0">
-                    <a:pos x="T76" y="T77"/>
-                  </a:cxn>
-                  <a:cxn ang="0">
-                    <a:pos x="T78" y="T79"/>
-                  </a:cxn>
-                  <a:cxn ang="0">
-                    <a:pos x="T80" y="T81"/>
-                  </a:cxn>
-                  <a:cxn ang="0">
-                    <a:pos x="T82" y="T83"/>
-                  </a:cxn>
-                  <a:cxn ang="0">
-                    <a:pos x="T84" y="T85"/>
-                  </a:cxn>
-                  <a:cxn ang="0">
-                    <a:pos x="T86" y="T87"/>
-                  </a:cxn>
-                  <a:cxn ang="0">
-                    <a:pos x="T88" y="T89"/>
-                  </a:cxn>
-                  <a:cxn ang="0">
-                    <a:pos x="T90" y="T91"/>
-                  </a:cxn>
-                  <a:cxn ang="0">
-                    <a:pos x="T92" y="T93"/>
-                  </a:cxn>
-                  <a:cxn ang="0">
-                    <a:pos x="T94" y="T95"/>
-                  </a:cxn>
-                  <a:cxn ang="0">
-                    <a:pos x="T96" y="T97"/>
-                  </a:cxn>
-                  <a:cxn ang="0">
-                    <a:pos x="T98" y="T99"/>
-                  </a:cxn>
-                  <a:cxn ang="0">
-                    <a:pos x="T100" y="T101"/>
-                  </a:cxn>
-                  <a:cxn ang="0">
-                    <a:pos x="T102" y="T103"/>
-                  </a:cxn>
-                  <a:cxn ang="0">
-                    <a:pos x="T104" y="T105"/>
-                  </a:cxn>
-                  <a:cxn ang="0">
-                    <a:pos x="T106" y="T107"/>
-                  </a:cxn>
-                  <a:cxn ang="0">
-                    <a:pos x="T108" y="T109"/>
-                  </a:cxn>
-                  <a:cxn ang="0">
-                    <a:pos x="T110" y="T111"/>
-                  </a:cxn>
-                  <a:cxn ang="0">
-                    <a:pos x="T112" y="T113"/>
-                  </a:cxn>
-                  <a:cxn ang="0">
-                    <a:pos x="T114" y="T115"/>
-                  </a:cxn>
-                </a:cxnLst>
-                <a:rect l="0" t="0" r="r" b="b"/>
-                <a:pathLst>
-                  <a:path w="720" h="720">
-                    <a:moveTo>
-                      <a:pt x="720" y="453"/>
-                    </a:moveTo>
-                    <a:cubicBezTo>
-                      <a:pt x="720" y="491"/>
-                      <a:pt x="690" y="522"/>
-                      <a:pt x="652" y="522"/>
-                    </a:cubicBezTo>
-                    <a:cubicBezTo>
-                      <a:pt x="652" y="522"/>
-                      <a:pt x="652" y="522"/>
-                      <a:pt x="652" y="522"/>
-                    </a:cubicBezTo>
-                    <a:cubicBezTo>
-                      <a:pt x="650" y="522"/>
-                      <a:pt x="645" y="522"/>
-                      <a:pt x="639" y="520"/>
-                    </a:cubicBezTo>
-                    <a:cubicBezTo>
-                      <a:pt x="633" y="518"/>
-                      <a:pt x="625" y="514"/>
-                      <a:pt x="617" y="507"/>
-                    </a:cubicBezTo>
-                    <a:cubicBezTo>
-                      <a:pt x="615" y="505"/>
-                      <a:pt x="612" y="503"/>
-                      <a:pt x="610" y="501"/>
-                    </a:cubicBezTo>
-                    <a:cubicBezTo>
-                      <a:pt x="600" y="492"/>
-                      <a:pt x="590" y="482"/>
-                      <a:pt x="578" y="482"/>
-                    </a:cubicBezTo>
-                    <a:cubicBezTo>
-                      <a:pt x="557" y="482"/>
-                      <a:pt x="549" y="509"/>
-                      <a:pt x="543" y="532"/>
-                    </a:cubicBezTo>
-                    <a:cubicBezTo>
-                      <a:pt x="542" y="536"/>
-                      <a:pt x="542" y="539"/>
-                      <a:pt x="542" y="543"/>
-                    </a:cubicBezTo>
-                    <a:cubicBezTo>
-                      <a:pt x="542" y="720"/>
-                      <a:pt x="542" y="720"/>
-                      <a:pt x="542" y="720"/>
-                    </a:cubicBezTo>
-                    <a:cubicBezTo>
-                      <a:pt x="542" y="720"/>
-                      <a:pt x="542" y="720"/>
-                      <a:pt x="542" y="720"/>
-                    </a:cubicBezTo>
-                    <a:cubicBezTo>
-                      <a:pt x="542" y="720"/>
-                      <a:pt x="542" y="720"/>
-                      <a:pt x="542" y="720"/>
-                    </a:cubicBezTo>
-                    <a:cubicBezTo>
-                      <a:pt x="365" y="720"/>
-                      <a:pt x="365" y="720"/>
-                      <a:pt x="365" y="720"/>
-                    </a:cubicBezTo>
-                    <a:cubicBezTo>
-                      <a:pt x="362" y="720"/>
-                      <a:pt x="360" y="720"/>
-                      <a:pt x="358" y="719"/>
-                    </a:cubicBezTo>
-                    <a:cubicBezTo>
-                      <a:pt x="326" y="712"/>
-                      <a:pt x="322" y="704"/>
-                      <a:pt x="321" y="702"/>
-                    </a:cubicBezTo>
-                    <a:cubicBezTo>
-                      <a:pt x="319" y="697"/>
-                      <a:pt x="328" y="687"/>
-                      <a:pt x="335" y="680"/>
-                    </a:cubicBezTo>
-                    <a:cubicBezTo>
-                      <a:pt x="337" y="678"/>
-                      <a:pt x="340" y="675"/>
-                      <a:pt x="342" y="673"/>
-                    </a:cubicBezTo>
-                    <a:cubicBezTo>
-                      <a:pt x="360" y="652"/>
-                      <a:pt x="360" y="630"/>
-                      <a:pt x="360" y="627"/>
-                    </a:cubicBezTo>
-                    <a:cubicBezTo>
-                      <a:pt x="360" y="580"/>
-                      <a:pt x="322" y="542"/>
-                      <a:pt x="275" y="542"/>
-                    </a:cubicBezTo>
-                    <a:cubicBezTo>
-                      <a:pt x="228" y="542"/>
-                      <a:pt x="190" y="580"/>
-                      <a:pt x="190" y="627"/>
-                    </a:cubicBezTo>
-                    <a:cubicBezTo>
-                      <a:pt x="190" y="630"/>
-                      <a:pt x="190" y="652"/>
-                      <a:pt x="208" y="673"/>
-                    </a:cubicBezTo>
-                    <a:cubicBezTo>
-                      <a:pt x="210" y="675"/>
-                      <a:pt x="213" y="678"/>
-                      <a:pt x="215" y="680"/>
-                    </a:cubicBezTo>
-                    <a:cubicBezTo>
-                      <a:pt x="222" y="687"/>
-                      <a:pt x="231" y="697"/>
-                      <a:pt x="229" y="702"/>
-                    </a:cubicBezTo>
-                    <a:cubicBezTo>
-                      <a:pt x="229" y="704"/>
-                      <a:pt x="224" y="712"/>
-                      <a:pt x="192" y="719"/>
-                    </a:cubicBezTo>
-                    <a:cubicBezTo>
-                      <a:pt x="190" y="720"/>
-                      <a:pt x="188" y="720"/>
-                      <a:pt x="185" y="720"/>
-                    </a:cubicBezTo>
-                    <a:cubicBezTo>
-                      <a:pt x="0" y="720"/>
-                      <a:pt x="0" y="720"/>
-                      <a:pt x="0" y="720"/>
-                    </a:cubicBezTo>
-                    <a:cubicBezTo>
-                      <a:pt x="0" y="543"/>
-                      <a:pt x="0" y="543"/>
-                      <a:pt x="0" y="543"/>
-                    </a:cubicBezTo>
-                    <a:cubicBezTo>
-                      <a:pt x="0" y="540"/>
-                      <a:pt x="0" y="537"/>
-                      <a:pt x="1" y="534"/>
-                    </a:cubicBezTo>
-                    <a:cubicBezTo>
-                      <a:pt x="9" y="501"/>
-                      <a:pt x="18" y="491"/>
-                      <a:pt x="28" y="491"/>
-                    </a:cubicBezTo>
-                    <a:cubicBezTo>
-                      <a:pt x="39" y="491"/>
-                      <a:pt x="51" y="505"/>
-                      <a:pt x="61" y="514"/>
-                    </a:cubicBezTo>
-                    <a:cubicBezTo>
-                      <a:pt x="79" y="529"/>
-                      <a:pt x="97" y="530"/>
-                      <a:pt x="101" y="530"/>
-                    </a:cubicBezTo>
-                    <a:cubicBezTo>
-                      <a:pt x="101" y="530"/>
-                      <a:pt x="102" y="530"/>
-                      <a:pt x="102" y="530"/>
-                    </a:cubicBezTo>
-                    <a:cubicBezTo>
-                      <a:pt x="144" y="530"/>
-                      <a:pt x="178" y="496"/>
-                      <a:pt x="178" y="453"/>
-                    </a:cubicBezTo>
-                    <a:cubicBezTo>
-                      <a:pt x="178" y="411"/>
-                      <a:pt x="144" y="377"/>
-                      <a:pt x="102" y="377"/>
-                    </a:cubicBezTo>
-                    <a:cubicBezTo>
-                      <a:pt x="102" y="377"/>
-                      <a:pt x="101" y="377"/>
-                      <a:pt x="101" y="377"/>
-                    </a:cubicBezTo>
-                    <a:cubicBezTo>
-                      <a:pt x="97" y="377"/>
-                      <a:pt x="79" y="378"/>
-                      <a:pt x="61" y="393"/>
-                    </a:cubicBezTo>
-                    <a:cubicBezTo>
-                      <a:pt x="51" y="402"/>
-                      <a:pt x="39" y="416"/>
-                      <a:pt x="28" y="416"/>
-                    </a:cubicBezTo>
-                    <a:cubicBezTo>
-                      <a:pt x="18" y="416"/>
-                      <a:pt x="9" y="406"/>
-                      <a:pt x="1" y="373"/>
-                    </a:cubicBezTo>
-                    <a:cubicBezTo>
-                      <a:pt x="0" y="370"/>
-                      <a:pt x="0" y="367"/>
-                      <a:pt x="0" y="364"/>
-                    </a:cubicBezTo>
-                    <a:cubicBezTo>
-                      <a:pt x="0" y="178"/>
-                      <a:pt x="0" y="178"/>
-                      <a:pt x="0" y="178"/>
-                    </a:cubicBezTo>
-                    <a:cubicBezTo>
-                      <a:pt x="185" y="178"/>
-                      <a:pt x="185" y="178"/>
-                      <a:pt x="185" y="178"/>
-                    </a:cubicBezTo>
-                    <a:cubicBezTo>
-                      <a:pt x="188" y="178"/>
-                      <a:pt x="191" y="178"/>
-                      <a:pt x="194" y="177"/>
-                    </a:cubicBezTo>
-                    <a:cubicBezTo>
-                      <a:pt x="266" y="161"/>
-                      <a:pt x="232" y="137"/>
-                      <a:pt x="215" y="117"/>
-                    </a:cubicBezTo>
-                    <a:cubicBezTo>
-                      <a:pt x="197" y="97"/>
-                      <a:pt x="198" y="77"/>
-                      <a:pt x="198" y="77"/>
-                    </a:cubicBezTo>
-                    <a:cubicBezTo>
-                      <a:pt x="198" y="34"/>
-                      <a:pt x="233" y="0"/>
-                      <a:pt x="275" y="0"/>
-                    </a:cubicBezTo>
-                    <a:cubicBezTo>
-                      <a:pt x="317" y="0"/>
-                      <a:pt x="352" y="34"/>
-                      <a:pt x="352" y="77"/>
-                    </a:cubicBezTo>
-                    <a:cubicBezTo>
-                      <a:pt x="352" y="77"/>
-                      <a:pt x="353" y="97"/>
-                      <a:pt x="335" y="117"/>
-                    </a:cubicBezTo>
-                    <a:cubicBezTo>
-                      <a:pt x="318" y="137"/>
-                      <a:pt x="285" y="161"/>
-                      <a:pt x="356" y="177"/>
-                    </a:cubicBezTo>
-                    <a:cubicBezTo>
-                      <a:pt x="359" y="178"/>
-                      <a:pt x="362" y="178"/>
-                      <a:pt x="365" y="178"/>
-                    </a:cubicBezTo>
-                    <a:cubicBezTo>
-                      <a:pt x="542" y="178"/>
-                      <a:pt x="542" y="178"/>
-                      <a:pt x="542" y="178"/>
-                    </a:cubicBezTo>
-                    <a:cubicBezTo>
-                      <a:pt x="542" y="364"/>
-                      <a:pt x="542" y="364"/>
-                      <a:pt x="542" y="364"/>
-                    </a:cubicBezTo>
-                    <a:cubicBezTo>
-                      <a:pt x="542" y="367"/>
-                      <a:pt x="542" y="371"/>
-                      <a:pt x="543" y="374"/>
-                    </a:cubicBezTo>
-                    <a:cubicBezTo>
-                      <a:pt x="549" y="398"/>
-                      <a:pt x="557" y="424"/>
-                      <a:pt x="578" y="424"/>
-                    </a:cubicBezTo>
-                    <a:cubicBezTo>
-                      <a:pt x="590" y="424"/>
-                      <a:pt x="600" y="415"/>
-                      <a:pt x="610" y="406"/>
-                    </a:cubicBezTo>
-                    <a:cubicBezTo>
-                      <a:pt x="612" y="403"/>
-                      <a:pt x="615" y="401"/>
-                      <a:pt x="617" y="399"/>
-                    </a:cubicBezTo>
-                    <a:cubicBezTo>
-                      <a:pt x="633" y="386"/>
-                      <a:pt x="648" y="385"/>
-                      <a:pt x="651" y="385"/>
-                    </a:cubicBezTo>
-                    <a:cubicBezTo>
-                      <a:pt x="652" y="385"/>
-                      <a:pt x="652" y="385"/>
-                      <a:pt x="652" y="385"/>
-                    </a:cubicBezTo>
-                    <a:cubicBezTo>
-                      <a:pt x="690" y="385"/>
-                      <a:pt x="720" y="416"/>
-                      <a:pt x="720" y="453"/>
-                    </a:cubicBezTo>
-                    <a:close/>
-                  </a:path>
-                </a:pathLst>
-              </a:custGeom>
-              <a:solidFill>
-                <a:schemeClr val="accent2"/>
-              </a:solidFill>
-              <a:ln>
-                <a:noFill/>
-              </a:ln>
-            </p:spPr>
-            <p:txBody>
-              <a:bodyPr vert="horz" wrap="square" lIns="91412" tIns="45706" rIns="91412" bIns="45706" numCol="1" anchor="t" anchorCtr="0" compatLnSpc="1"/>
-              <a:lstStyle/>
-              <a:p>
-                <a:pPr>
-                  <a:lnSpc>
-                    <a:spcPct val="140000"/>
-                  </a:lnSpc>
-                </a:pPr>
-                <a:endParaRPr lang="ko-KR" altLang="en-US" sz="2400" dirty="0">
-                  <a:solidFill>
-                    <a:schemeClr val="tx1">
-                      <a:lumMod val="75000"/>
-                      <a:lumOff val="25000"/>
-                    </a:schemeClr>
-                  </a:solidFill>
-                  <a:cs typeface="+mn-ea"/>
-                  <a:sym typeface="+mn-lt"/>
-                </a:endParaRPr>
-              </a:p>
-            </p:txBody>
-          </p:sp>
-          <p:sp>
-            <p:nvSpPr>
-              <p:cNvPr id="33" name="AutoShape 116"/>
-              <p:cNvSpPr/>
-              <p:nvPr/>
-            </p:nvSpPr>
-            <p:spPr bwMode="auto">
-              <a:xfrm>
-                <a:off x="7300436" y="3374086"/>
-                <a:ext cx="310524" cy="343885"/>
-              </a:xfrm>
-              <a:custGeom>
-                <a:avLst/>
-                <a:gdLst>
-                  <a:gd name="T0" fmla="*/ 135095090 w 21600"/>
-                  <a:gd name="T1" fmla="*/ 111587469 h 21600"/>
-                  <a:gd name="T2" fmla="*/ 67547585 w 21600"/>
-                  <a:gd name="T3" fmla="*/ 203194979 h 21600"/>
-                  <a:gd name="T4" fmla="*/ 0 w 21600"/>
-                  <a:gd name="T5" fmla="*/ 111587469 h 21600"/>
-                  <a:gd name="T6" fmla="*/ 67547585 w 21600"/>
-                  <a:gd name="T7" fmla="*/ 19980836 h 21600"/>
-                  <a:gd name="T8" fmla="*/ 79099259 w 21600"/>
-                  <a:gd name="T9" fmla="*/ 21335313 h 21600"/>
-                  <a:gd name="T10" fmla="*/ 79099259 w 21600"/>
-                  <a:gd name="T11" fmla="*/ 0 h 21600"/>
-                  <a:gd name="T12" fmla="*/ 104335692 w 21600"/>
-                  <a:gd name="T13" fmla="*/ 34298390 h 21600"/>
-                  <a:gd name="T14" fmla="*/ 79099259 w 21600"/>
-                  <a:gd name="T15" fmla="*/ 68662637 h 21600"/>
-                  <a:gd name="T16" fmla="*/ 79099259 w 21600"/>
-                  <a:gd name="T17" fmla="*/ 47317732 h 21600"/>
-                  <a:gd name="T18" fmla="*/ 67547585 w 21600"/>
-                  <a:gd name="T19" fmla="*/ 45427384 h 21600"/>
-                  <a:gd name="T20" fmla="*/ 18763263 w 21600"/>
-                  <a:gd name="T21" fmla="*/ 111587469 h 21600"/>
-                  <a:gd name="T22" fmla="*/ 67547585 w 21600"/>
-                  <a:gd name="T23" fmla="*/ 177748431 h 21600"/>
-                  <a:gd name="T24" fmla="*/ 116331828 w 21600"/>
-                  <a:gd name="T25" fmla="*/ 111587469 h 21600"/>
-                  <a:gd name="T26" fmla="*/ 135095090 w 21600"/>
-                  <a:gd name="T27" fmla="*/ 111587469 h 21600"/>
-                  <a:gd name="T28" fmla="*/ 135095090 w 21600"/>
-                  <a:gd name="T29" fmla="*/ 111587469 h 21600"/>
-                  <a:gd name="T30" fmla="*/ 0 60000 65536"/>
-                  <a:gd name="T31" fmla="*/ 0 60000 65536"/>
-                  <a:gd name="T32" fmla="*/ 0 60000 65536"/>
-                  <a:gd name="T33" fmla="*/ 0 60000 65536"/>
-                  <a:gd name="T34" fmla="*/ 0 60000 65536"/>
-                  <a:gd name="T35" fmla="*/ 0 60000 65536"/>
-                  <a:gd name="T36" fmla="*/ 0 60000 65536"/>
-                  <a:gd name="T37" fmla="*/ 0 60000 65536"/>
-                  <a:gd name="T38" fmla="*/ 0 60000 65536"/>
-                  <a:gd name="T39" fmla="*/ 0 60000 65536"/>
-                  <a:gd name="T40" fmla="*/ 0 60000 65536"/>
-                  <a:gd name="T41" fmla="*/ 0 60000 65536"/>
-                  <a:gd name="T42" fmla="*/ 0 60000 65536"/>
-                  <a:gd name="T43" fmla="*/ 0 60000 65536"/>
-                  <a:gd name="T44" fmla="*/ 0 60000 65536"/>
-                </a:gdLst>
-                <a:ahLst/>
-                <a:cxnLst>
-                  <a:cxn ang="T30">
-                    <a:pos x="T0" y="T1"/>
-                  </a:cxn>
-                  <a:cxn ang="T31">
-                    <a:pos x="T2" y="T3"/>
-                  </a:cxn>
-                  <a:cxn ang="T32">
-                    <a:pos x="T4" y="T5"/>
-                  </a:cxn>
-                  <a:cxn ang="T33">
-                    <a:pos x="T6" y="T7"/>
-                  </a:cxn>
-                  <a:cxn ang="T34">
-                    <a:pos x="T8" y="T9"/>
-                  </a:cxn>
-                  <a:cxn ang="T35">
-                    <a:pos x="T10" y="T11"/>
-                  </a:cxn>
-                  <a:cxn ang="T36">
-                    <a:pos x="T12" y="T13"/>
-                  </a:cxn>
-                  <a:cxn ang="T37">
-                    <a:pos x="T14" y="T15"/>
-                  </a:cxn>
-                  <a:cxn ang="T38">
-                    <a:pos x="T16" y="T17"/>
-                  </a:cxn>
-                  <a:cxn ang="T39">
-                    <a:pos x="T18" y="T19"/>
-                  </a:cxn>
-                  <a:cxn ang="T40">
-                    <a:pos x="T20" y="T21"/>
-                  </a:cxn>
-                  <a:cxn ang="T41">
-                    <a:pos x="T22" y="T23"/>
-                  </a:cxn>
-                  <a:cxn ang="T42">
-                    <a:pos x="T24" y="T25"/>
-                  </a:cxn>
-                  <a:cxn ang="T43">
-                    <a:pos x="T26" y="T27"/>
-                  </a:cxn>
-                  <a:cxn ang="T44">
-                    <a:pos x="T28" y="T29"/>
-                  </a:cxn>
-                </a:cxnLst>
-                <a:rect l="0" t="0" r="r" b="b"/>
-                <a:pathLst>
-                  <a:path w="21600" h="21600">
-                    <a:moveTo>
-                      <a:pt x="21600" y="11862"/>
-                    </a:moveTo>
-                    <a:cubicBezTo>
-                      <a:pt x="21600" y="17240"/>
-                      <a:pt x="16764" y="21600"/>
-                      <a:pt x="10800" y="21600"/>
-                    </a:cubicBezTo>
-                    <a:cubicBezTo>
-                      <a:pt x="4836" y="21600"/>
-                      <a:pt x="0" y="17240"/>
-                      <a:pt x="0" y="11862"/>
-                    </a:cubicBezTo>
-                    <a:cubicBezTo>
-                      <a:pt x="0" y="6483"/>
-                      <a:pt x="4836" y="2124"/>
-                      <a:pt x="10800" y="2124"/>
-                    </a:cubicBezTo>
-                    <a:cubicBezTo>
-                      <a:pt x="11430" y="2124"/>
-                      <a:pt x="12046" y="2175"/>
-                      <a:pt x="12647" y="2268"/>
-                    </a:cubicBezTo>
-                    <a:lnTo>
-                      <a:pt x="12647" y="0"/>
-                    </a:lnTo>
-                    <a:lnTo>
-                      <a:pt x="16682" y="3646"/>
-                    </a:lnTo>
-                    <a:lnTo>
-                      <a:pt x="12647" y="7299"/>
-                    </a:lnTo>
-                    <a:lnTo>
-                      <a:pt x="12647" y="5030"/>
-                    </a:lnTo>
-                    <a:cubicBezTo>
-                      <a:pt x="12054" y="4900"/>
-                      <a:pt x="11436" y="4829"/>
-                      <a:pt x="10800" y="4829"/>
-                    </a:cubicBezTo>
-                    <a:cubicBezTo>
-                      <a:pt x="6499" y="4829"/>
-                      <a:pt x="3000" y="7984"/>
-                      <a:pt x="3000" y="11862"/>
-                    </a:cubicBezTo>
-                    <a:cubicBezTo>
-                      <a:pt x="3000" y="15740"/>
-                      <a:pt x="6499" y="18895"/>
-                      <a:pt x="10800" y="18895"/>
-                    </a:cubicBezTo>
-                    <a:cubicBezTo>
-                      <a:pt x="15101" y="18895"/>
-                      <a:pt x="18600" y="15740"/>
-                      <a:pt x="18600" y="11862"/>
-                    </a:cubicBezTo>
-                    <a:lnTo>
-                      <a:pt x="21600" y="11862"/>
-                    </a:lnTo>
-                    <a:close/>
-                    <a:moveTo>
-                      <a:pt x="21600" y="11862"/>
-                    </a:moveTo>
-                  </a:path>
-                </a:pathLst>
-              </a:custGeom>
-              <a:solidFill>
-                <a:schemeClr val="bg1"/>
-              </a:solidFill>
-              <a:ln>
-                <a:noFill/>
-              </a:ln>
-            </p:spPr>
-            <p:txBody>
-              <a:bodyPr lIns="0" tIns="0" rIns="0" bIns="0"/>
-              <a:lstStyle/>
-              <a:p>
-                <a:pPr>
-                  <a:lnSpc>
-                    <a:spcPct val="140000"/>
-                  </a:lnSpc>
-                </a:pPr>
-                <a:endParaRPr lang="en-US" sz="2400" dirty="0">
-                  <a:solidFill>
-                    <a:schemeClr val="tx1">
-                      <a:lumMod val="75000"/>
-                      <a:lumOff val="25000"/>
-                    </a:schemeClr>
-                  </a:solidFill>
-                  <a:cs typeface="+mn-ea"/>
-                  <a:sym typeface="+mn-lt"/>
-                </a:endParaRPr>
-              </a:p>
-            </p:txBody>
-          </p:sp>
-        </p:grpSp>
-        <p:cxnSp>
-          <p:nvCxnSpPr>
-            <p:cNvPr id="34" name="4"/>
-            <p:cNvCxnSpPr/>
-            <p:nvPr/>
-          </p:nvCxnSpPr>
-          <p:spPr>
-            <a:xfrm>
-              <a:off x="10047" y="5007"/>
-              <a:ext cx="891" cy="0"/>
-            </a:xfrm>
-            <a:prstGeom prst="line">
-              <a:avLst/>
-            </a:prstGeom>
-            <a:grpFill/>
-            <a:ln w="6350">
-              <a:solidFill>
-                <a:schemeClr val="accent2"/>
-              </a:solidFill>
-              <a:prstDash val="dash"/>
-              <a:headEnd type="oval"/>
-            </a:ln>
-          </p:spPr>
-          <p:style>
-            <a:lnRef idx="1">
-              <a:schemeClr val="accent1"/>
-            </a:lnRef>
-            <a:fillRef idx="0">
-              <a:schemeClr val="accent1"/>
-            </a:fillRef>
-            <a:effectRef idx="0">
-              <a:schemeClr val="accent1"/>
-            </a:effectRef>
-            <a:fontRef idx="minor">
-              <a:schemeClr val="tx1"/>
-            </a:fontRef>
-          </p:style>
-        </p:cxnSp>
-        <p:cxnSp>
-          <p:nvCxnSpPr>
-            <p:cNvPr id="35" name="3"/>
-            <p:cNvCxnSpPr/>
-            <p:nvPr/>
-          </p:nvCxnSpPr>
-          <p:spPr>
-            <a:xfrm>
-              <a:off x="10145" y="8104"/>
-              <a:ext cx="1628" cy="0"/>
-            </a:xfrm>
-            <a:prstGeom prst="line">
-              <a:avLst/>
-            </a:prstGeom>
-            <a:grpFill/>
-            <a:ln w="6350">
-              <a:solidFill>
-                <a:schemeClr val="accent1"/>
-              </a:solidFill>
-              <a:prstDash val="dash"/>
-              <a:headEnd type="oval"/>
-            </a:ln>
-          </p:spPr>
-          <p:style>
-            <a:lnRef idx="1">
-              <a:schemeClr val="accent1"/>
-            </a:lnRef>
-            <a:fillRef idx="0">
-              <a:schemeClr val="accent1"/>
-            </a:fillRef>
-            <a:effectRef idx="0">
-              <a:schemeClr val="accent1"/>
-            </a:effectRef>
-            <a:fontRef idx="minor">
-              <a:schemeClr val="tx1"/>
-            </a:fontRef>
-          </p:style>
-        </p:cxnSp>
-        <p:cxnSp>
-          <p:nvCxnSpPr>
-            <p:cNvPr id="36" name="2"/>
-            <p:cNvCxnSpPr/>
-            <p:nvPr/>
-          </p:nvCxnSpPr>
-          <p:spPr>
-            <a:xfrm flipH="1">
-              <a:off x="14245" y="3683"/>
-              <a:ext cx="1948" cy="0"/>
-            </a:xfrm>
-            <a:prstGeom prst="line">
-              <a:avLst/>
-            </a:prstGeom>
-            <a:grpFill/>
-            <a:ln w="6350">
-              <a:solidFill>
-                <a:schemeClr val="accent1"/>
-              </a:solidFill>
-              <a:prstDash val="dash"/>
-              <a:headEnd type="oval"/>
-            </a:ln>
-          </p:spPr>
-          <p:style>
-            <a:lnRef idx="1">
-              <a:schemeClr val="accent1"/>
-            </a:lnRef>
-            <a:fillRef idx="0">
-              <a:schemeClr val="accent1"/>
-            </a:fillRef>
-            <a:effectRef idx="0">
-              <a:schemeClr val="accent1"/>
-            </a:effectRef>
-            <a:fontRef idx="minor">
-              <a:schemeClr val="tx1"/>
-            </a:fontRef>
-          </p:style>
-        </p:cxnSp>
-        <p:cxnSp>
-          <p:nvCxnSpPr>
-            <p:cNvPr id="37" name="1"/>
-            <p:cNvCxnSpPr/>
-            <p:nvPr/>
-          </p:nvCxnSpPr>
-          <p:spPr>
-            <a:xfrm flipH="1">
-              <a:off x="15574" y="6785"/>
-              <a:ext cx="619" cy="0"/>
-            </a:xfrm>
-            <a:prstGeom prst="line">
-              <a:avLst/>
-            </a:prstGeom>
-            <a:grpFill/>
-            <a:ln w="6350">
-              <a:solidFill>
-                <a:schemeClr val="accent2"/>
-              </a:solidFill>
-              <a:prstDash val="dash"/>
-              <a:headEnd type="oval"/>
-            </a:ln>
-          </p:spPr>
-          <p:style>
-            <a:lnRef idx="1">
-              <a:schemeClr val="accent1"/>
-            </a:lnRef>
-            <a:fillRef idx="0">
-              <a:schemeClr val="accent1"/>
-            </a:fillRef>
-            <a:effectRef idx="0">
-              <a:schemeClr val="accent1"/>
-            </a:effectRef>
-            <a:fontRef idx="minor">
-              <a:schemeClr val="tx1"/>
-            </a:fontRef>
-          </p:style>
-        </p:cxnSp>
-      </p:grpSp>
       <p:sp>
         <p:nvSpPr>
-          <p:cNvPr id="38" name="TextBox 8"/>
+          <p:cNvPr id="19" name="TextBox 8"/>
           <p:cNvSpPr txBox="1"/>
           <p:nvPr/>
         </p:nvSpPr>
         <p:spPr>
           <a:xfrm>
-            <a:off x="4079777" y="288334"/>
-            <a:ext cx="3744178" cy="468783"/>
+            <a:off x="3403062" y="285519"/>
+            <a:ext cx="3743030" cy="553998"/>
+          </a:xfrm>
+          <a:prstGeom prst="rect">
+            <a:avLst/>
+          </a:prstGeom>
+          <a:solidFill>
+            <a:schemeClr val="bg1"/>
+          </a:solidFill>
+        </p:spPr>
+        <p:txBody>
+          <a:bodyPr wrap="square" lIns="0" tIns="0" rIns="0" bIns="0" rtlCol="0" anchor="ctr">
+            <a:spAutoFit/>
+          </a:bodyPr>
+          <a:lstStyle/>
+          <a:p>
+            <a:pPr algn="ctr"/>
+            <a:r>
+              <a:rPr lang="en-US" altLang="zh-CN" sz="3600" b="1" dirty="0">
+                <a:solidFill>
+                  <a:schemeClr val="tx1">
+                    <a:lumMod val="75000"/>
+                    <a:lumOff val="25000"/>
+                  </a:schemeClr>
+                </a:solidFill>
+                <a:effectLst>
+                  <a:outerShdw blurRad="38100" dist="38100" dir="2700000" algn="tl">
+                    <a:srgbClr val="000000">
+                      <a:alpha val="43137"/>
+                    </a:srgbClr>
+                  </a:outerShdw>
+                </a:effectLst>
+                <a:latin typeface="Times New Roman" panose="02020603050405020304" pitchFamily="18" charset="0"/>
+                <a:cs typeface="Times New Roman" panose="02020603050405020304" pitchFamily="18" charset="0"/>
+                <a:sym typeface="+mn-lt"/>
+              </a:rPr>
+              <a:t>Evaluation Results</a:t>
+            </a:r>
+            <a:endParaRPr lang="zh-CN" altLang="en-US" sz="4400" b="1" dirty="0">
+              <a:solidFill>
+                <a:schemeClr val="tx1">
+                  <a:lumMod val="75000"/>
+                  <a:lumOff val="25000"/>
+                </a:schemeClr>
+              </a:solidFill>
+              <a:effectLst>
+                <a:outerShdw blurRad="38100" dist="38100" dir="2700000" algn="tl">
+                  <a:srgbClr val="000000">
+                    <a:alpha val="43137"/>
+                  </a:srgbClr>
+                </a:outerShdw>
+              </a:effectLst>
+              <a:latin typeface="Times New Roman" panose="02020603050405020304" pitchFamily="18" charset="0"/>
+              <a:cs typeface="Times New Roman" panose="02020603050405020304" pitchFamily="18" charset="0"/>
+              <a:sym typeface="+mn-lt"/>
+            </a:endParaRPr>
+          </a:p>
+        </p:txBody>
+      </p:sp>
+      <p:sp>
+        <p:nvSpPr>
+          <p:cNvPr id="7" name="文字方塊 6">
+            <a:extLst>
+              <a:ext uri="{FF2B5EF4-FFF2-40B4-BE49-F238E27FC236}">
+                <a16:creationId xmlns:a16="http://schemas.microsoft.com/office/drawing/2014/main" id="{FB59CDF9-110D-4562-98E0-1269C50A1B8A}"/>
+              </a:ext>
+            </a:extLst>
+          </p:cNvPr>
+          <p:cNvSpPr txBox="1"/>
+          <p:nvPr/>
+        </p:nvSpPr>
+        <p:spPr>
+          <a:xfrm>
+            <a:off x="660400" y="870324"/>
+            <a:ext cx="8949267" cy="5570756"/>
           </a:xfrm>
           <a:prstGeom prst="rect">
             <a:avLst/>
@@ -26129,131 +22959,474 @@
           <a:noFill/>
         </p:spPr>
         <p:txBody>
-          <a:bodyPr wrap="square" lIns="0" tIns="0" rIns="0" bIns="0" rtlCol="0" anchor="ctr">
+          <a:bodyPr wrap="square">
             <a:spAutoFit/>
           </a:bodyPr>
           <a:lstStyle/>
           <a:p>
-            <a:pPr algn="ctr">
-              <a:lnSpc>
-                <a:spcPct val="140000"/>
-              </a:lnSpc>
-            </a:pPr>
-            <a:r>
-              <a:rPr lang="zh-CN" altLang="en-US" sz="2400" dirty="0">
-                <a:solidFill>
-                  <a:schemeClr val="tx1">
-                    <a:lumMod val="75000"/>
-                    <a:lumOff val="25000"/>
-                  </a:schemeClr>
-                </a:solidFill>
-                <a:cs typeface="+mn-ea"/>
-                <a:sym typeface="+mn-lt"/>
-              </a:rPr>
-              <a:t>点击输入您的标题</a:t>
-            </a:r>
-            <a:endParaRPr lang="zh-CN" altLang="en-US" sz="3200" dirty="0">
-              <a:solidFill>
-                <a:schemeClr val="tx1">
-                  <a:lumMod val="75000"/>
-                  <a:lumOff val="25000"/>
-                </a:schemeClr>
-              </a:solidFill>
-              <a:cs typeface="+mn-ea"/>
-              <a:sym typeface="+mn-lt"/>
+            <a:r>
+              <a:rPr lang="en-US" altLang="zh-TW" b="1" dirty="0">
+                <a:effectLst>
+                  <a:outerShdw blurRad="38100" dist="38100" dir="2700000" algn="tl">
+                    <a:srgbClr val="000000">
+                      <a:alpha val="43137"/>
+                    </a:srgbClr>
+                  </a:outerShdw>
+                </a:effectLst>
+                <a:latin typeface="Times New Roman" panose="02020603050405020304" pitchFamily="18" charset="0"/>
+                <a:cs typeface="Times New Roman" panose="02020603050405020304" pitchFamily="18" charset="0"/>
+              </a:rPr>
+              <a:t>Overall METEOR: 0.6649</a:t>
+            </a:r>
+          </a:p>
+          <a:p>
+            <a:r>
+              <a:rPr lang="en-US" altLang="zh-TW" dirty="0">
+                <a:latin typeface="Times New Roman" panose="02020603050405020304" pitchFamily="18" charset="0"/>
+                <a:cs typeface="Times New Roman" panose="02020603050405020304" pitchFamily="18" charset="0"/>
+              </a:rPr>
+              <a:t>	Reflecting strong semantic and structural alignment.</a:t>
+            </a:r>
+          </a:p>
+          <a:p>
+            <a:endParaRPr lang="en-US" altLang="zh-TW" dirty="0">
+              <a:latin typeface="Times New Roman" panose="02020603050405020304" pitchFamily="18" charset="0"/>
+              <a:cs typeface="Times New Roman" panose="02020603050405020304" pitchFamily="18" charset="0"/>
+            </a:endParaRPr>
+          </a:p>
+          <a:p>
+            <a:r>
+              <a:rPr lang="en-US" altLang="zh-TW" b="1" dirty="0" err="1">
+                <a:effectLst>
+                  <a:outerShdw blurRad="38100" dist="38100" dir="2700000" algn="tl">
+                    <a:srgbClr val="000000">
+                      <a:alpha val="43137"/>
+                    </a:srgbClr>
+                  </a:outerShdw>
+                </a:effectLst>
+                <a:latin typeface="Times New Roman" panose="02020603050405020304" pitchFamily="18" charset="0"/>
+                <a:cs typeface="Times New Roman" panose="02020603050405020304" pitchFamily="18" charset="0"/>
+              </a:rPr>
+              <a:t>BERTScore</a:t>
+            </a:r>
+            <a:r>
+              <a:rPr lang="en-US" altLang="zh-TW" b="1" dirty="0">
+                <a:effectLst>
+                  <a:outerShdw blurRad="38100" dist="38100" dir="2700000" algn="tl">
+                    <a:srgbClr val="000000">
+                      <a:alpha val="43137"/>
+                    </a:srgbClr>
+                  </a:outerShdw>
+                </a:effectLst>
+                <a:latin typeface="Times New Roman" panose="02020603050405020304" pitchFamily="18" charset="0"/>
+                <a:cs typeface="Times New Roman" panose="02020603050405020304" pitchFamily="18" charset="0"/>
+              </a:rPr>
+              <a:t>:</a:t>
+            </a:r>
+          </a:p>
+          <a:p>
+            <a:pPr lvl="1"/>
+            <a:r>
+              <a:rPr lang="en-US" altLang="zh-TW" b="1" dirty="0">
+                <a:effectLst>
+                  <a:outerShdw blurRad="38100" dist="38100" dir="2700000" algn="tl">
+                    <a:srgbClr val="000000">
+                      <a:alpha val="43137"/>
+                    </a:srgbClr>
+                  </a:outerShdw>
+                </a:effectLst>
+                <a:latin typeface="Times New Roman" panose="02020603050405020304" pitchFamily="18" charset="0"/>
+                <a:cs typeface="Times New Roman" panose="02020603050405020304" pitchFamily="18" charset="0"/>
+              </a:rPr>
+              <a:t>Precision: 0.8008</a:t>
+            </a:r>
+          </a:p>
+          <a:p>
+            <a:pPr lvl="2"/>
+            <a:r>
+              <a:rPr lang="en-US" altLang="zh-TW" dirty="0">
+                <a:latin typeface="Times New Roman" panose="02020603050405020304" pitchFamily="18" charset="0"/>
+                <a:cs typeface="Times New Roman" panose="02020603050405020304" pitchFamily="18" charset="0"/>
+              </a:rPr>
+              <a:t>Measures the proportion of content in the generated translation that correctly aligns with the reference.</a:t>
+            </a:r>
+          </a:p>
+          <a:p>
+            <a:pPr lvl="2"/>
+            <a:r>
+              <a:rPr lang="en-US" altLang="zh-TW" dirty="0">
+                <a:latin typeface="Times New Roman" panose="02020603050405020304" pitchFamily="18" charset="0"/>
+                <a:cs typeface="Times New Roman" panose="02020603050405020304" pitchFamily="18" charset="0"/>
+              </a:rPr>
+              <a:t>80.08% of the content in the generated translations matches the reference translations.</a:t>
+            </a:r>
+          </a:p>
+          <a:p>
+            <a:pPr lvl="1"/>
+            <a:r>
+              <a:rPr lang="en-US" altLang="zh-TW" b="1" dirty="0">
+                <a:effectLst>
+                  <a:outerShdw blurRad="38100" dist="38100" dir="2700000" algn="tl">
+                    <a:srgbClr val="000000">
+                      <a:alpha val="43137"/>
+                    </a:srgbClr>
+                  </a:outerShdw>
+                </a:effectLst>
+                <a:latin typeface="Times New Roman" panose="02020603050405020304" pitchFamily="18" charset="0"/>
+                <a:cs typeface="Times New Roman" panose="02020603050405020304" pitchFamily="18" charset="0"/>
+              </a:rPr>
+              <a:t>Recall: 0.7933</a:t>
+            </a:r>
+          </a:p>
+          <a:p>
+            <a:pPr lvl="2"/>
+            <a:r>
+              <a:rPr lang="en-US" altLang="zh-TW" dirty="0">
+                <a:latin typeface="Times New Roman" panose="02020603050405020304" pitchFamily="18" charset="0"/>
+                <a:cs typeface="Times New Roman" panose="02020603050405020304" pitchFamily="18" charset="0"/>
+              </a:rPr>
+              <a:t>Measures the proportion of the reference content covered by the generated translation.</a:t>
+            </a:r>
+          </a:p>
+          <a:p>
+            <a:pPr lvl="2"/>
+            <a:r>
+              <a:rPr lang="en-US" altLang="zh-TW" dirty="0">
+                <a:latin typeface="Times New Roman" panose="02020603050405020304" pitchFamily="18" charset="0"/>
+                <a:cs typeface="Times New Roman" panose="02020603050405020304" pitchFamily="18" charset="0"/>
+              </a:rPr>
+              <a:t>79.33% of the reference translation’s content is successfully captured.</a:t>
+            </a:r>
+          </a:p>
+          <a:p>
+            <a:pPr lvl="1"/>
+            <a:r>
+              <a:rPr lang="en-US" altLang="zh-TW" b="1" dirty="0">
+                <a:effectLst>
+                  <a:outerShdw blurRad="38100" dist="38100" dir="2700000" algn="tl">
+                    <a:srgbClr val="000000">
+                      <a:alpha val="43137"/>
+                    </a:srgbClr>
+                  </a:outerShdw>
+                </a:effectLst>
+                <a:latin typeface="Times New Roman" panose="02020603050405020304" pitchFamily="18" charset="0"/>
+                <a:cs typeface="Times New Roman" panose="02020603050405020304" pitchFamily="18" charset="0"/>
+              </a:rPr>
+              <a:t>F1: 0.7965</a:t>
+            </a:r>
+          </a:p>
+          <a:p>
+            <a:pPr lvl="2"/>
+            <a:r>
+              <a:rPr lang="en-US" altLang="zh-TW" dirty="0">
+                <a:latin typeface="Times New Roman" panose="02020603050405020304" pitchFamily="18" charset="0"/>
+                <a:cs typeface="Times New Roman" panose="02020603050405020304" pitchFamily="18" charset="0"/>
+              </a:rPr>
+              <a:t>Harmonic mean of Precision and Recall, providing a balanced evaluation metric. </a:t>
+            </a:r>
+          </a:p>
+          <a:p>
+            <a:pPr lvl="2"/>
+            <a:r>
+              <a:rPr lang="en-US" altLang="zh-TW" dirty="0">
+                <a:latin typeface="Times New Roman" panose="02020603050405020304" pitchFamily="18" charset="0"/>
+                <a:cs typeface="Times New Roman" panose="02020603050405020304" pitchFamily="18" charset="0"/>
+              </a:rPr>
+              <a:t>Reflects a good balance between translation accuracy and semantic coverage.</a:t>
+            </a:r>
+          </a:p>
+          <a:p>
+            <a:r>
+              <a:rPr lang="en-US" altLang="zh-TW" b="1" dirty="0">
+                <a:latin typeface="Times New Roman" panose="02020603050405020304" pitchFamily="18" charset="0"/>
+                <a:cs typeface="Times New Roman" panose="02020603050405020304" pitchFamily="18" charset="0"/>
+              </a:rPr>
+              <a:t>BLUE:</a:t>
+            </a:r>
+            <a:r>
+              <a:rPr lang="zh-TW" altLang="en-US" b="1" dirty="0">
+                <a:latin typeface="Times New Roman" panose="02020603050405020304" pitchFamily="18" charset="0"/>
+                <a:cs typeface="Times New Roman" panose="02020603050405020304" pitchFamily="18" charset="0"/>
+              </a:rPr>
+              <a:t> </a:t>
+            </a:r>
+            <a:r>
+              <a:rPr lang="en-US" altLang="zh-TW" b="1" dirty="0">
+                <a:latin typeface="Times New Roman" panose="02020603050405020304" pitchFamily="18" charset="0"/>
+                <a:cs typeface="Times New Roman" panose="02020603050405020304" pitchFamily="18" charset="0"/>
+              </a:rPr>
+              <a:t>0.0686</a:t>
+            </a:r>
+          </a:p>
+          <a:p>
+            <a:pPr lvl="1"/>
+            <a:r>
+              <a:rPr lang="en-US" altLang="zh-TW" dirty="0">
+                <a:latin typeface="Times New Roman" panose="02020603050405020304" pitchFamily="18" charset="0"/>
+                <a:cs typeface="Times New Roman" panose="02020603050405020304" pitchFamily="18" charset="0"/>
+              </a:rPr>
+              <a:t>0 : Not match</a:t>
+            </a:r>
+          </a:p>
+          <a:p>
+            <a:pPr lvl="1"/>
+            <a:r>
+              <a:rPr lang="en-US" altLang="zh-TW" dirty="0">
+                <a:latin typeface="Times New Roman" panose="02020603050405020304" pitchFamily="18" charset="0"/>
+                <a:cs typeface="Times New Roman" panose="02020603050405020304" pitchFamily="18" charset="0"/>
+              </a:rPr>
+              <a:t>1 : Completely match</a:t>
+            </a:r>
+          </a:p>
+          <a:p>
+            <a:pPr lvl="1"/>
+            <a:r>
+              <a:rPr lang="en-US" altLang="zh-TW" sz="1400" i="1" dirty="0">
+                <a:latin typeface="Times New Roman" panose="02020603050405020304" pitchFamily="18" charset="0"/>
+                <a:cs typeface="Times New Roman" panose="02020603050405020304" pitchFamily="18" charset="0"/>
+              </a:rPr>
+              <a:t>Automated Multi-Language to English Machine Translation Using</a:t>
+            </a:r>
+            <a:r>
+              <a:rPr lang="zh-TW" altLang="en-US" sz="1400" i="1" dirty="0">
+                <a:latin typeface="Times New Roman" panose="02020603050405020304" pitchFamily="18" charset="0"/>
+                <a:cs typeface="Times New Roman" panose="02020603050405020304" pitchFamily="18" charset="0"/>
+              </a:rPr>
+              <a:t> </a:t>
+            </a:r>
+            <a:r>
+              <a:rPr lang="en-US" altLang="zh-TW" sz="1400" i="1" dirty="0">
+                <a:latin typeface="Times New Roman" panose="02020603050405020304" pitchFamily="18" charset="0"/>
+                <a:cs typeface="Times New Roman" panose="02020603050405020304" pitchFamily="18" charset="0"/>
+              </a:rPr>
+              <a:t>Generative Pre-Trained Transformers</a:t>
+            </a:r>
+            <a:r>
+              <a:rPr lang="zh-TW" altLang="en-US" sz="1400" i="1" dirty="0">
+                <a:latin typeface="Times New Roman" panose="02020603050405020304" pitchFamily="18" charset="0"/>
+                <a:cs typeface="Times New Roman" panose="02020603050405020304" pitchFamily="18" charset="0"/>
+              </a:rPr>
+              <a:t> </a:t>
+            </a:r>
+            <a:endParaRPr lang="en-US" altLang="zh-TW" sz="1400" i="1" dirty="0">
+              <a:latin typeface="Times New Roman" panose="02020603050405020304" pitchFamily="18" charset="0"/>
+              <a:cs typeface="Times New Roman" panose="02020603050405020304" pitchFamily="18" charset="0"/>
+            </a:endParaRPr>
+          </a:p>
+          <a:p>
+            <a:endParaRPr lang="en-US" altLang="zh-TW" dirty="0">
+              <a:latin typeface="Times New Roman" panose="02020603050405020304" pitchFamily="18" charset="0"/>
+              <a:cs typeface="Times New Roman" panose="02020603050405020304" pitchFamily="18" charset="0"/>
+            </a:endParaRPr>
+          </a:p>
+          <a:p>
+            <a:endParaRPr lang="en-US" altLang="zh-TW" dirty="0">
+              <a:latin typeface="Times New Roman" panose="02020603050405020304" pitchFamily="18" charset="0"/>
+              <a:cs typeface="Times New Roman" panose="02020603050405020304" pitchFamily="18" charset="0"/>
             </a:endParaRPr>
           </a:p>
         </p:txBody>
       </p:sp>
-      <p:grpSp>
-        <p:nvGrpSpPr>
-          <p:cNvPr id="39" name="组合 38"/>
-          <p:cNvGrpSpPr/>
+      <p:pic>
+        <p:nvPicPr>
+          <p:cNvPr id="5" name="圖片 4">
+            <a:extLst>
+              <a:ext uri="{FF2B5EF4-FFF2-40B4-BE49-F238E27FC236}">
+                <a16:creationId xmlns:a16="http://schemas.microsoft.com/office/drawing/2014/main" id="{75F4EB85-DB56-4AEE-ABCC-3B2810997853}"/>
+              </a:ext>
+            </a:extLst>
+          </p:cNvPr>
+          <p:cNvPicPr>
+            <a:picLocks noChangeAspect="1"/>
+          </p:cNvPicPr>
           <p:nvPr/>
-        </p:nvGrpSpPr>
-        <p:grpSpPr>
+        </p:nvPicPr>
+        <p:blipFill>
+          <a:blip r:embed="rId4"/>
+          <a:stretch>
+            <a:fillRect/>
+          </a:stretch>
+        </p:blipFill>
+        <p:spPr>
           <a:xfrm>
-            <a:off x="840658" y="561638"/>
-            <a:ext cx="10510685" cy="0"/>
-            <a:chOff x="1028775" y="591989"/>
-            <a:chExt cx="11086097" cy="0"/>
+            <a:off x="8806756" y="213499"/>
+            <a:ext cx="2893170" cy="2032748"/>
           </a:xfrm>
-        </p:grpSpPr>
-        <p:cxnSp>
-          <p:nvCxnSpPr>
-            <p:cNvPr id="40" name="直接连接符 39"/>
-            <p:cNvCxnSpPr/>
-            <p:nvPr/>
-          </p:nvCxnSpPr>
-          <p:spPr>
-            <a:xfrm>
-              <a:off x="1028775" y="591989"/>
-              <a:ext cx="3504197" cy="0"/>
-            </a:xfrm>
-            <a:prstGeom prst="line">
-              <a:avLst/>
-            </a:prstGeom>
-            <a:ln>
-              <a:solidFill>
-                <a:schemeClr val="bg1">
-                  <a:lumMod val="65000"/>
-                </a:schemeClr>
-              </a:solidFill>
-            </a:ln>
-          </p:spPr>
-          <p:style>
-            <a:lnRef idx="1">
-              <a:schemeClr val="accent1"/>
-            </a:lnRef>
-            <a:fillRef idx="0">
-              <a:schemeClr val="accent1"/>
-            </a:fillRef>
-            <a:effectRef idx="0">
-              <a:schemeClr val="accent1"/>
-            </a:effectRef>
-            <a:fontRef idx="minor">
-              <a:schemeClr val="tx1"/>
-            </a:fontRef>
-          </p:style>
-        </p:cxnSp>
-        <p:cxnSp>
-          <p:nvCxnSpPr>
-            <p:cNvPr id="41" name="直接连接符 40"/>
-            <p:cNvCxnSpPr/>
-            <p:nvPr/>
-          </p:nvCxnSpPr>
-          <p:spPr>
-            <a:xfrm>
-              <a:off x="8610675" y="591989"/>
-              <a:ext cx="3504197" cy="0"/>
-            </a:xfrm>
-            <a:prstGeom prst="line">
-              <a:avLst/>
-            </a:prstGeom>
-            <a:ln>
-              <a:solidFill>
-                <a:schemeClr val="bg1">
-                  <a:lumMod val="65000"/>
-                </a:schemeClr>
-              </a:solidFill>
-            </a:ln>
-          </p:spPr>
-          <p:style>
-            <a:lnRef idx="1">
-              <a:schemeClr val="accent1"/>
-            </a:lnRef>
-            <a:fillRef idx="0">
-              <a:schemeClr val="accent1"/>
-            </a:fillRef>
-            <a:effectRef idx="0">
-              <a:schemeClr val="accent1"/>
-            </a:effectRef>
-            <a:fontRef idx="minor">
-              <a:schemeClr val="tx1"/>
-            </a:fontRef>
-          </p:style>
-        </p:cxnSp>
-      </p:grpSp>
+          <a:prstGeom prst="rect">
+            <a:avLst/>
+          </a:prstGeom>
+        </p:spPr>
+      </p:pic>
+      <p:pic>
+        <p:nvPicPr>
+          <p:cNvPr id="8" name="圖片 7">
+            <a:extLst>
+              <a:ext uri="{FF2B5EF4-FFF2-40B4-BE49-F238E27FC236}">
+                <a16:creationId xmlns:a16="http://schemas.microsoft.com/office/drawing/2014/main" id="{6C1525F6-C6D8-44B4-9A3E-8BC0ECC27370}"/>
+              </a:ext>
+            </a:extLst>
+          </p:cNvPr>
+          <p:cNvPicPr>
+            <a:picLocks noChangeAspect="1"/>
+          </p:cNvPicPr>
+          <p:nvPr/>
+        </p:nvPicPr>
+        <p:blipFill rotWithShape="1">
+          <a:blip r:embed="rId5"/>
+          <a:srcRect t="40436"/>
+          <a:stretch/>
+        </p:blipFill>
+        <p:spPr>
+          <a:xfrm>
+            <a:off x="1645233" y="6295482"/>
+            <a:ext cx="6811327" cy="540472"/>
+          </a:xfrm>
+          <a:prstGeom prst="rect">
+            <a:avLst/>
+          </a:prstGeom>
+        </p:spPr>
+      </p:pic>
+      <p:sp>
+        <p:nvSpPr>
+          <p:cNvPr id="12" name="橢圓 11">
+            <a:extLst>
+              <a:ext uri="{FF2B5EF4-FFF2-40B4-BE49-F238E27FC236}">
+                <a16:creationId xmlns:a16="http://schemas.microsoft.com/office/drawing/2014/main" id="{34753F55-441C-430F-BF2B-B7E54E96C6D4}"/>
+              </a:ext>
+            </a:extLst>
+          </p:cNvPr>
+          <p:cNvSpPr/>
+          <p:nvPr/>
+        </p:nvSpPr>
+        <p:spPr>
+          <a:xfrm>
+            <a:off x="7146092" y="6441080"/>
+            <a:ext cx="736375" cy="425682"/>
+          </a:xfrm>
+          <a:prstGeom prst="ellipse">
+            <a:avLst/>
+          </a:prstGeom>
+          <a:noFill/>
+          <a:ln>
+            <a:solidFill>
+              <a:srgbClr val="FF0000"/>
+            </a:solidFill>
+          </a:ln>
+        </p:spPr>
+        <p:style>
+          <a:lnRef idx="2">
+            <a:schemeClr val="accent1">
+              <a:shade val="50000"/>
+            </a:schemeClr>
+          </a:lnRef>
+          <a:fillRef idx="1">
+            <a:schemeClr val="accent1"/>
+          </a:fillRef>
+          <a:effectRef idx="0">
+            <a:schemeClr val="accent1"/>
+          </a:effectRef>
+          <a:fontRef idx="minor">
+            <a:schemeClr val="lt1"/>
+          </a:fontRef>
+        </p:style>
+        <p:txBody>
+          <a:bodyPr rtlCol="0" anchor="ctr"/>
+          <a:lstStyle/>
+          <a:p>
+            <a:pPr algn="ctr"/>
+            <a:endParaRPr lang="zh-TW" altLang="en-US"/>
+          </a:p>
+        </p:txBody>
+      </p:sp>
+      <p:sp>
+        <p:nvSpPr>
+          <p:cNvPr id="17" name="橢圓 16">
+            <a:extLst>
+              <a:ext uri="{FF2B5EF4-FFF2-40B4-BE49-F238E27FC236}">
+                <a16:creationId xmlns:a16="http://schemas.microsoft.com/office/drawing/2014/main" id="{99A9ED81-8D2F-437C-9203-14FC7537A61B}"/>
+              </a:ext>
+            </a:extLst>
+          </p:cNvPr>
+          <p:cNvSpPr/>
+          <p:nvPr/>
+        </p:nvSpPr>
+        <p:spPr>
+          <a:xfrm>
+            <a:off x="4538202" y="6410272"/>
+            <a:ext cx="736375" cy="425682"/>
+          </a:xfrm>
+          <a:prstGeom prst="ellipse">
+            <a:avLst/>
+          </a:prstGeom>
+          <a:noFill/>
+          <a:ln>
+            <a:solidFill>
+              <a:srgbClr val="FF0000"/>
+            </a:solidFill>
+          </a:ln>
+        </p:spPr>
+        <p:style>
+          <a:lnRef idx="2">
+            <a:schemeClr val="accent1">
+              <a:shade val="50000"/>
+            </a:schemeClr>
+          </a:lnRef>
+          <a:fillRef idx="1">
+            <a:schemeClr val="accent1"/>
+          </a:fillRef>
+          <a:effectRef idx="0">
+            <a:schemeClr val="accent1"/>
+          </a:effectRef>
+          <a:fontRef idx="minor">
+            <a:schemeClr val="lt1"/>
+          </a:fontRef>
+        </p:style>
+        <p:txBody>
+          <a:bodyPr rtlCol="0" anchor="ctr"/>
+          <a:lstStyle/>
+          <a:p>
+            <a:pPr algn="ctr"/>
+            <a:endParaRPr lang="zh-TW" altLang="en-US"/>
+          </a:p>
+        </p:txBody>
+      </p:sp>
+      <p:pic>
+        <p:nvPicPr>
+          <p:cNvPr id="18" name="图片 9">
+            <a:extLst>
+              <a:ext uri="{FF2B5EF4-FFF2-40B4-BE49-F238E27FC236}">
+                <a16:creationId xmlns:a16="http://schemas.microsoft.com/office/drawing/2014/main" id="{A262AFFF-A05D-48B5-9BBB-EC4890BF1D89}"/>
+              </a:ext>
+            </a:extLst>
+          </p:cNvPr>
+          <p:cNvPicPr>
+            <a:picLocks noChangeAspect="1"/>
+          </p:cNvPicPr>
+          <p:nvPr/>
+        </p:nvPicPr>
+        <p:blipFill rotWithShape="1">
+          <a:blip r:embed="rId6">
+            <a:extLst>
+              <a:ext uri="{28A0092B-C50C-407E-A947-70E740481C1C}">
+                <a14:useLocalDpi xmlns:a14="http://schemas.microsoft.com/office/drawing/2010/main" val="0"/>
+              </a:ext>
+            </a:extLst>
+          </a:blip>
+          <a:srcRect l="-214" t="42629" r="72049"/>
+          <a:stretch>
+            <a:fillRect/>
+          </a:stretch>
+        </p:blipFill>
+        <p:spPr>
+          <a:xfrm flipH="1">
+            <a:off x="9120520" y="3579780"/>
+            <a:ext cx="3071480" cy="3278219"/>
+          </a:xfrm>
+          <a:prstGeom prst="rect">
+            <a:avLst/>
+          </a:prstGeom>
+        </p:spPr>
+      </p:pic>
     </p:spTree>
   </p:cSld>
   <p:clrMapOvr>
@@ -26291,80 +23464,29 @@
           <a:chExt cx="0" cy="0"/>
         </a:xfrm>
       </p:grpSpPr>
-      <p:sp>
-        <p:nvSpPr>
-          <p:cNvPr id="6" name="矩形 5"/>
-          <p:cNvSpPr/>
-          <p:nvPr/>
-        </p:nvSpPr>
-        <p:spPr>
-          <a:xfrm>
-            <a:off x="365760" y="304800"/>
-            <a:ext cx="11521440" cy="6217920"/>
-          </a:xfrm>
-          <a:prstGeom prst="rect">
-            <a:avLst/>
-          </a:prstGeom>
-          <a:noFill/>
-          <a:ln w="57150">
-            <a:solidFill>
-              <a:srgbClr val="0D559A"/>
-            </a:solidFill>
-          </a:ln>
-        </p:spPr>
-        <p:style>
-          <a:lnRef idx="2">
-            <a:schemeClr val="accent1">
-              <a:shade val="50000"/>
-            </a:schemeClr>
-          </a:lnRef>
-          <a:fillRef idx="1">
-            <a:schemeClr val="accent1"/>
-          </a:fillRef>
-          <a:effectRef idx="0">
-            <a:schemeClr val="accent1"/>
-          </a:effectRef>
-          <a:fontRef idx="minor">
-            <a:schemeClr val="lt1"/>
-          </a:fontRef>
-        </p:style>
-        <p:txBody>
-          <a:bodyPr rtlCol="0" anchor="ctr"/>
-          <a:lstStyle/>
-          <a:p>
-            <a:pPr algn="ctr"/>
-            <a:endParaRPr lang="zh-CN" altLang="en-US">
-              <a:cs typeface="+mn-ea"/>
-              <a:sym typeface="+mn-lt"/>
-            </a:endParaRPr>
-          </a:p>
-        </p:txBody>
-      </p:sp>
       <p:pic>
         <p:nvPicPr>
-          <p:cNvPr id="4" name="图片 3"/>
+          <p:cNvPr id="7" name="圖片 6">
+            <a:extLst>
+              <a:ext uri="{FF2B5EF4-FFF2-40B4-BE49-F238E27FC236}">
+                <a16:creationId xmlns:a16="http://schemas.microsoft.com/office/drawing/2014/main" id="{48D9A3CD-CB16-42B8-8355-90C6C62CAB7A}"/>
+              </a:ext>
+            </a:extLst>
+          </p:cNvPr>
           <p:cNvPicPr>
             <a:picLocks noChangeAspect="1"/>
           </p:cNvPicPr>
           <p:nvPr/>
         </p:nvPicPr>
         <p:blipFill rotWithShape="1">
-          <a:blip r:embed="rId2">
-            <a:extLst>
-              <a:ext uri="{28A0092B-C50C-407E-A947-70E740481C1C}">
-                <a14:useLocalDpi xmlns:a14="http://schemas.microsoft.com/office/drawing/2010/main" val="0"/>
-              </a:ext>
-            </a:extLst>
-          </a:blip>
-          <a:srcRect l="71835" b="32416"/>
-          <a:stretch>
-            <a:fillRect/>
-          </a:stretch>
+          <a:blip r:embed="rId3"/>
+          <a:srcRect t="2222"/>
+          <a:stretch/>
         </p:blipFill>
         <p:spPr>
           <a:xfrm>
-            <a:off x="7772400" y="-1"/>
-            <a:ext cx="4417925" cy="6858001"/>
+            <a:off x="3515581" y="939974"/>
+            <a:ext cx="4092315" cy="5778228"/>
           </a:xfrm>
           <a:prstGeom prst="rect">
             <a:avLst/>
@@ -26373,41 +23495,10 @@
       </p:pic>
       <p:pic>
         <p:nvPicPr>
-          <p:cNvPr id="10" name="图片 9"/>
-          <p:cNvPicPr>
-            <a:picLocks noChangeAspect="1"/>
-          </p:cNvPicPr>
-          <p:nvPr/>
-        </p:nvPicPr>
-        <p:blipFill rotWithShape="1">
-          <a:blip r:embed="rId2">
-            <a:extLst>
-              <a:ext uri="{28A0092B-C50C-407E-A947-70E740481C1C}">
-                <a14:useLocalDpi xmlns:a14="http://schemas.microsoft.com/office/drawing/2010/main" val="0"/>
-              </a:ext>
-            </a:extLst>
-          </a:blip>
-          <a:srcRect l="-214" t="42629" r="72049"/>
-          <a:stretch>
-            <a:fillRect/>
-          </a:stretch>
-        </p:blipFill>
-        <p:spPr>
-          <a:xfrm>
-            <a:off x="-33491" y="-56771"/>
-            <a:ext cx="5247444" cy="6914770"/>
-          </a:xfrm>
-          <a:prstGeom prst="rect">
-            <a:avLst/>
-          </a:prstGeom>
-        </p:spPr>
-      </p:pic>
-      <p:pic>
-        <p:nvPicPr>
-          <p:cNvPr id="3" name="圖片 2">
+          <p:cNvPr id="6" name="圖片 5">
             <a:extLst>
               <a:ext uri="{FF2B5EF4-FFF2-40B4-BE49-F238E27FC236}">
-                <a16:creationId xmlns:a16="http://schemas.microsoft.com/office/drawing/2014/main" id="{097089FC-C142-4FD0-8231-B0F00955B89A}"/>
+                <a16:creationId xmlns:a16="http://schemas.microsoft.com/office/drawing/2014/main" id="{74143D8E-12A1-4B50-9790-F67DD02A0282}"/>
               </a:ext>
             </a:extLst>
           </p:cNvPr>
@@ -26416,28 +23507,441 @@
           </p:cNvPicPr>
           <p:nvPr/>
         </p:nvPicPr>
-        <p:blipFill>
-          <a:blip r:embed="rId3" cstate="print">
-            <a:extLst>
-              <a:ext uri="{28A0092B-C50C-407E-A947-70E740481C1C}">
-                <a14:useLocalDpi xmlns:a14="http://schemas.microsoft.com/office/drawing/2010/main" val="0"/>
-              </a:ext>
-            </a:extLst>
-          </a:blip>
-          <a:stretch>
-            <a:fillRect/>
-          </a:stretch>
+        <p:blipFill rotWithShape="1">
+          <a:blip r:embed="rId4"/>
+          <a:srcRect l="11493" t="1" b="2048"/>
+          <a:stretch/>
         </p:blipFill>
         <p:spPr>
           <a:xfrm>
-            <a:off x="3162300" y="914400"/>
-            <a:ext cx="5251450" cy="5251450"/>
+            <a:off x="80490" y="829653"/>
+            <a:ext cx="3881804" cy="5778228"/>
           </a:xfrm>
           <a:prstGeom prst="rect">
             <a:avLst/>
           </a:prstGeom>
         </p:spPr>
       </p:pic>
+      <p:sp>
+        <p:nvSpPr>
+          <p:cNvPr id="41" name="TextBox 8"/>
+          <p:cNvSpPr txBox="1"/>
+          <p:nvPr/>
+        </p:nvSpPr>
+        <p:spPr>
+          <a:xfrm>
+            <a:off x="4080395" y="185063"/>
+            <a:ext cx="3743030" cy="677108"/>
+          </a:xfrm>
+          <a:prstGeom prst="rect">
+            <a:avLst/>
+          </a:prstGeom>
+          <a:noFill/>
+        </p:spPr>
+        <p:txBody>
+          <a:bodyPr wrap="square" lIns="0" tIns="0" rIns="0" bIns="0" rtlCol="0" anchor="ctr">
+            <a:spAutoFit/>
+          </a:bodyPr>
+          <a:lstStyle/>
+          <a:p>
+            <a:pPr algn="ctr"/>
+            <a:r>
+              <a:rPr lang="en-US" altLang="zh-TW" sz="4400" b="1" dirty="0">
+                <a:effectLst>
+                  <a:outerShdw blurRad="38100" dist="38100" dir="2700000" algn="tl">
+                    <a:srgbClr val="000000">
+                      <a:alpha val="43137"/>
+                    </a:srgbClr>
+                  </a:outerShdw>
+                </a:effectLst>
+                <a:latin typeface="Times New Roman" panose="02020603050405020304" pitchFamily="18" charset="0"/>
+                <a:cs typeface="Times New Roman" panose="02020603050405020304" pitchFamily="18" charset="0"/>
+              </a:rPr>
+              <a:t>Conclusion</a:t>
+            </a:r>
+            <a:endParaRPr lang="zh-CN" altLang="en-US" sz="5400" b="1" dirty="0">
+              <a:solidFill>
+                <a:schemeClr val="tx1">
+                  <a:lumMod val="75000"/>
+                  <a:lumOff val="25000"/>
+                </a:schemeClr>
+              </a:solidFill>
+              <a:effectLst>
+                <a:outerShdw blurRad="38100" dist="38100" dir="2700000" algn="tl">
+                  <a:srgbClr val="000000">
+                    <a:alpha val="43137"/>
+                  </a:srgbClr>
+                </a:outerShdw>
+              </a:effectLst>
+              <a:latin typeface="Times New Roman" panose="02020603050405020304" pitchFamily="18" charset="0"/>
+              <a:cs typeface="Times New Roman" panose="02020603050405020304" pitchFamily="18" charset="0"/>
+              <a:sym typeface="+mn-lt"/>
+            </a:endParaRPr>
+          </a:p>
+        </p:txBody>
+      </p:sp>
+      <p:grpSp>
+        <p:nvGrpSpPr>
+          <p:cNvPr id="42" name="组合 41"/>
+          <p:cNvGrpSpPr/>
+          <p:nvPr/>
+        </p:nvGrpSpPr>
+        <p:grpSpPr>
+          <a:xfrm>
+            <a:off x="842270" y="562518"/>
+            <a:ext cx="10507461" cy="0"/>
+            <a:chOff x="1028775" y="591989"/>
+            <a:chExt cx="11086097" cy="0"/>
+          </a:xfrm>
+        </p:grpSpPr>
+        <p:cxnSp>
+          <p:nvCxnSpPr>
+            <p:cNvPr id="43" name="直接连接符 42"/>
+            <p:cNvCxnSpPr/>
+            <p:nvPr/>
+          </p:nvCxnSpPr>
+          <p:spPr>
+            <a:xfrm>
+              <a:off x="1028775" y="591989"/>
+              <a:ext cx="3504197" cy="0"/>
+            </a:xfrm>
+            <a:prstGeom prst="line">
+              <a:avLst/>
+            </a:prstGeom>
+            <a:ln>
+              <a:solidFill>
+                <a:schemeClr val="bg1">
+                  <a:lumMod val="65000"/>
+                </a:schemeClr>
+              </a:solidFill>
+            </a:ln>
+          </p:spPr>
+          <p:style>
+            <a:lnRef idx="1">
+              <a:schemeClr val="accent1"/>
+            </a:lnRef>
+            <a:fillRef idx="0">
+              <a:schemeClr val="accent1"/>
+            </a:fillRef>
+            <a:effectRef idx="0">
+              <a:schemeClr val="accent1"/>
+            </a:effectRef>
+            <a:fontRef idx="minor">
+              <a:schemeClr val="tx1"/>
+            </a:fontRef>
+          </p:style>
+        </p:cxnSp>
+        <p:cxnSp>
+          <p:nvCxnSpPr>
+            <p:cNvPr id="44" name="直接连接符 43"/>
+            <p:cNvCxnSpPr/>
+            <p:nvPr/>
+          </p:nvCxnSpPr>
+          <p:spPr>
+            <a:xfrm>
+              <a:off x="8610675" y="591989"/>
+              <a:ext cx="3504197" cy="0"/>
+            </a:xfrm>
+            <a:prstGeom prst="line">
+              <a:avLst/>
+            </a:prstGeom>
+            <a:ln>
+              <a:solidFill>
+                <a:schemeClr val="bg1">
+                  <a:lumMod val="65000"/>
+                </a:schemeClr>
+              </a:solidFill>
+            </a:ln>
+          </p:spPr>
+          <p:style>
+            <a:lnRef idx="1">
+              <a:schemeClr val="accent1"/>
+            </a:lnRef>
+            <a:fillRef idx="0">
+              <a:schemeClr val="accent1"/>
+            </a:fillRef>
+            <a:effectRef idx="0">
+              <a:schemeClr val="accent1"/>
+            </a:effectRef>
+            <a:fontRef idx="minor">
+              <a:schemeClr val="tx1"/>
+            </a:fontRef>
+          </p:style>
+        </p:cxnSp>
+      </p:grpSp>
+      <p:sp>
+        <p:nvSpPr>
+          <p:cNvPr id="9" name="文字方塊 8">
+            <a:extLst>
+              <a:ext uri="{FF2B5EF4-FFF2-40B4-BE49-F238E27FC236}">
+                <a16:creationId xmlns:a16="http://schemas.microsoft.com/office/drawing/2014/main" id="{86A05795-1AB8-405B-B653-12E926B8AD64}"/>
+              </a:ext>
+            </a:extLst>
+          </p:cNvPr>
+          <p:cNvSpPr txBox="1"/>
+          <p:nvPr/>
+        </p:nvSpPr>
+        <p:spPr>
+          <a:xfrm>
+            <a:off x="6828066" y="862171"/>
+            <a:ext cx="5228179" cy="3847207"/>
+          </a:xfrm>
+          <a:prstGeom prst="rect">
+            <a:avLst/>
+          </a:prstGeom>
+          <a:noFill/>
+        </p:spPr>
+        <p:txBody>
+          <a:bodyPr wrap="square">
+            <a:spAutoFit/>
+          </a:bodyPr>
+          <a:lstStyle/>
+          <a:p>
+            <a:r>
+              <a:rPr lang="en-US" altLang="zh-TW" sz="2400" b="1" dirty="0">
+                <a:latin typeface="Times New Roman" panose="02020603050405020304" pitchFamily="18" charset="0"/>
+                <a:cs typeface="Times New Roman" panose="02020603050405020304" pitchFamily="18" charset="0"/>
+              </a:rPr>
+              <a:t>EA-MT English-to-Chinese system :</a:t>
+            </a:r>
+          </a:p>
+          <a:p>
+            <a:endParaRPr lang="en-US" altLang="zh-TW" b="1" dirty="0">
+              <a:latin typeface="Times New Roman" panose="02020603050405020304" pitchFamily="18" charset="0"/>
+              <a:cs typeface="Times New Roman" panose="02020603050405020304" pitchFamily="18" charset="0"/>
+            </a:endParaRPr>
+          </a:p>
+          <a:p>
+            <a:pPr marL="342900" indent="-342900">
+              <a:buFont typeface="+mj-lt"/>
+              <a:buAutoNum type="arabicPeriod"/>
+            </a:pPr>
+            <a:r>
+              <a:rPr lang="en-US" altLang="zh-TW" b="1" dirty="0" err="1">
+                <a:latin typeface="Times New Roman" panose="02020603050405020304" pitchFamily="18" charset="0"/>
+                <a:cs typeface="Times New Roman" panose="02020603050405020304" pitchFamily="18" charset="0"/>
+              </a:rPr>
+              <a:t>SpaCy</a:t>
+            </a:r>
+            <a:r>
+              <a:rPr lang="en-US" altLang="zh-TW" dirty="0">
+                <a:latin typeface="Times New Roman" panose="02020603050405020304" pitchFamily="18" charset="0"/>
+                <a:cs typeface="Times New Roman" panose="02020603050405020304" pitchFamily="18" charset="0"/>
+              </a:rPr>
+              <a:t> for </a:t>
+            </a:r>
+            <a:r>
+              <a:rPr lang="en-US" altLang="zh-TW" b="1" dirty="0">
+                <a:latin typeface="Times New Roman" panose="02020603050405020304" pitchFamily="18" charset="0"/>
+                <a:cs typeface="Times New Roman" panose="02020603050405020304" pitchFamily="18" charset="0"/>
+              </a:rPr>
+              <a:t>NER </a:t>
+            </a:r>
+          </a:p>
+          <a:p>
+            <a:pPr marL="342900" indent="-342900">
+              <a:buFont typeface="+mj-lt"/>
+              <a:buAutoNum type="arabicPeriod"/>
+            </a:pPr>
+            <a:r>
+              <a:rPr lang="en-US" altLang="zh-TW" b="1" dirty="0" err="1">
+                <a:latin typeface="Times New Roman" panose="02020603050405020304" pitchFamily="18" charset="0"/>
+                <a:cs typeface="Times New Roman" panose="02020603050405020304" pitchFamily="18" charset="0"/>
+              </a:rPr>
+              <a:t>mBART</a:t>
+            </a:r>
+            <a:r>
+              <a:rPr lang="en-US" altLang="zh-TW" dirty="0">
+                <a:latin typeface="Times New Roman" panose="02020603050405020304" pitchFamily="18" charset="0"/>
+                <a:cs typeface="Times New Roman" panose="02020603050405020304" pitchFamily="18" charset="0"/>
+              </a:rPr>
+              <a:t> for multilingual machine translation.</a:t>
+            </a:r>
+          </a:p>
+          <a:p>
+            <a:pPr marL="342900" indent="-342900">
+              <a:buFont typeface="+mj-lt"/>
+              <a:buAutoNum type="arabicPeriod"/>
+            </a:pPr>
+            <a:r>
+              <a:rPr lang="en-US" altLang="zh-TW" dirty="0">
+                <a:latin typeface="Times New Roman" panose="02020603050405020304" pitchFamily="18" charset="0"/>
+                <a:cs typeface="Times New Roman" panose="02020603050405020304" pitchFamily="18" charset="0"/>
+              </a:rPr>
+              <a:t>Enhancing evaluation metrics: </a:t>
+            </a:r>
+          </a:p>
+          <a:p>
+            <a:pPr marL="800100" lvl="1" indent="-342900">
+              <a:buFont typeface="+mj-lt"/>
+              <a:buAutoNum type="arabicPeriod"/>
+            </a:pPr>
+            <a:r>
+              <a:rPr lang="en-US" altLang="zh-TW" sz="1800" b="1" i="1" dirty="0" err="1">
+                <a:latin typeface="Times New Roman" panose="02020603050405020304" pitchFamily="18" charset="0"/>
+                <a:cs typeface="Times New Roman" panose="02020603050405020304" pitchFamily="18" charset="0"/>
+              </a:rPr>
+              <a:t>Jieba</a:t>
+            </a:r>
+            <a:r>
+              <a:rPr lang="en-US" altLang="zh-TW" sz="1800" b="1" i="1" dirty="0">
+                <a:latin typeface="Times New Roman" panose="02020603050405020304" pitchFamily="18" charset="0"/>
+                <a:cs typeface="Times New Roman" panose="02020603050405020304" pitchFamily="18" charset="0"/>
+              </a:rPr>
+              <a:t> </a:t>
+            </a:r>
+            <a:r>
+              <a:rPr lang="en-US" altLang="zh-TW" dirty="0">
+                <a:latin typeface="Times New Roman" panose="02020603050405020304" pitchFamily="18" charset="0"/>
+                <a:cs typeface="Times New Roman" panose="02020603050405020304" pitchFamily="18" charset="0"/>
+              </a:rPr>
+              <a:t>Chinese tokenization</a:t>
+            </a:r>
+          </a:p>
+          <a:p>
+            <a:pPr marL="800100" lvl="1" indent="-342900">
+              <a:buFont typeface="+mj-lt"/>
+              <a:buAutoNum type="arabicPeriod"/>
+            </a:pPr>
+            <a:r>
+              <a:rPr lang="en-US" altLang="zh-CN" sz="1800" b="1" spc="300" dirty="0">
+                <a:solidFill>
+                  <a:schemeClr val="tx1">
+                    <a:lumMod val="85000"/>
+                    <a:lumOff val="15000"/>
+                  </a:schemeClr>
+                </a:solidFill>
+                <a:effectLst>
+                  <a:outerShdw blurRad="38100" dist="38100" dir="2700000" algn="tl">
+                    <a:srgbClr val="000000">
+                      <a:alpha val="43137"/>
+                    </a:srgbClr>
+                  </a:outerShdw>
+                </a:effectLst>
+                <a:latin typeface="Times New Roman" panose="02020603050405020304" pitchFamily="18" charset="0"/>
+                <a:cs typeface="Times New Roman" panose="02020603050405020304" pitchFamily="18" charset="0"/>
+                <a:sym typeface="+mn-lt"/>
+              </a:rPr>
+              <a:t>HIT-CIR</a:t>
+            </a:r>
+            <a:r>
+              <a:rPr lang="en-US" altLang="zh-TW" sz="1800" b="1" spc="300" dirty="0">
+                <a:solidFill>
+                  <a:schemeClr val="tx1">
+                    <a:lumMod val="85000"/>
+                    <a:lumOff val="15000"/>
+                  </a:schemeClr>
+                </a:solidFill>
+                <a:effectLst>
+                  <a:outerShdw blurRad="38100" dist="38100" dir="2700000" algn="tl">
+                    <a:srgbClr val="000000">
+                      <a:alpha val="43137"/>
+                    </a:srgbClr>
+                  </a:outerShdw>
+                </a:effectLst>
+                <a:latin typeface="Times New Roman" panose="02020603050405020304" pitchFamily="18" charset="0"/>
+                <a:cs typeface="Times New Roman" panose="02020603050405020304" pitchFamily="18" charset="0"/>
+                <a:sym typeface="+mn-lt"/>
+              </a:rPr>
+              <a:t>&amp;</a:t>
+            </a:r>
+            <a:r>
+              <a:rPr lang="en-US" altLang="zh-TW" sz="1800" b="1" i="1" dirty="0">
+                <a:latin typeface="Times New Roman" panose="02020603050405020304" pitchFamily="18" charset="0"/>
+                <a:cs typeface="Times New Roman" panose="02020603050405020304" pitchFamily="18" charset="0"/>
+              </a:rPr>
+              <a:t> </a:t>
+            </a:r>
+            <a:r>
+              <a:rPr lang="en-US" altLang="zh-TW" sz="1800" b="1" i="1" dirty="0" err="1">
+                <a:latin typeface="Times New Roman" panose="02020603050405020304" pitchFamily="18" charset="0"/>
+                <a:cs typeface="Times New Roman" panose="02020603050405020304" pitchFamily="18" charset="0"/>
+              </a:rPr>
+              <a:t>OpenHowNet</a:t>
+            </a:r>
+            <a:r>
+              <a:rPr lang="en-US" altLang="zh-TW" sz="1800" b="1" i="1" dirty="0">
+                <a:latin typeface="Times New Roman" panose="02020603050405020304" pitchFamily="18" charset="0"/>
+                <a:cs typeface="Times New Roman" panose="02020603050405020304" pitchFamily="18" charset="0"/>
+              </a:rPr>
+              <a:t> </a:t>
+            </a:r>
+            <a:r>
+              <a:rPr lang="zh-TW" altLang="en-US" sz="1800" b="1" i="1" dirty="0">
+                <a:latin typeface="Times New Roman" panose="02020603050405020304" pitchFamily="18" charset="0"/>
+                <a:cs typeface="Times New Roman" panose="02020603050405020304" pitchFamily="18" charset="0"/>
+              </a:rPr>
+              <a:t> </a:t>
+            </a:r>
+            <a:r>
+              <a:rPr lang="en-US" altLang="zh-TW" dirty="0">
+                <a:latin typeface="Times New Roman" panose="02020603050405020304" pitchFamily="18" charset="0"/>
+                <a:cs typeface="Times New Roman" panose="02020603050405020304" pitchFamily="18" charset="0"/>
+              </a:rPr>
+              <a:t>synonym matching</a:t>
+            </a:r>
+          </a:p>
+          <a:p>
+            <a:pPr marL="342900" indent="-342900">
+              <a:buFont typeface="+mj-lt"/>
+              <a:buAutoNum type="arabicPeriod"/>
+            </a:pPr>
+            <a:r>
+              <a:rPr lang="en-US" altLang="zh-TW" b="1" dirty="0">
+                <a:latin typeface="Times New Roman" panose="02020603050405020304" pitchFamily="18" charset="0"/>
+                <a:cs typeface="Times New Roman" panose="02020603050405020304" pitchFamily="18" charset="0"/>
+              </a:rPr>
+              <a:t>METEOR</a:t>
+            </a:r>
+            <a:r>
+              <a:rPr lang="en-US" altLang="zh-TW" dirty="0">
+                <a:latin typeface="Times New Roman" panose="02020603050405020304" pitchFamily="18" charset="0"/>
+                <a:cs typeface="Times New Roman" panose="02020603050405020304" pitchFamily="18" charset="0"/>
+              </a:rPr>
+              <a:t> score of 0.6649 </a:t>
+            </a:r>
+          </a:p>
+          <a:p>
+            <a:pPr marL="342900" indent="-342900">
+              <a:buFont typeface="+mj-lt"/>
+              <a:buAutoNum type="arabicPeriod"/>
+            </a:pPr>
+            <a:r>
+              <a:rPr lang="en-US" altLang="zh-TW" dirty="0" err="1">
+                <a:latin typeface="Times New Roman" panose="02020603050405020304" pitchFamily="18" charset="0"/>
+                <a:cs typeface="Times New Roman" panose="02020603050405020304" pitchFamily="18" charset="0"/>
+              </a:rPr>
+              <a:t>BERTScore</a:t>
+            </a:r>
+            <a:r>
+              <a:rPr lang="en-US" altLang="zh-TW" dirty="0">
+                <a:latin typeface="Times New Roman" panose="02020603050405020304" pitchFamily="18" charset="0"/>
+                <a:cs typeface="Times New Roman" panose="02020603050405020304" pitchFamily="18" charset="0"/>
+              </a:rPr>
+              <a:t> (F1: 0.7965)</a:t>
+            </a:r>
+          </a:p>
+          <a:p>
+            <a:pPr marL="342900" indent="-342900">
+              <a:buFont typeface="+mj-lt"/>
+              <a:buAutoNum type="arabicPeriod"/>
+            </a:pPr>
+            <a:endParaRPr lang="en-US" altLang="zh-TW" dirty="0">
+              <a:latin typeface="Times New Roman" panose="02020603050405020304" pitchFamily="18" charset="0"/>
+              <a:cs typeface="Times New Roman" panose="02020603050405020304" pitchFamily="18" charset="0"/>
+            </a:endParaRPr>
+          </a:p>
+          <a:p>
+            <a:r>
+              <a:rPr lang="en-US" altLang="zh-TW" sz="2000" b="1" dirty="0">
+                <a:latin typeface="Times New Roman" panose="02020603050405020304" pitchFamily="18" charset="0"/>
+                <a:cs typeface="Times New Roman" panose="02020603050405020304" pitchFamily="18" charset="0"/>
+              </a:rPr>
+              <a:t>Demonstrating superior translation quality and semantic alignment.</a:t>
+            </a:r>
+          </a:p>
+        </p:txBody>
+      </p:sp>
     </p:spTree>
   </p:cSld>
   <p:clrMapOvr>
@@ -26445,12 +23949,12 @@
   </p:clrMapOvr>
   <mc:AlternateContent xmlns:mc="http://schemas.openxmlformats.org/markup-compatibility/2006" xmlns:p14="http://schemas.microsoft.com/office/powerpoint/2010/main">
     <mc:Choice Requires="p14">
-      <p:transition spd="slow" p14:dur="1500" advClick="0" advTm="0">
+      <p:transition spd="slow" p14:dur="1500" advClick="0" advTm="2000">
         <p:split orient="vert"/>
       </p:transition>
     </mc:Choice>
     <mc:Fallback xmlns="">
-      <p:transition spd="slow" advClick="0" advTm="0">
+      <p:transition spd="slow" advClick="0" advTm="2000">
         <p:split orient="vert"/>
       </p:transition>
     </mc:Fallback>
@@ -27218,142 +24722,151 @@
       </p:grpSpPr>
       <p:sp>
         <p:nvSpPr>
-          <p:cNvPr id="41" name="TextBox 8"/>
-          <p:cNvSpPr txBox="1"/>
+          <p:cNvPr id="6" name="矩形 5"/>
+          <p:cNvSpPr/>
           <p:nvPr/>
         </p:nvSpPr>
         <p:spPr>
           <a:xfrm>
-            <a:off x="4080395" y="339016"/>
-            <a:ext cx="3743030" cy="369199"/>
+            <a:off x="365760" y="304800"/>
+            <a:ext cx="11521440" cy="6217920"/>
           </a:xfrm>
           <a:prstGeom prst="rect">
             <a:avLst/>
           </a:prstGeom>
           <a:noFill/>
+          <a:ln w="57150">
+            <a:solidFill>
+              <a:srgbClr val="0D559A"/>
+            </a:solidFill>
+          </a:ln>
         </p:spPr>
+        <p:style>
+          <a:lnRef idx="2">
+            <a:schemeClr val="accent1">
+              <a:shade val="50000"/>
+            </a:schemeClr>
+          </a:lnRef>
+          <a:fillRef idx="1">
+            <a:schemeClr val="accent1"/>
+          </a:fillRef>
+          <a:effectRef idx="0">
+            <a:schemeClr val="accent1"/>
+          </a:effectRef>
+          <a:fontRef idx="minor">
+            <a:schemeClr val="lt1"/>
+          </a:fontRef>
+        </p:style>
         <p:txBody>
-          <a:bodyPr wrap="square" lIns="0" tIns="0" rIns="0" bIns="0" rtlCol="0" anchor="ctr">
-            <a:spAutoFit/>
-          </a:bodyPr>
+          <a:bodyPr rtlCol="0" anchor="ctr"/>
           <a:lstStyle/>
           <a:p>
             <a:pPr algn="ctr"/>
-            <a:r>
-              <a:rPr lang="zh-CN" altLang="en-US" sz="2400" dirty="0">
-                <a:solidFill>
-                  <a:schemeClr val="tx1">
-                    <a:lumMod val="75000"/>
-                    <a:lumOff val="25000"/>
-                  </a:schemeClr>
-                </a:solidFill>
-                <a:cs typeface="+mn-ea"/>
-                <a:sym typeface="+mn-lt"/>
-              </a:rPr>
-              <a:t>点击输入您的标题</a:t>
-            </a:r>
-            <a:endParaRPr lang="zh-CN" altLang="en-US" sz="3200" dirty="0">
-              <a:solidFill>
-                <a:schemeClr val="tx1">
-                  <a:lumMod val="75000"/>
-                  <a:lumOff val="25000"/>
-                </a:schemeClr>
-              </a:solidFill>
+            <a:endParaRPr lang="zh-CN" altLang="en-US">
               <a:cs typeface="+mn-ea"/>
               <a:sym typeface="+mn-lt"/>
             </a:endParaRPr>
           </a:p>
         </p:txBody>
       </p:sp>
-      <p:grpSp>
-        <p:nvGrpSpPr>
-          <p:cNvPr id="42" name="组合 41"/>
-          <p:cNvGrpSpPr/>
+      <p:pic>
+        <p:nvPicPr>
+          <p:cNvPr id="4" name="图片 3"/>
+          <p:cNvPicPr>
+            <a:picLocks noChangeAspect="1"/>
+          </p:cNvPicPr>
           <p:nvPr/>
-        </p:nvGrpSpPr>
-        <p:grpSpPr>
+        </p:nvPicPr>
+        <p:blipFill rotWithShape="1">
+          <a:blip r:embed="rId2">
+            <a:extLst>
+              <a:ext uri="{28A0092B-C50C-407E-A947-70E740481C1C}">
+                <a14:useLocalDpi xmlns:a14="http://schemas.microsoft.com/office/drawing/2010/main" val="0"/>
+              </a:ext>
+            </a:extLst>
+          </a:blip>
+          <a:srcRect l="71835" b="32416"/>
+          <a:stretch>
+            <a:fillRect/>
+          </a:stretch>
+        </p:blipFill>
+        <p:spPr>
           <a:xfrm>
-            <a:off x="842270" y="562518"/>
-            <a:ext cx="10507461" cy="0"/>
-            <a:chOff x="1028775" y="591989"/>
-            <a:chExt cx="11086097" cy="0"/>
+            <a:off x="7772400" y="-1"/>
+            <a:ext cx="4417925" cy="6858001"/>
           </a:xfrm>
-        </p:grpSpPr>
-        <p:cxnSp>
-          <p:nvCxnSpPr>
-            <p:cNvPr id="43" name="直接连接符 42"/>
-            <p:cNvCxnSpPr/>
-            <p:nvPr/>
-          </p:nvCxnSpPr>
-          <p:spPr>
-            <a:xfrm>
-              <a:off x="1028775" y="591989"/>
-              <a:ext cx="3504197" cy="0"/>
-            </a:xfrm>
-            <a:prstGeom prst="line">
-              <a:avLst/>
-            </a:prstGeom>
-            <a:ln>
-              <a:solidFill>
-                <a:schemeClr val="bg1">
-                  <a:lumMod val="65000"/>
-                </a:schemeClr>
-              </a:solidFill>
-            </a:ln>
-          </p:spPr>
-          <p:style>
-            <a:lnRef idx="1">
-              <a:schemeClr val="accent1"/>
-            </a:lnRef>
-            <a:fillRef idx="0">
-              <a:schemeClr val="accent1"/>
-            </a:fillRef>
-            <a:effectRef idx="0">
-              <a:schemeClr val="accent1"/>
-            </a:effectRef>
-            <a:fontRef idx="minor">
-              <a:schemeClr val="tx1"/>
-            </a:fontRef>
-          </p:style>
-        </p:cxnSp>
-        <p:cxnSp>
-          <p:nvCxnSpPr>
-            <p:cNvPr id="44" name="直接连接符 43"/>
-            <p:cNvCxnSpPr/>
-            <p:nvPr/>
-          </p:nvCxnSpPr>
-          <p:spPr>
-            <a:xfrm>
-              <a:off x="8610675" y="591989"/>
-              <a:ext cx="3504197" cy="0"/>
-            </a:xfrm>
-            <a:prstGeom prst="line">
-              <a:avLst/>
-            </a:prstGeom>
-            <a:ln>
-              <a:solidFill>
-                <a:schemeClr val="bg1">
-                  <a:lumMod val="65000"/>
-                </a:schemeClr>
-              </a:solidFill>
-            </a:ln>
-          </p:spPr>
-          <p:style>
-            <a:lnRef idx="1">
-              <a:schemeClr val="accent1"/>
-            </a:lnRef>
-            <a:fillRef idx="0">
-              <a:schemeClr val="accent1"/>
-            </a:fillRef>
-            <a:effectRef idx="0">
-              <a:schemeClr val="accent1"/>
-            </a:effectRef>
-            <a:fontRef idx="minor">
-              <a:schemeClr val="tx1"/>
-            </a:fontRef>
-          </p:style>
-        </p:cxnSp>
-      </p:grpSp>
+          <a:prstGeom prst="rect">
+            <a:avLst/>
+          </a:prstGeom>
+        </p:spPr>
+      </p:pic>
+      <p:pic>
+        <p:nvPicPr>
+          <p:cNvPr id="10" name="图片 9"/>
+          <p:cNvPicPr>
+            <a:picLocks noChangeAspect="1"/>
+          </p:cNvPicPr>
+          <p:nvPr/>
+        </p:nvPicPr>
+        <p:blipFill rotWithShape="1">
+          <a:blip r:embed="rId2">
+            <a:extLst>
+              <a:ext uri="{28A0092B-C50C-407E-A947-70E740481C1C}">
+                <a14:useLocalDpi xmlns:a14="http://schemas.microsoft.com/office/drawing/2010/main" val="0"/>
+              </a:ext>
+            </a:extLst>
+          </a:blip>
+          <a:srcRect l="-214" t="42629" r="72049"/>
+          <a:stretch>
+            <a:fillRect/>
+          </a:stretch>
+        </p:blipFill>
+        <p:spPr>
+          <a:xfrm>
+            <a:off x="-33491" y="-56771"/>
+            <a:ext cx="5247444" cy="6914770"/>
+          </a:xfrm>
+          <a:prstGeom prst="rect">
+            <a:avLst/>
+          </a:prstGeom>
+        </p:spPr>
+      </p:pic>
+      <p:pic>
+        <p:nvPicPr>
+          <p:cNvPr id="3" name="圖片 2">
+            <a:extLst>
+              <a:ext uri="{FF2B5EF4-FFF2-40B4-BE49-F238E27FC236}">
+                <a16:creationId xmlns:a16="http://schemas.microsoft.com/office/drawing/2014/main" id="{097089FC-C142-4FD0-8231-B0F00955B89A}"/>
+              </a:ext>
+            </a:extLst>
+          </p:cNvPr>
+          <p:cNvPicPr>
+            <a:picLocks noChangeAspect="1"/>
+          </p:cNvPicPr>
+          <p:nvPr/>
+        </p:nvPicPr>
+        <p:blipFill>
+          <a:blip r:embed="rId3" cstate="print">
+            <a:extLst>
+              <a:ext uri="{28A0092B-C50C-407E-A947-70E740481C1C}">
+                <a14:useLocalDpi xmlns:a14="http://schemas.microsoft.com/office/drawing/2010/main" val="0"/>
+              </a:ext>
+            </a:extLst>
+          </a:blip>
+          <a:stretch>
+            <a:fillRect/>
+          </a:stretch>
+        </p:blipFill>
+        <p:spPr>
+          <a:xfrm>
+            <a:off x="3162300" y="914400"/>
+            <a:ext cx="5251450" cy="5251450"/>
+          </a:xfrm>
+          <a:prstGeom prst="rect">
+            <a:avLst/>
+          </a:prstGeom>
+        </p:spPr>
+      </p:pic>
     </p:spTree>
   </p:cSld>
   <p:clrMapOvr>
@@ -27361,12 +24874,12 @@
   </p:clrMapOvr>
   <mc:AlternateContent xmlns:mc="http://schemas.openxmlformats.org/markup-compatibility/2006" xmlns:p14="http://schemas.microsoft.com/office/powerpoint/2010/main">
     <mc:Choice Requires="p14">
-      <p:transition spd="slow" p14:dur="1500" advClick="0" advTm="2000">
+      <p:transition spd="slow" p14:dur="1500" advClick="0" advTm="0">
         <p:split orient="vert"/>
       </p:transition>
     </mc:Choice>
     <mc:Fallback xmlns="">
-      <p:transition spd="slow" advClick="0" advTm="2000">
+      <p:transition spd="slow" advClick="0" advTm="0">
         <p:split orient="vert"/>
       </p:transition>
     </mc:Fallback>

--- a/NLP243/Projects/EA_MT.pptx
+++ b/NLP243/Projects/EA_MT.pptx
@@ -23907,7 +23907,7 @@
               <a:buAutoNum type="arabicPeriod"/>
             </a:pPr>
             <a:r>
-              <a:rPr lang="en-US" altLang="zh-TW" dirty="0" err="1">
+              <a:rPr lang="en-US" altLang="zh-TW" b="1" dirty="0" err="1">
                 <a:latin typeface="Times New Roman" panose="02020603050405020304" pitchFamily="18" charset="0"/>
                 <a:cs typeface="Times New Roman" panose="02020603050405020304" pitchFamily="18" charset="0"/>
               </a:rPr>
@@ -32819,7 +32819,7 @@
                 <a:latin typeface="Times New Roman" panose="02020603050405020304" pitchFamily="18" charset="0"/>
                 <a:cs typeface="Times New Roman" panose="02020603050405020304" pitchFamily="18" charset="0"/>
               </a:rPr>
-              <a:t>These will cause inaccuracies in transla</a:t>
+              <a:t>These will cause inaccuracies in transl</a:t>
             </a:r>
             <a:r>
               <a:rPr lang="en-US" altLang="zh-TW" sz="3200" dirty="0">
